--- a/Foundation of Artificial Intelligence/Project 2 ICA/Weight changing presentation.pptx
+++ b/Foundation of Artificial Intelligence/Project 2 ICA/Weight changing presentation.pptx
@@ -5,14 +5,21 @@
     <p:sldMasterId id="2147483696" r:id="rId1"/>
   </p:sldMasterIdLst>
   <p:sldIdLst>
-    <p:sldId id="256" r:id="rId2"/>
-    <p:sldId id="257" r:id="rId3"/>
-    <p:sldId id="258" r:id="rId4"/>
-    <p:sldId id="259" r:id="rId5"/>
-    <p:sldId id="260" r:id="rId6"/>
-    <p:sldId id="262" r:id="rId7"/>
-    <p:sldId id="261" r:id="rId8"/>
-    <p:sldId id="263" r:id="rId9"/>
+    <p:sldId id="264" r:id="rId2"/>
+    <p:sldId id="265" r:id="rId3"/>
+    <p:sldId id="266" r:id="rId4"/>
+    <p:sldId id="267" r:id="rId5"/>
+    <p:sldId id="274" r:id="rId6"/>
+    <p:sldId id="275" r:id="rId7"/>
+    <p:sldId id="273" r:id="rId8"/>
+    <p:sldId id="256" r:id="rId9"/>
+    <p:sldId id="257" r:id="rId10"/>
+    <p:sldId id="258" r:id="rId11"/>
+    <p:sldId id="259" r:id="rId12"/>
+    <p:sldId id="260" r:id="rId13"/>
+    <p:sldId id="262" r:id="rId14"/>
+    <p:sldId id="261" r:id="rId15"/>
+    <p:sldId id="263" r:id="rId16"/>
   </p:sldIdLst>
   <p:sldSz cx="12192000" cy="6858000"/>
   <p:notesSz cx="6858000" cy="9144000"/>
@@ -307,7 +314,7 @@
           <a:p>
             <a:fld id="{D2A796D8-A8F5-4D86-9935-D4CFC0305492}" type="datetimeFigureOut">
               <a:rPr lang="en-IN" smtClean="0"/>
-              <a:t>31-12-2024</a:t>
+              <a:t>01-01-2025</a:t>
             </a:fld>
             <a:endParaRPr lang="en-IN"/>
           </a:p>
@@ -645,7 +652,7 @@
           <a:p>
             <a:fld id="{D2A796D8-A8F5-4D86-9935-D4CFC0305492}" type="datetimeFigureOut">
               <a:rPr lang="en-IN" smtClean="0"/>
-              <a:t>31-12-2024</a:t>
+              <a:t>01-01-2025</a:t>
             </a:fld>
             <a:endParaRPr lang="en-IN"/>
           </a:p>
@@ -1046,7 +1053,7 @@
           <a:p>
             <a:fld id="{D2A796D8-A8F5-4D86-9935-D4CFC0305492}" type="datetimeFigureOut">
               <a:rPr lang="en-IN" smtClean="0"/>
-              <a:t>31-12-2024</a:t>
+              <a:t>01-01-2025</a:t>
             </a:fld>
             <a:endParaRPr lang="en-IN"/>
           </a:p>
@@ -1382,7 +1389,7 @@
           <a:p>
             <a:fld id="{D2A796D8-A8F5-4D86-9935-D4CFC0305492}" type="datetimeFigureOut">
               <a:rPr lang="en-IN" smtClean="0"/>
-              <a:t>31-12-2024</a:t>
+              <a:t>01-01-2025</a:t>
             </a:fld>
             <a:endParaRPr lang="en-IN"/>
           </a:p>
@@ -1702,7 +1709,7 @@
           <a:p>
             <a:fld id="{D2A796D8-A8F5-4D86-9935-D4CFC0305492}" type="datetimeFigureOut">
               <a:rPr lang="en-IN" smtClean="0"/>
-              <a:t>31-12-2024</a:t>
+              <a:t>01-01-2025</a:t>
             </a:fld>
             <a:endParaRPr lang="en-IN"/>
           </a:p>
@@ -2098,7 +2105,7 @@
           <a:p>
             <a:fld id="{D2A796D8-A8F5-4D86-9935-D4CFC0305492}" type="datetimeFigureOut">
               <a:rPr lang="en-IN" smtClean="0"/>
-              <a:t>31-12-2024</a:t>
+              <a:t>01-01-2025</a:t>
             </a:fld>
             <a:endParaRPr lang="en-IN"/>
           </a:p>
@@ -2355,7 +2362,7 @@
           <a:p>
             <a:fld id="{D2A796D8-A8F5-4D86-9935-D4CFC0305492}" type="datetimeFigureOut">
               <a:rPr lang="en-IN" smtClean="0"/>
-              <a:t>31-12-2024</a:t>
+              <a:t>01-01-2025</a:t>
             </a:fld>
             <a:endParaRPr lang="en-IN"/>
           </a:p>
@@ -2617,7 +2624,7 @@
           <a:p>
             <a:fld id="{D2A796D8-A8F5-4D86-9935-D4CFC0305492}" type="datetimeFigureOut">
               <a:rPr lang="en-IN" smtClean="0"/>
-              <a:t>31-12-2024</a:t>
+              <a:t>01-01-2025</a:t>
             </a:fld>
             <a:endParaRPr lang="en-IN"/>
           </a:p>
@@ -2879,7 +2886,7 @@
           <a:p>
             <a:fld id="{D2A796D8-A8F5-4D86-9935-D4CFC0305492}" type="datetimeFigureOut">
               <a:rPr lang="en-IN" smtClean="0"/>
-              <a:t>31-12-2024</a:t>
+              <a:t>01-01-2025</a:t>
             </a:fld>
             <a:endParaRPr lang="en-IN"/>
           </a:p>
@@ -3208,7 +3215,7 @@
           <a:p>
             <a:fld id="{D2A796D8-A8F5-4D86-9935-D4CFC0305492}" type="datetimeFigureOut">
               <a:rPr lang="en-IN" smtClean="0"/>
-              <a:t>31-12-2024</a:t>
+              <a:t>01-01-2025</a:t>
             </a:fld>
             <a:endParaRPr lang="en-IN"/>
           </a:p>
@@ -3531,7 +3538,7 @@
           <a:p>
             <a:fld id="{D2A796D8-A8F5-4D86-9935-D4CFC0305492}" type="datetimeFigureOut">
               <a:rPr lang="en-IN" smtClean="0"/>
-              <a:t>31-12-2024</a:t>
+              <a:t>01-01-2025</a:t>
             </a:fld>
             <a:endParaRPr lang="en-IN"/>
           </a:p>
@@ -3988,7 +3995,7 @@
           <a:p>
             <a:fld id="{D2A796D8-A8F5-4D86-9935-D4CFC0305492}" type="datetimeFigureOut">
               <a:rPr lang="en-IN" smtClean="0"/>
-              <a:t>31-12-2024</a:t>
+              <a:t>01-01-2025</a:t>
             </a:fld>
             <a:endParaRPr lang="en-IN"/>
           </a:p>
@@ -4193,7 +4200,7 @@
           <a:p>
             <a:fld id="{D2A796D8-A8F5-4D86-9935-D4CFC0305492}" type="datetimeFigureOut">
               <a:rPr lang="en-IN" smtClean="0"/>
-              <a:t>31-12-2024</a:t>
+              <a:t>01-01-2025</a:t>
             </a:fld>
             <a:endParaRPr lang="en-IN"/>
           </a:p>
@@ -4370,7 +4377,7 @@
           <a:p>
             <a:fld id="{D2A796D8-A8F5-4D86-9935-D4CFC0305492}" type="datetimeFigureOut">
               <a:rPr lang="en-IN" smtClean="0"/>
-              <a:t>31-12-2024</a:t>
+              <a:t>01-01-2025</a:t>
             </a:fld>
             <a:endParaRPr lang="en-IN"/>
           </a:p>
@@ -4703,7 +4710,7 @@
           <a:p>
             <a:fld id="{D2A796D8-A8F5-4D86-9935-D4CFC0305492}" type="datetimeFigureOut">
               <a:rPr lang="en-IN" smtClean="0"/>
-              <a:t>31-12-2024</a:t>
+              <a:t>01-01-2025</a:t>
             </a:fld>
             <a:endParaRPr lang="en-IN"/>
           </a:p>
@@ -5048,7 +5055,7 @@
           <a:p>
             <a:fld id="{D2A796D8-A8F5-4D86-9935-D4CFC0305492}" type="datetimeFigureOut">
               <a:rPr lang="en-IN" smtClean="0"/>
-              <a:t>31-12-2024</a:t>
+              <a:t>01-01-2025</a:t>
             </a:fld>
             <a:endParaRPr lang="en-IN"/>
           </a:p>
@@ -7165,7 +7172,7 @@
           <a:p>
             <a:fld id="{D2A796D8-A8F5-4D86-9935-D4CFC0305492}" type="datetimeFigureOut">
               <a:rPr lang="en-IN" smtClean="0"/>
-              <a:t>31-12-2024</a:t>
+              <a:t>01-01-2025</a:t>
             </a:fld>
             <a:endParaRPr lang="en-IN"/>
           </a:p>
@@ -7667,6 +7674,4063 @@
 </file>
 
 <file path=ppt/slides/slide1.xml><?xml version="1.0" encoding="utf-8"?>
+<p:sld xmlns:a="http://schemas.openxmlformats.org/drawingml/2006/main" xmlns:r="http://schemas.openxmlformats.org/officeDocument/2006/relationships" xmlns:p="http://schemas.openxmlformats.org/presentationml/2006/main">
+  <p:cSld>
+    <p:spTree>
+      <p:nvGrpSpPr>
+        <p:cNvPr id="1" name=""/>
+        <p:cNvGrpSpPr/>
+        <p:nvPr/>
+      </p:nvGrpSpPr>
+      <p:grpSpPr>
+        <a:xfrm>
+          <a:off x="0" y="0"/>
+          <a:ext cx="0" cy="0"/>
+          <a:chOff x="0" y="0"/>
+          <a:chExt cx="0" cy="0"/>
+        </a:xfrm>
+      </p:grpSpPr>
+      <p:pic>
+        <p:nvPicPr>
+          <p:cNvPr id="5" name="Picture 4">
+            <a:extLst>
+              <a:ext uri="{FF2B5EF4-FFF2-40B4-BE49-F238E27FC236}">
+                <a16:creationId xmlns:a16="http://schemas.microsoft.com/office/drawing/2014/main" id="{6A2A7826-A88E-C0E3-FDF1-98F63417D5DA}"/>
+              </a:ext>
+            </a:extLst>
+          </p:cNvPr>
+          <p:cNvPicPr>
+            <a:picLocks noChangeAspect="1"/>
+          </p:cNvPicPr>
+          <p:nvPr/>
+        </p:nvPicPr>
+        <p:blipFill>
+          <a:blip r:embed="rId2"/>
+          <a:stretch>
+            <a:fillRect/>
+          </a:stretch>
+        </p:blipFill>
+        <p:spPr>
+          <a:xfrm>
+            <a:off x="7063332" y="166520"/>
+            <a:ext cx="4725059" cy="1486107"/>
+          </a:xfrm>
+          <a:prstGeom prst="rect">
+            <a:avLst/>
+          </a:prstGeom>
+        </p:spPr>
+      </p:pic>
+      <p:pic>
+        <p:nvPicPr>
+          <p:cNvPr id="7" name="Picture 6">
+            <a:extLst>
+              <a:ext uri="{FF2B5EF4-FFF2-40B4-BE49-F238E27FC236}">
+                <a16:creationId xmlns:a16="http://schemas.microsoft.com/office/drawing/2014/main" id="{5C009255-4B9D-BAB6-C43F-B21BA808C2EA}"/>
+              </a:ext>
+            </a:extLst>
+          </p:cNvPr>
+          <p:cNvPicPr>
+            <a:picLocks noChangeAspect="1"/>
+          </p:cNvPicPr>
+          <p:nvPr/>
+        </p:nvPicPr>
+        <p:blipFill>
+          <a:blip r:embed="rId3"/>
+          <a:stretch>
+            <a:fillRect/>
+          </a:stretch>
+        </p:blipFill>
+        <p:spPr>
+          <a:xfrm>
+            <a:off x="473947" y="1836685"/>
+            <a:ext cx="11244105" cy="4827523"/>
+          </a:xfrm>
+          <a:prstGeom prst="rect">
+            <a:avLst/>
+          </a:prstGeom>
+        </p:spPr>
+      </p:pic>
+      <p:sp>
+        <p:nvSpPr>
+          <p:cNvPr id="8" name="TextBox 7">
+            <a:extLst>
+              <a:ext uri="{FF2B5EF4-FFF2-40B4-BE49-F238E27FC236}">
+                <a16:creationId xmlns:a16="http://schemas.microsoft.com/office/drawing/2014/main" id="{04B1BC04-0CDE-9DF0-22D9-88F08343A29F}"/>
+              </a:ext>
+            </a:extLst>
+          </p:cNvPr>
+          <p:cNvSpPr txBox="1"/>
+          <p:nvPr/>
+        </p:nvSpPr>
+        <p:spPr>
+          <a:xfrm>
+            <a:off x="584444" y="1283295"/>
+            <a:ext cx="6408549" cy="369332"/>
+          </a:xfrm>
+          <a:prstGeom prst="rect">
+            <a:avLst/>
+          </a:prstGeom>
+          <a:noFill/>
+        </p:spPr>
+        <p:txBody>
+          <a:bodyPr wrap="none" rtlCol="0">
+            <a:spAutoFit/>
+          </a:bodyPr>
+          <a:lstStyle/>
+          <a:p>
+            <a:r>
+              <a:rPr lang="en-US" b="1" dirty="0">
+                <a:latin typeface="Arial" panose="020B0604020202020204" pitchFamily="34" charset="0"/>
+                <a:cs typeface="Arial" panose="020B0604020202020204" pitchFamily="34" charset="0"/>
+              </a:rPr>
+              <a:t>A* Search Algorithm using Manhattan Heuristic Function</a:t>
+            </a:r>
+            <a:endParaRPr lang="en-IN" b="1" dirty="0">
+              <a:latin typeface="Arial" panose="020B0604020202020204" pitchFamily="34" charset="0"/>
+              <a:cs typeface="Arial" panose="020B0604020202020204" pitchFamily="34" charset="0"/>
+            </a:endParaRPr>
+          </a:p>
+        </p:txBody>
+      </p:sp>
+    </p:spTree>
+    <p:extLst>
+      <p:ext uri="{BB962C8B-B14F-4D97-AF65-F5344CB8AC3E}">
+        <p14:creationId xmlns:p14="http://schemas.microsoft.com/office/powerpoint/2010/main" val="3831022522"/>
+      </p:ext>
+    </p:extLst>
+  </p:cSld>
+  <p:clrMapOvr>
+    <a:masterClrMapping/>
+  </p:clrMapOvr>
+</p:sld>
+</file>
+
+<file path=ppt/slides/slide10.xml><?xml version="1.0" encoding="utf-8"?>
+<p:sld xmlns:a="http://schemas.openxmlformats.org/drawingml/2006/main" xmlns:r="http://schemas.openxmlformats.org/officeDocument/2006/relationships" xmlns:p="http://schemas.openxmlformats.org/presentationml/2006/main">
+  <p:cSld>
+    <p:spTree>
+      <p:nvGrpSpPr>
+        <p:cNvPr id="1" name="">
+          <a:extLst>
+            <a:ext uri="{FF2B5EF4-FFF2-40B4-BE49-F238E27FC236}">
+              <a16:creationId xmlns:a16="http://schemas.microsoft.com/office/drawing/2014/main" id="{47F38455-D506-506D-5330-B5AFE9099D9A}"/>
+            </a:ext>
+          </a:extLst>
+        </p:cNvPr>
+        <p:cNvGrpSpPr/>
+        <p:nvPr/>
+      </p:nvGrpSpPr>
+      <p:grpSpPr>
+        <a:xfrm>
+          <a:off x="0" y="0"/>
+          <a:ext cx="0" cy="0"/>
+          <a:chOff x="0" y="0"/>
+          <a:chExt cx="0" cy="0"/>
+        </a:xfrm>
+      </p:grpSpPr>
+      <p:graphicFrame>
+        <p:nvGraphicFramePr>
+          <p:cNvPr id="6" name="Table 5">
+            <a:extLst>
+              <a:ext uri="{FF2B5EF4-FFF2-40B4-BE49-F238E27FC236}">
+                <a16:creationId xmlns:a16="http://schemas.microsoft.com/office/drawing/2014/main" id="{754F0A2D-DE6E-334D-9323-FFA08EF4E733}"/>
+              </a:ext>
+            </a:extLst>
+          </p:cNvPr>
+          <p:cNvGraphicFramePr>
+            <a:graphicFrameLocks noGrp="1"/>
+          </p:cNvGraphicFramePr>
+          <p:nvPr>
+            <p:extLst>
+              <p:ext uri="{D42A27DB-BD31-4B8C-83A1-F6EECF244321}">
+                <p14:modId xmlns:p14="http://schemas.microsoft.com/office/powerpoint/2010/main" val="1943884446"/>
+              </p:ext>
+            </p:extLst>
+          </p:nvPr>
+        </p:nvGraphicFramePr>
+        <p:xfrm>
+          <a:off x="2847867" y="85444"/>
+          <a:ext cx="4909457" cy="1409700"/>
+        </p:xfrm>
+        <a:graphic>
+          <a:graphicData uri="http://schemas.openxmlformats.org/drawingml/2006/table">
+            <a:tbl>
+              <a:tblPr>
+                <a:tableStyleId>{5C22544A-7EE6-4342-B048-85BDC9FD1C3A}</a:tableStyleId>
+              </a:tblPr>
+              <a:tblGrid>
+                <a:gridCol w="1831305">
+                  <a:extLst>
+                    <a:ext uri="{9D8B030D-6E8A-4147-A177-3AD203B41FA5}">
+                      <a16:colId xmlns:a16="http://schemas.microsoft.com/office/drawing/2014/main" val="892411615"/>
+                    </a:ext>
+                  </a:extLst>
+                </a:gridCol>
+                <a:gridCol w="1383220">
+                  <a:extLst>
+                    <a:ext uri="{9D8B030D-6E8A-4147-A177-3AD203B41FA5}">
+                      <a16:colId xmlns:a16="http://schemas.microsoft.com/office/drawing/2014/main" val="4112619596"/>
+                    </a:ext>
+                  </a:extLst>
+                </a:gridCol>
+                <a:gridCol w="1694932">
+                  <a:extLst>
+                    <a:ext uri="{9D8B030D-6E8A-4147-A177-3AD203B41FA5}">
+                      <a16:colId xmlns:a16="http://schemas.microsoft.com/office/drawing/2014/main" val="3210649056"/>
+                    </a:ext>
+                  </a:extLst>
+                </a:gridCol>
+              </a:tblGrid>
+              <a:tr h="256741">
+                <a:tc>
+                  <a:txBody>
+                    <a:bodyPr/>
+                    <a:lstStyle/>
+                    <a:p>
+                      <a:pPr algn="ctr" fontAlgn="ctr"/>
+                      <a:r>
+                        <a:rPr lang="en-IN" sz="1800" u="none" strike="noStrike" dirty="0">
+                          <a:solidFill>
+                            <a:schemeClr val="tx1"/>
+                          </a:solidFill>
+                          <a:effectLst/>
+                        </a:rPr>
+                        <a:t>Weight</a:t>
+                      </a:r>
+                      <a:endParaRPr lang="en-IN" sz="1800" b="1" i="0" u="none" strike="noStrike" dirty="0">
+                        <a:solidFill>
+                          <a:schemeClr val="tx1"/>
+                        </a:solidFill>
+                        <a:effectLst/>
+                        <a:latin typeface="Aptos Narrow" panose="020B0004020202020204" pitchFamily="34" charset="0"/>
+                      </a:endParaRPr>
+                    </a:p>
+                  </a:txBody>
+                  <a:tcPr marL="7620" marR="7620" marT="7620" marB="0" anchor="ctr"/>
+                </a:tc>
+                <a:tc rowSpan="2">
+                  <a:txBody>
+                    <a:bodyPr/>
+                    <a:lstStyle/>
+                    <a:p>
+                      <a:pPr algn="ctr" fontAlgn="ctr"/>
+                      <a:r>
+                        <a:rPr lang="en-IN" sz="1800" u="none" strike="noStrike" dirty="0">
+                          <a:solidFill>
+                            <a:schemeClr val="tx1"/>
+                          </a:solidFill>
+                          <a:effectLst/>
+                        </a:rPr>
+                        <a:t>Heuristic</a:t>
+                      </a:r>
+                      <a:endParaRPr lang="en-IN" sz="1800" b="1" i="0" u="none" strike="noStrike" dirty="0">
+                        <a:solidFill>
+                          <a:schemeClr val="tx1"/>
+                        </a:solidFill>
+                        <a:effectLst/>
+                        <a:latin typeface="Aptos Narrow" panose="020B0004020202020204" pitchFamily="34" charset="0"/>
+                      </a:endParaRPr>
+                    </a:p>
+                  </a:txBody>
+                  <a:tcPr marL="7620" marR="7620" marT="7620" marB="0" anchor="ctr"/>
+                </a:tc>
+                <a:tc rowSpan="2">
+                  <a:txBody>
+                    <a:bodyPr/>
+                    <a:lstStyle/>
+                    <a:p>
+                      <a:pPr algn="ctr" fontAlgn="ctr"/>
+                      <a:r>
+                        <a:rPr lang="en-IN" sz="1800" u="none" strike="noStrike">
+                          <a:solidFill>
+                            <a:schemeClr val="tx1"/>
+                          </a:solidFill>
+                          <a:effectLst/>
+                        </a:rPr>
+                        <a:t>Path Length</a:t>
+                      </a:r>
+                      <a:endParaRPr lang="en-IN" sz="1800" b="1" i="0" u="none" strike="noStrike">
+                        <a:solidFill>
+                          <a:schemeClr val="tx1"/>
+                        </a:solidFill>
+                        <a:effectLst/>
+                        <a:latin typeface="Aptos Narrow" panose="020B0004020202020204" pitchFamily="34" charset="0"/>
+                      </a:endParaRPr>
+                    </a:p>
+                  </a:txBody>
+                  <a:tcPr marL="7620" marR="7620" marT="7620" marB="0" anchor="ctr"/>
+                </a:tc>
+                <a:extLst>
+                  <a:ext uri="{0D108BD9-81ED-4DB2-BD59-A6C34878D82A}">
+                    <a16:rowId xmlns:a16="http://schemas.microsoft.com/office/drawing/2014/main" val="477313569"/>
+                  </a:ext>
+                </a:extLst>
+              </a:tr>
+              <a:tr h="267438">
+                <a:tc>
+                  <a:txBody>
+                    <a:bodyPr/>
+                    <a:lstStyle/>
+                    <a:p>
+                      <a:pPr algn="ctr" fontAlgn="ctr"/>
+                      <a:r>
+                        <a:rPr lang="en-IN" sz="1800" u="none" strike="noStrike" dirty="0">
+                          <a:solidFill>
+                            <a:schemeClr val="tx1"/>
+                          </a:solidFill>
+                          <a:effectLst/>
+                        </a:rPr>
+                        <a:t>(N,E,S,W)</a:t>
+                      </a:r>
+                      <a:endParaRPr lang="en-IN" sz="1800" b="1" i="0" u="none" strike="noStrike" dirty="0">
+                        <a:solidFill>
+                          <a:schemeClr val="tx1"/>
+                        </a:solidFill>
+                        <a:effectLst/>
+                        <a:latin typeface="Aptos Narrow" panose="020B0004020202020204" pitchFamily="34" charset="0"/>
+                      </a:endParaRPr>
+                    </a:p>
+                  </a:txBody>
+                  <a:tcPr marL="7620" marR="7620" marT="7620" marB="0" anchor="ctr"/>
+                </a:tc>
+                <a:tc vMerge="1">
+                  <a:txBody>
+                    <a:bodyPr/>
+                    <a:lstStyle/>
+                    <a:p>
+                      <a:endParaRPr lang="en-IN"/>
+                    </a:p>
+                  </a:txBody>
+                  <a:tcPr/>
+                </a:tc>
+                <a:tc vMerge="1">
+                  <a:txBody>
+                    <a:bodyPr/>
+                    <a:lstStyle/>
+                    <a:p>
+                      <a:endParaRPr lang="en-IN"/>
+                    </a:p>
+                  </a:txBody>
+                  <a:tcPr/>
+                </a:tc>
+                <a:extLst>
+                  <a:ext uri="{0D108BD9-81ED-4DB2-BD59-A6C34878D82A}">
+                    <a16:rowId xmlns:a16="http://schemas.microsoft.com/office/drawing/2014/main" val="3557603266"/>
+                  </a:ext>
+                </a:extLst>
+              </a:tr>
+              <a:tr h="256741">
+                <a:tc>
+                  <a:txBody>
+                    <a:bodyPr/>
+                    <a:lstStyle/>
+                    <a:p>
+                      <a:pPr algn="ctr" fontAlgn="ctr"/>
+                      <a:r>
+                        <a:rPr lang="en-IN" sz="1800" u="none" strike="noStrike" dirty="0">
+                          <a:effectLst/>
+                          <a:highlight>
+                            <a:srgbClr val="FF0000"/>
+                          </a:highlight>
+                        </a:rPr>
+                        <a:t>(0,10,10,0)</a:t>
+                      </a:r>
+                      <a:endParaRPr lang="en-IN" sz="1800" b="1" i="0" u="none" strike="noStrike" dirty="0">
+                        <a:solidFill>
+                          <a:srgbClr val="000000"/>
+                        </a:solidFill>
+                        <a:effectLst/>
+                        <a:highlight>
+                          <a:srgbClr val="FF0000"/>
+                        </a:highlight>
+                        <a:latin typeface="Aptos Narrow" panose="020B0004020202020204" pitchFamily="34" charset="0"/>
+                      </a:endParaRPr>
+                    </a:p>
+                  </a:txBody>
+                  <a:tcPr marL="7620" marR="7620" marT="7620" marB="0" anchor="ctr"/>
+                </a:tc>
+                <a:tc>
+                  <a:txBody>
+                    <a:bodyPr/>
+                    <a:lstStyle/>
+                    <a:p>
+                      <a:pPr algn="ctr" fontAlgn="ctr"/>
+                      <a:r>
+                        <a:rPr lang="en-IN" sz="1800" u="none" strike="noStrike">
+                          <a:effectLst/>
+                          <a:highlight>
+                            <a:srgbClr val="FF0000"/>
+                          </a:highlight>
+                        </a:rPr>
+                        <a:t>Manhattan</a:t>
+                      </a:r>
+                      <a:endParaRPr lang="en-IN" sz="1800" b="1" i="0" u="none" strike="noStrike">
+                        <a:solidFill>
+                          <a:srgbClr val="000000"/>
+                        </a:solidFill>
+                        <a:effectLst/>
+                        <a:highlight>
+                          <a:srgbClr val="FF0000"/>
+                        </a:highlight>
+                        <a:latin typeface="Aptos Narrow" panose="020B0004020202020204" pitchFamily="34" charset="0"/>
+                      </a:endParaRPr>
+                    </a:p>
+                  </a:txBody>
+                  <a:tcPr marL="7620" marR="7620" marT="7620" marB="0" anchor="ctr"/>
+                </a:tc>
+                <a:tc>
+                  <a:txBody>
+                    <a:bodyPr/>
+                    <a:lstStyle/>
+                    <a:p>
+                      <a:pPr algn="ctr" fontAlgn="ctr"/>
+                      <a:r>
+                        <a:rPr lang="en-IN" sz="1800" u="none" strike="noStrike" dirty="0">
+                          <a:effectLst/>
+                          <a:highlight>
+                            <a:srgbClr val="FF0000"/>
+                          </a:highlight>
+                        </a:rPr>
+                        <a:t>113</a:t>
+                      </a:r>
+                      <a:endParaRPr lang="en-IN" sz="1800" b="0" i="0" u="none" strike="noStrike" dirty="0">
+                        <a:solidFill>
+                          <a:srgbClr val="000000"/>
+                        </a:solidFill>
+                        <a:effectLst/>
+                        <a:highlight>
+                          <a:srgbClr val="FF0000"/>
+                        </a:highlight>
+                        <a:latin typeface="Aptos Narrow" panose="020B0004020202020204" pitchFamily="34" charset="0"/>
+                      </a:endParaRPr>
+                    </a:p>
+                  </a:txBody>
+                  <a:tcPr marL="7620" marR="7620" marT="7620" marB="0" anchor="ctr"/>
+                </a:tc>
+                <a:extLst>
+                  <a:ext uri="{0D108BD9-81ED-4DB2-BD59-A6C34878D82A}">
+                    <a16:rowId xmlns:a16="http://schemas.microsoft.com/office/drawing/2014/main" val="4215129200"/>
+                  </a:ext>
+                </a:extLst>
+              </a:tr>
+              <a:tr h="256741">
+                <a:tc>
+                  <a:txBody>
+                    <a:bodyPr/>
+                    <a:lstStyle/>
+                    <a:p>
+                      <a:pPr algn="ctr" fontAlgn="ctr"/>
+                      <a:r>
+                        <a:rPr lang="en-IN" sz="1800" u="none" strike="noStrike" dirty="0">
+                          <a:effectLst/>
+                          <a:highlight>
+                            <a:srgbClr val="00FF00"/>
+                          </a:highlight>
+                        </a:rPr>
+                        <a:t>(0,10,10,0)</a:t>
+                      </a:r>
+                      <a:endParaRPr lang="en-IN" sz="1800" b="1" i="0" u="none" strike="noStrike" dirty="0">
+                        <a:solidFill>
+                          <a:srgbClr val="000000"/>
+                        </a:solidFill>
+                        <a:effectLst/>
+                        <a:highlight>
+                          <a:srgbClr val="00FF00"/>
+                        </a:highlight>
+                        <a:latin typeface="Aptos Narrow" panose="020B0004020202020204" pitchFamily="34" charset="0"/>
+                      </a:endParaRPr>
+                    </a:p>
+                  </a:txBody>
+                  <a:tcPr marL="7620" marR="7620" marT="7620" marB="0" anchor="ctr"/>
+                </a:tc>
+                <a:tc>
+                  <a:txBody>
+                    <a:bodyPr/>
+                    <a:lstStyle/>
+                    <a:p>
+                      <a:pPr algn="ctr" fontAlgn="ctr"/>
+                      <a:r>
+                        <a:rPr lang="en-IN" sz="1800" u="none" strike="noStrike" dirty="0">
+                          <a:effectLst/>
+                          <a:highlight>
+                            <a:srgbClr val="00FF00"/>
+                          </a:highlight>
+                        </a:rPr>
+                        <a:t>Euclidean</a:t>
+                      </a:r>
+                      <a:endParaRPr lang="en-IN" sz="1800" b="1" i="0" u="none" strike="noStrike" dirty="0">
+                        <a:solidFill>
+                          <a:srgbClr val="000000"/>
+                        </a:solidFill>
+                        <a:effectLst/>
+                        <a:highlight>
+                          <a:srgbClr val="00FF00"/>
+                        </a:highlight>
+                        <a:latin typeface="Aptos Narrow" panose="020B0004020202020204" pitchFamily="34" charset="0"/>
+                      </a:endParaRPr>
+                    </a:p>
+                  </a:txBody>
+                  <a:tcPr marL="7620" marR="7620" marT="7620" marB="0" anchor="ctr"/>
+                </a:tc>
+                <a:tc>
+                  <a:txBody>
+                    <a:bodyPr/>
+                    <a:lstStyle/>
+                    <a:p>
+                      <a:pPr algn="ctr" fontAlgn="ctr"/>
+                      <a:r>
+                        <a:rPr lang="en-IN" sz="1800" u="none" strike="noStrike" dirty="0">
+                          <a:effectLst/>
+                          <a:highlight>
+                            <a:srgbClr val="00FF00"/>
+                          </a:highlight>
+                        </a:rPr>
+                        <a:t>113</a:t>
+                      </a:r>
+                      <a:endParaRPr lang="en-IN" sz="1800" b="0" i="0" u="none" strike="noStrike" dirty="0">
+                        <a:solidFill>
+                          <a:srgbClr val="000000"/>
+                        </a:solidFill>
+                        <a:effectLst/>
+                        <a:highlight>
+                          <a:srgbClr val="00FF00"/>
+                        </a:highlight>
+                        <a:latin typeface="Aptos Narrow" panose="020B0004020202020204" pitchFamily="34" charset="0"/>
+                      </a:endParaRPr>
+                    </a:p>
+                  </a:txBody>
+                  <a:tcPr marL="7620" marR="7620" marT="7620" marB="0" anchor="ctr"/>
+                </a:tc>
+                <a:extLst>
+                  <a:ext uri="{0D108BD9-81ED-4DB2-BD59-A6C34878D82A}">
+                    <a16:rowId xmlns:a16="http://schemas.microsoft.com/office/drawing/2014/main" val="2180606911"/>
+                  </a:ext>
+                </a:extLst>
+              </a:tr>
+              <a:tr h="267438">
+                <a:tc>
+                  <a:txBody>
+                    <a:bodyPr/>
+                    <a:lstStyle/>
+                    <a:p>
+                      <a:pPr algn="ctr" fontAlgn="ctr"/>
+                      <a:r>
+                        <a:rPr lang="en-IN" sz="1800" u="none" strike="noStrike" dirty="0">
+                          <a:solidFill>
+                            <a:schemeClr val="tx1"/>
+                          </a:solidFill>
+                          <a:effectLst/>
+                          <a:highlight>
+                            <a:srgbClr val="0000FF"/>
+                          </a:highlight>
+                        </a:rPr>
+                        <a:t>(0,10,10,0)</a:t>
+                      </a:r>
+                      <a:endParaRPr lang="en-IN" sz="1800" b="1" i="0" u="none" strike="noStrike" dirty="0">
+                        <a:solidFill>
+                          <a:schemeClr val="tx1"/>
+                        </a:solidFill>
+                        <a:effectLst/>
+                        <a:highlight>
+                          <a:srgbClr val="0000FF"/>
+                        </a:highlight>
+                        <a:latin typeface="Aptos Narrow" panose="020B0004020202020204" pitchFamily="34" charset="0"/>
+                      </a:endParaRPr>
+                    </a:p>
+                  </a:txBody>
+                  <a:tcPr marL="7620" marR="7620" marT="7620" marB="0" anchor="ctr"/>
+                </a:tc>
+                <a:tc>
+                  <a:txBody>
+                    <a:bodyPr/>
+                    <a:lstStyle/>
+                    <a:p>
+                      <a:pPr algn="ctr" fontAlgn="ctr"/>
+                      <a:r>
+                        <a:rPr lang="en-IN" sz="1800" u="none" strike="noStrike" dirty="0">
+                          <a:solidFill>
+                            <a:schemeClr val="tx1"/>
+                          </a:solidFill>
+                          <a:effectLst/>
+                          <a:highlight>
+                            <a:srgbClr val="0000FF"/>
+                          </a:highlight>
+                        </a:rPr>
+                        <a:t>Chebyshev</a:t>
+                      </a:r>
+                      <a:endParaRPr lang="en-IN" sz="1800" b="1" i="0" u="none" strike="noStrike" dirty="0">
+                        <a:solidFill>
+                          <a:schemeClr val="tx1"/>
+                        </a:solidFill>
+                        <a:effectLst/>
+                        <a:highlight>
+                          <a:srgbClr val="0000FF"/>
+                        </a:highlight>
+                        <a:latin typeface="Aptos Narrow" panose="020B0004020202020204" pitchFamily="34" charset="0"/>
+                      </a:endParaRPr>
+                    </a:p>
+                  </a:txBody>
+                  <a:tcPr marL="7620" marR="7620" marT="7620" marB="0" anchor="ctr"/>
+                </a:tc>
+                <a:tc>
+                  <a:txBody>
+                    <a:bodyPr/>
+                    <a:lstStyle/>
+                    <a:p>
+                      <a:pPr algn="ctr" fontAlgn="ctr"/>
+                      <a:r>
+                        <a:rPr lang="en-IN" sz="1800" u="none" strike="noStrike" dirty="0">
+                          <a:solidFill>
+                            <a:schemeClr val="tx1"/>
+                          </a:solidFill>
+                          <a:effectLst/>
+                          <a:highlight>
+                            <a:srgbClr val="0000FF"/>
+                          </a:highlight>
+                        </a:rPr>
+                        <a:t>113</a:t>
+                      </a:r>
+                      <a:endParaRPr lang="en-IN" sz="1800" b="0" i="0" u="none" strike="noStrike" dirty="0">
+                        <a:solidFill>
+                          <a:schemeClr val="tx1"/>
+                        </a:solidFill>
+                        <a:effectLst/>
+                        <a:highlight>
+                          <a:srgbClr val="0000FF"/>
+                        </a:highlight>
+                        <a:latin typeface="Aptos Narrow" panose="020B0004020202020204" pitchFamily="34" charset="0"/>
+                      </a:endParaRPr>
+                    </a:p>
+                  </a:txBody>
+                  <a:tcPr marL="7620" marR="7620" marT="7620" marB="0" anchor="ctr"/>
+                </a:tc>
+                <a:extLst>
+                  <a:ext uri="{0D108BD9-81ED-4DB2-BD59-A6C34878D82A}">
+                    <a16:rowId xmlns:a16="http://schemas.microsoft.com/office/drawing/2014/main" val="3821123107"/>
+                  </a:ext>
+                </a:extLst>
+              </a:tr>
+            </a:tbl>
+          </a:graphicData>
+        </a:graphic>
+      </p:graphicFrame>
+      <p:pic>
+        <p:nvPicPr>
+          <p:cNvPr id="3" name="Picture 2">
+            <a:extLst>
+              <a:ext uri="{FF2B5EF4-FFF2-40B4-BE49-F238E27FC236}">
+                <a16:creationId xmlns:a16="http://schemas.microsoft.com/office/drawing/2014/main" id="{37B90154-4B8C-2A4B-C769-B17A268F4A77}"/>
+              </a:ext>
+            </a:extLst>
+          </p:cNvPr>
+          <p:cNvPicPr>
+            <a:picLocks noChangeAspect="1"/>
+          </p:cNvPicPr>
+          <p:nvPr/>
+        </p:nvPicPr>
+        <p:blipFill>
+          <a:blip r:embed="rId2"/>
+          <a:stretch>
+            <a:fillRect/>
+          </a:stretch>
+        </p:blipFill>
+        <p:spPr>
+          <a:xfrm>
+            <a:off x="0" y="1780574"/>
+            <a:ext cx="12192000" cy="3296852"/>
+          </a:xfrm>
+          <a:prstGeom prst="rect">
+            <a:avLst/>
+          </a:prstGeom>
+        </p:spPr>
+      </p:pic>
+    </p:spTree>
+    <p:extLst>
+      <p:ext uri="{BB962C8B-B14F-4D97-AF65-F5344CB8AC3E}">
+        <p14:creationId xmlns:p14="http://schemas.microsoft.com/office/powerpoint/2010/main" val="3518853248"/>
+      </p:ext>
+    </p:extLst>
+  </p:cSld>
+  <p:clrMapOvr>
+    <a:masterClrMapping/>
+  </p:clrMapOvr>
+</p:sld>
+</file>
+
+<file path=ppt/slides/slide11.xml><?xml version="1.0" encoding="utf-8"?>
+<p:sld xmlns:a="http://schemas.openxmlformats.org/drawingml/2006/main" xmlns:r="http://schemas.openxmlformats.org/officeDocument/2006/relationships" xmlns:p="http://schemas.openxmlformats.org/presentationml/2006/main">
+  <p:cSld>
+    <p:spTree>
+      <p:nvGrpSpPr>
+        <p:cNvPr id="1" name="">
+          <a:extLst>
+            <a:ext uri="{FF2B5EF4-FFF2-40B4-BE49-F238E27FC236}">
+              <a16:creationId xmlns:a16="http://schemas.microsoft.com/office/drawing/2014/main" id="{838ED71C-E712-F697-1EC8-29D383F77FCF}"/>
+            </a:ext>
+          </a:extLst>
+        </p:cNvPr>
+        <p:cNvGrpSpPr/>
+        <p:nvPr/>
+      </p:nvGrpSpPr>
+      <p:grpSpPr>
+        <a:xfrm>
+          <a:off x="0" y="0"/>
+          <a:ext cx="0" cy="0"/>
+          <a:chOff x="0" y="0"/>
+          <a:chExt cx="0" cy="0"/>
+        </a:xfrm>
+      </p:grpSpPr>
+      <p:graphicFrame>
+        <p:nvGraphicFramePr>
+          <p:cNvPr id="6" name="Table 5">
+            <a:extLst>
+              <a:ext uri="{FF2B5EF4-FFF2-40B4-BE49-F238E27FC236}">
+                <a16:creationId xmlns:a16="http://schemas.microsoft.com/office/drawing/2014/main" id="{8EB582E2-BAD4-6A8F-D1FB-A4C9E5C907D6}"/>
+              </a:ext>
+            </a:extLst>
+          </p:cNvPr>
+          <p:cNvGraphicFramePr>
+            <a:graphicFrameLocks noGrp="1"/>
+          </p:cNvGraphicFramePr>
+          <p:nvPr>
+            <p:extLst>
+              <p:ext uri="{D42A27DB-BD31-4B8C-83A1-F6EECF244321}">
+                <p14:modId xmlns:p14="http://schemas.microsoft.com/office/powerpoint/2010/main" val="2559782094"/>
+              </p:ext>
+            </p:extLst>
+          </p:nvPr>
+        </p:nvGraphicFramePr>
+        <p:xfrm>
+          <a:off x="2847867" y="85444"/>
+          <a:ext cx="4909457" cy="1409700"/>
+        </p:xfrm>
+        <a:graphic>
+          <a:graphicData uri="http://schemas.openxmlformats.org/drawingml/2006/table">
+            <a:tbl>
+              <a:tblPr>
+                <a:tableStyleId>{5C22544A-7EE6-4342-B048-85BDC9FD1C3A}</a:tableStyleId>
+              </a:tblPr>
+              <a:tblGrid>
+                <a:gridCol w="1831305">
+                  <a:extLst>
+                    <a:ext uri="{9D8B030D-6E8A-4147-A177-3AD203B41FA5}">
+                      <a16:colId xmlns:a16="http://schemas.microsoft.com/office/drawing/2014/main" val="892411615"/>
+                    </a:ext>
+                  </a:extLst>
+                </a:gridCol>
+                <a:gridCol w="1383220">
+                  <a:extLst>
+                    <a:ext uri="{9D8B030D-6E8A-4147-A177-3AD203B41FA5}">
+                      <a16:colId xmlns:a16="http://schemas.microsoft.com/office/drawing/2014/main" val="4112619596"/>
+                    </a:ext>
+                  </a:extLst>
+                </a:gridCol>
+                <a:gridCol w="1694932">
+                  <a:extLst>
+                    <a:ext uri="{9D8B030D-6E8A-4147-A177-3AD203B41FA5}">
+                      <a16:colId xmlns:a16="http://schemas.microsoft.com/office/drawing/2014/main" val="3210649056"/>
+                    </a:ext>
+                  </a:extLst>
+                </a:gridCol>
+              </a:tblGrid>
+              <a:tr h="256741">
+                <a:tc>
+                  <a:txBody>
+                    <a:bodyPr/>
+                    <a:lstStyle/>
+                    <a:p>
+                      <a:pPr algn="ctr" fontAlgn="ctr"/>
+                      <a:r>
+                        <a:rPr lang="en-IN" sz="1800" u="none" strike="noStrike" dirty="0">
+                          <a:solidFill>
+                            <a:schemeClr val="tx1"/>
+                          </a:solidFill>
+                          <a:effectLst/>
+                        </a:rPr>
+                        <a:t>Weight</a:t>
+                      </a:r>
+                      <a:endParaRPr lang="en-IN" sz="1800" b="1" i="0" u="none" strike="noStrike" dirty="0">
+                        <a:solidFill>
+                          <a:schemeClr val="tx1"/>
+                        </a:solidFill>
+                        <a:effectLst/>
+                        <a:latin typeface="Aptos Narrow" panose="020B0004020202020204" pitchFamily="34" charset="0"/>
+                      </a:endParaRPr>
+                    </a:p>
+                  </a:txBody>
+                  <a:tcPr marL="7620" marR="7620" marT="7620" marB="0" anchor="ctr"/>
+                </a:tc>
+                <a:tc rowSpan="2">
+                  <a:txBody>
+                    <a:bodyPr/>
+                    <a:lstStyle/>
+                    <a:p>
+                      <a:pPr algn="ctr" fontAlgn="ctr"/>
+                      <a:r>
+                        <a:rPr lang="en-IN" sz="1800" u="none" strike="noStrike" dirty="0">
+                          <a:solidFill>
+                            <a:schemeClr val="tx1"/>
+                          </a:solidFill>
+                          <a:effectLst/>
+                        </a:rPr>
+                        <a:t>Heuristic</a:t>
+                      </a:r>
+                      <a:endParaRPr lang="en-IN" sz="1800" b="1" i="0" u="none" strike="noStrike" dirty="0">
+                        <a:solidFill>
+                          <a:schemeClr val="tx1"/>
+                        </a:solidFill>
+                        <a:effectLst/>
+                        <a:latin typeface="Aptos Narrow" panose="020B0004020202020204" pitchFamily="34" charset="0"/>
+                      </a:endParaRPr>
+                    </a:p>
+                  </a:txBody>
+                  <a:tcPr marL="7620" marR="7620" marT="7620" marB="0" anchor="ctr"/>
+                </a:tc>
+                <a:tc rowSpan="2">
+                  <a:txBody>
+                    <a:bodyPr/>
+                    <a:lstStyle/>
+                    <a:p>
+                      <a:pPr algn="ctr" fontAlgn="ctr"/>
+                      <a:r>
+                        <a:rPr lang="en-IN" sz="1800" u="none" strike="noStrike">
+                          <a:solidFill>
+                            <a:schemeClr val="tx1"/>
+                          </a:solidFill>
+                          <a:effectLst/>
+                        </a:rPr>
+                        <a:t>Path Length</a:t>
+                      </a:r>
+                      <a:endParaRPr lang="en-IN" sz="1800" b="1" i="0" u="none" strike="noStrike">
+                        <a:solidFill>
+                          <a:schemeClr val="tx1"/>
+                        </a:solidFill>
+                        <a:effectLst/>
+                        <a:latin typeface="Aptos Narrow" panose="020B0004020202020204" pitchFamily="34" charset="0"/>
+                      </a:endParaRPr>
+                    </a:p>
+                  </a:txBody>
+                  <a:tcPr marL="7620" marR="7620" marT="7620" marB="0" anchor="ctr"/>
+                </a:tc>
+                <a:extLst>
+                  <a:ext uri="{0D108BD9-81ED-4DB2-BD59-A6C34878D82A}">
+                    <a16:rowId xmlns:a16="http://schemas.microsoft.com/office/drawing/2014/main" val="477313569"/>
+                  </a:ext>
+                </a:extLst>
+              </a:tr>
+              <a:tr h="267438">
+                <a:tc>
+                  <a:txBody>
+                    <a:bodyPr/>
+                    <a:lstStyle/>
+                    <a:p>
+                      <a:pPr algn="ctr" fontAlgn="ctr"/>
+                      <a:r>
+                        <a:rPr lang="en-IN" sz="1800" u="none" strike="noStrike" dirty="0">
+                          <a:solidFill>
+                            <a:schemeClr val="tx1"/>
+                          </a:solidFill>
+                          <a:effectLst/>
+                        </a:rPr>
+                        <a:t>(N,E,S,W)</a:t>
+                      </a:r>
+                      <a:endParaRPr lang="en-IN" sz="1800" b="1" i="0" u="none" strike="noStrike" dirty="0">
+                        <a:solidFill>
+                          <a:schemeClr val="tx1"/>
+                        </a:solidFill>
+                        <a:effectLst/>
+                        <a:latin typeface="Aptos Narrow" panose="020B0004020202020204" pitchFamily="34" charset="0"/>
+                      </a:endParaRPr>
+                    </a:p>
+                  </a:txBody>
+                  <a:tcPr marL="7620" marR="7620" marT="7620" marB="0" anchor="ctr"/>
+                </a:tc>
+                <a:tc vMerge="1">
+                  <a:txBody>
+                    <a:bodyPr/>
+                    <a:lstStyle/>
+                    <a:p>
+                      <a:endParaRPr lang="en-IN"/>
+                    </a:p>
+                  </a:txBody>
+                  <a:tcPr/>
+                </a:tc>
+                <a:tc vMerge="1">
+                  <a:txBody>
+                    <a:bodyPr/>
+                    <a:lstStyle/>
+                    <a:p>
+                      <a:endParaRPr lang="en-IN"/>
+                    </a:p>
+                  </a:txBody>
+                  <a:tcPr/>
+                </a:tc>
+                <a:extLst>
+                  <a:ext uri="{0D108BD9-81ED-4DB2-BD59-A6C34878D82A}">
+                    <a16:rowId xmlns:a16="http://schemas.microsoft.com/office/drawing/2014/main" val="3557603266"/>
+                  </a:ext>
+                </a:extLst>
+              </a:tr>
+              <a:tr h="256741">
+                <a:tc>
+                  <a:txBody>
+                    <a:bodyPr/>
+                    <a:lstStyle/>
+                    <a:p>
+                      <a:pPr algn="ctr" fontAlgn="ctr"/>
+                      <a:r>
+                        <a:rPr lang="en-IN" sz="1800" u="none" strike="noStrike" dirty="0">
+                          <a:effectLst/>
+                          <a:highlight>
+                            <a:srgbClr val="FF0000"/>
+                          </a:highlight>
+                        </a:rPr>
+                        <a:t>(0,-10,-10,0)</a:t>
+                      </a:r>
+                      <a:endParaRPr lang="en-IN" sz="1800" b="1" i="0" u="none" strike="noStrike" dirty="0">
+                        <a:solidFill>
+                          <a:srgbClr val="000000"/>
+                        </a:solidFill>
+                        <a:effectLst/>
+                        <a:highlight>
+                          <a:srgbClr val="FF0000"/>
+                        </a:highlight>
+                        <a:latin typeface="Aptos Narrow" panose="020B0004020202020204" pitchFamily="34" charset="0"/>
+                      </a:endParaRPr>
+                    </a:p>
+                  </a:txBody>
+                  <a:tcPr marL="7620" marR="7620" marT="7620" marB="0" anchor="ctr"/>
+                </a:tc>
+                <a:tc>
+                  <a:txBody>
+                    <a:bodyPr/>
+                    <a:lstStyle/>
+                    <a:p>
+                      <a:pPr algn="ctr" fontAlgn="ctr"/>
+                      <a:r>
+                        <a:rPr lang="en-IN" sz="1800" u="none" strike="noStrike">
+                          <a:effectLst/>
+                          <a:highlight>
+                            <a:srgbClr val="FF0000"/>
+                          </a:highlight>
+                        </a:rPr>
+                        <a:t>Manhattan</a:t>
+                      </a:r>
+                      <a:endParaRPr lang="en-IN" sz="1800" b="1" i="0" u="none" strike="noStrike">
+                        <a:solidFill>
+                          <a:srgbClr val="000000"/>
+                        </a:solidFill>
+                        <a:effectLst/>
+                        <a:highlight>
+                          <a:srgbClr val="FF0000"/>
+                        </a:highlight>
+                        <a:latin typeface="Aptos Narrow" panose="020B0004020202020204" pitchFamily="34" charset="0"/>
+                      </a:endParaRPr>
+                    </a:p>
+                  </a:txBody>
+                  <a:tcPr marL="7620" marR="7620" marT="7620" marB="0" anchor="ctr"/>
+                </a:tc>
+                <a:tc>
+                  <a:txBody>
+                    <a:bodyPr/>
+                    <a:lstStyle/>
+                    <a:p>
+                      <a:pPr algn="ctr" fontAlgn="ctr"/>
+                      <a:r>
+                        <a:rPr lang="en-IN" sz="1800" u="none" strike="noStrike" dirty="0">
+                          <a:effectLst/>
+                          <a:highlight>
+                            <a:srgbClr val="FF0000"/>
+                          </a:highlight>
+                        </a:rPr>
+                        <a:t>133</a:t>
+                      </a:r>
+                      <a:endParaRPr lang="en-IN" sz="1800" b="0" i="0" u="none" strike="noStrike" dirty="0">
+                        <a:solidFill>
+                          <a:srgbClr val="000000"/>
+                        </a:solidFill>
+                        <a:effectLst/>
+                        <a:highlight>
+                          <a:srgbClr val="FF0000"/>
+                        </a:highlight>
+                        <a:latin typeface="Aptos Narrow" panose="020B0004020202020204" pitchFamily="34" charset="0"/>
+                      </a:endParaRPr>
+                    </a:p>
+                  </a:txBody>
+                  <a:tcPr marL="7620" marR="7620" marT="7620" marB="0" anchor="ctr"/>
+                </a:tc>
+                <a:extLst>
+                  <a:ext uri="{0D108BD9-81ED-4DB2-BD59-A6C34878D82A}">
+                    <a16:rowId xmlns:a16="http://schemas.microsoft.com/office/drawing/2014/main" val="4215129200"/>
+                  </a:ext>
+                </a:extLst>
+              </a:tr>
+              <a:tr h="256741">
+                <a:tc>
+                  <a:txBody>
+                    <a:bodyPr/>
+                    <a:lstStyle/>
+                    <a:p>
+                      <a:pPr algn="ctr" fontAlgn="ctr"/>
+                      <a:r>
+                        <a:rPr lang="en-IN" sz="1800" u="none" strike="noStrike" dirty="0">
+                          <a:effectLst/>
+                          <a:highlight>
+                            <a:srgbClr val="00FF00"/>
+                          </a:highlight>
+                        </a:rPr>
+                        <a:t>(0,-10,-10,0)</a:t>
+                      </a:r>
+                      <a:endParaRPr lang="en-IN" sz="1800" b="1" i="0" u="none" strike="noStrike" dirty="0">
+                        <a:solidFill>
+                          <a:srgbClr val="000000"/>
+                        </a:solidFill>
+                        <a:effectLst/>
+                        <a:highlight>
+                          <a:srgbClr val="00FF00"/>
+                        </a:highlight>
+                        <a:latin typeface="Aptos Narrow" panose="020B0004020202020204" pitchFamily="34" charset="0"/>
+                      </a:endParaRPr>
+                    </a:p>
+                  </a:txBody>
+                  <a:tcPr marL="7620" marR="7620" marT="7620" marB="0" anchor="ctr"/>
+                </a:tc>
+                <a:tc>
+                  <a:txBody>
+                    <a:bodyPr/>
+                    <a:lstStyle/>
+                    <a:p>
+                      <a:pPr algn="ctr" fontAlgn="ctr"/>
+                      <a:r>
+                        <a:rPr lang="en-IN" sz="1800" u="none" strike="noStrike" dirty="0">
+                          <a:effectLst/>
+                          <a:highlight>
+                            <a:srgbClr val="00FF00"/>
+                          </a:highlight>
+                        </a:rPr>
+                        <a:t>Euclidean</a:t>
+                      </a:r>
+                      <a:endParaRPr lang="en-IN" sz="1800" b="1" i="0" u="none" strike="noStrike" dirty="0">
+                        <a:solidFill>
+                          <a:srgbClr val="000000"/>
+                        </a:solidFill>
+                        <a:effectLst/>
+                        <a:highlight>
+                          <a:srgbClr val="00FF00"/>
+                        </a:highlight>
+                        <a:latin typeface="Aptos Narrow" panose="020B0004020202020204" pitchFamily="34" charset="0"/>
+                      </a:endParaRPr>
+                    </a:p>
+                  </a:txBody>
+                  <a:tcPr marL="7620" marR="7620" marT="7620" marB="0" anchor="ctr"/>
+                </a:tc>
+                <a:tc>
+                  <a:txBody>
+                    <a:bodyPr/>
+                    <a:lstStyle/>
+                    <a:p>
+                      <a:pPr algn="ctr" fontAlgn="ctr"/>
+                      <a:r>
+                        <a:rPr lang="en-IN" sz="1800" u="none" strike="noStrike" dirty="0">
+                          <a:effectLst/>
+                          <a:highlight>
+                            <a:srgbClr val="00FF00"/>
+                          </a:highlight>
+                        </a:rPr>
+                        <a:t>133</a:t>
+                      </a:r>
+                      <a:endParaRPr lang="en-IN" sz="1800" b="0" i="0" u="none" strike="noStrike" dirty="0">
+                        <a:solidFill>
+                          <a:srgbClr val="000000"/>
+                        </a:solidFill>
+                        <a:effectLst/>
+                        <a:highlight>
+                          <a:srgbClr val="00FF00"/>
+                        </a:highlight>
+                        <a:latin typeface="Aptos Narrow" panose="020B0004020202020204" pitchFamily="34" charset="0"/>
+                      </a:endParaRPr>
+                    </a:p>
+                  </a:txBody>
+                  <a:tcPr marL="7620" marR="7620" marT="7620" marB="0" anchor="ctr"/>
+                </a:tc>
+                <a:extLst>
+                  <a:ext uri="{0D108BD9-81ED-4DB2-BD59-A6C34878D82A}">
+                    <a16:rowId xmlns:a16="http://schemas.microsoft.com/office/drawing/2014/main" val="2180606911"/>
+                  </a:ext>
+                </a:extLst>
+              </a:tr>
+              <a:tr h="267438">
+                <a:tc>
+                  <a:txBody>
+                    <a:bodyPr/>
+                    <a:lstStyle/>
+                    <a:p>
+                      <a:pPr algn="ctr" fontAlgn="ctr"/>
+                      <a:r>
+                        <a:rPr lang="en-IN" sz="1800" u="none" strike="noStrike" dirty="0">
+                          <a:solidFill>
+                            <a:schemeClr val="tx1"/>
+                          </a:solidFill>
+                          <a:effectLst/>
+                          <a:highlight>
+                            <a:srgbClr val="0000FF"/>
+                          </a:highlight>
+                        </a:rPr>
+                        <a:t>(0,-10,-10,0)</a:t>
+                      </a:r>
+                      <a:endParaRPr lang="en-IN" sz="1800" b="1" i="0" u="none" strike="noStrike" dirty="0">
+                        <a:solidFill>
+                          <a:schemeClr val="tx1"/>
+                        </a:solidFill>
+                        <a:effectLst/>
+                        <a:highlight>
+                          <a:srgbClr val="0000FF"/>
+                        </a:highlight>
+                        <a:latin typeface="Aptos Narrow" panose="020B0004020202020204" pitchFamily="34" charset="0"/>
+                      </a:endParaRPr>
+                    </a:p>
+                  </a:txBody>
+                  <a:tcPr marL="7620" marR="7620" marT="7620" marB="0" anchor="ctr"/>
+                </a:tc>
+                <a:tc>
+                  <a:txBody>
+                    <a:bodyPr/>
+                    <a:lstStyle/>
+                    <a:p>
+                      <a:pPr algn="ctr" fontAlgn="ctr"/>
+                      <a:r>
+                        <a:rPr lang="en-IN" sz="1800" u="none" strike="noStrike" dirty="0">
+                          <a:solidFill>
+                            <a:schemeClr val="tx1"/>
+                          </a:solidFill>
+                          <a:effectLst/>
+                          <a:highlight>
+                            <a:srgbClr val="0000FF"/>
+                          </a:highlight>
+                        </a:rPr>
+                        <a:t>Chebyshev</a:t>
+                      </a:r>
+                      <a:endParaRPr lang="en-IN" sz="1800" b="1" i="0" u="none" strike="noStrike" dirty="0">
+                        <a:solidFill>
+                          <a:schemeClr val="tx1"/>
+                        </a:solidFill>
+                        <a:effectLst/>
+                        <a:highlight>
+                          <a:srgbClr val="0000FF"/>
+                        </a:highlight>
+                        <a:latin typeface="Aptos Narrow" panose="020B0004020202020204" pitchFamily="34" charset="0"/>
+                      </a:endParaRPr>
+                    </a:p>
+                  </a:txBody>
+                  <a:tcPr marL="7620" marR="7620" marT="7620" marB="0" anchor="ctr"/>
+                </a:tc>
+                <a:tc>
+                  <a:txBody>
+                    <a:bodyPr/>
+                    <a:lstStyle/>
+                    <a:p>
+                      <a:pPr algn="ctr" fontAlgn="ctr"/>
+                      <a:r>
+                        <a:rPr lang="en-IN" sz="1800" u="none" strike="noStrike" dirty="0">
+                          <a:solidFill>
+                            <a:schemeClr val="tx1"/>
+                          </a:solidFill>
+                          <a:effectLst/>
+                          <a:highlight>
+                            <a:srgbClr val="0000FF"/>
+                          </a:highlight>
+                        </a:rPr>
+                        <a:t>133</a:t>
+                      </a:r>
+                      <a:endParaRPr lang="en-IN" sz="1800" b="0" i="0" u="none" strike="noStrike" dirty="0">
+                        <a:solidFill>
+                          <a:schemeClr val="tx1"/>
+                        </a:solidFill>
+                        <a:effectLst/>
+                        <a:highlight>
+                          <a:srgbClr val="0000FF"/>
+                        </a:highlight>
+                        <a:latin typeface="Aptos Narrow" panose="020B0004020202020204" pitchFamily="34" charset="0"/>
+                      </a:endParaRPr>
+                    </a:p>
+                  </a:txBody>
+                  <a:tcPr marL="7620" marR="7620" marT="7620" marB="0" anchor="ctr"/>
+                </a:tc>
+                <a:extLst>
+                  <a:ext uri="{0D108BD9-81ED-4DB2-BD59-A6C34878D82A}">
+                    <a16:rowId xmlns:a16="http://schemas.microsoft.com/office/drawing/2014/main" val="3821123107"/>
+                  </a:ext>
+                </a:extLst>
+              </a:tr>
+            </a:tbl>
+          </a:graphicData>
+        </a:graphic>
+      </p:graphicFrame>
+      <p:sp>
+        <p:nvSpPr>
+          <p:cNvPr id="2" name="TextBox 1">
+            <a:extLst>
+              <a:ext uri="{FF2B5EF4-FFF2-40B4-BE49-F238E27FC236}">
+                <a16:creationId xmlns:a16="http://schemas.microsoft.com/office/drawing/2014/main" id="{9C4FDF67-84A8-DED4-BC37-BBB4FC1C6866}"/>
+              </a:ext>
+            </a:extLst>
+          </p:cNvPr>
+          <p:cNvSpPr txBox="1"/>
+          <p:nvPr/>
+        </p:nvSpPr>
+        <p:spPr>
+          <a:xfrm>
+            <a:off x="496151" y="2113935"/>
+            <a:ext cx="9612888" cy="1862048"/>
+          </a:xfrm>
+          <a:prstGeom prst="rect">
+            <a:avLst/>
+          </a:prstGeom>
+          <a:noFill/>
+        </p:spPr>
+        <p:txBody>
+          <a:bodyPr wrap="none" rtlCol="0">
+            <a:spAutoFit/>
+          </a:bodyPr>
+          <a:lstStyle/>
+          <a:p>
+            <a:r>
+              <a:rPr lang="en-US" sz="11500" dirty="0"/>
+              <a:t>Not Applicable</a:t>
+            </a:r>
+            <a:endParaRPr lang="en-IN" sz="11500" dirty="0"/>
+          </a:p>
+        </p:txBody>
+      </p:sp>
+    </p:spTree>
+    <p:extLst>
+      <p:ext uri="{BB962C8B-B14F-4D97-AF65-F5344CB8AC3E}">
+        <p14:creationId xmlns:p14="http://schemas.microsoft.com/office/powerpoint/2010/main" val="809487730"/>
+      </p:ext>
+    </p:extLst>
+  </p:cSld>
+  <p:clrMapOvr>
+    <a:masterClrMapping/>
+  </p:clrMapOvr>
+</p:sld>
+</file>
+
+<file path=ppt/slides/slide12.xml><?xml version="1.0" encoding="utf-8"?>
+<p:sld xmlns:a="http://schemas.openxmlformats.org/drawingml/2006/main" xmlns:r="http://schemas.openxmlformats.org/officeDocument/2006/relationships" xmlns:p="http://schemas.openxmlformats.org/presentationml/2006/main">
+  <p:cSld>
+    <p:spTree>
+      <p:nvGrpSpPr>
+        <p:cNvPr id="1" name="">
+          <a:extLst>
+            <a:ext uri="{FF2B5EF4-FFF2-40B4-BE49-F238E27FC236}">
+              <a16:creationId xmlns:a16="http://schemas.microsoft.com/office/drawing/2014/main" id="{9C601792-D83D-4DAD-1DA8-5A40AE94CBB7}"/>
+            </a:ext>
+          </a:extLst>
+        </p:cNvPr>
+        <p:cNvGrpSpPr/>
+        <p:nvPr/>
+      </p:nvGrpSpPr>
+      <p:grpSpPr>
+        <a:xfrm>
+          <a:off x="0" y="0"/>
+          <a:ext cx="0" cy="0"/>
+          <a:chOff x="0" y="0"/>
+          <a:chExt cx="0" cy="0"/>
+        </a:xfrm>
+      </p:grpSpPr>
+      <p:graphicFrame>
+        <p:nvGraphicFramePr>
+          <p:cNvPr id="6" name="Table 5">
+            <a:extLst>
+              <a:ext uri="{FF2B5EF4-FFF2-40B4-BE49-F238E27FC236}">
+                <a16:creationId xmlns:a16="http://schemas.microsoft.com/office/drawing/2014/main" id="{922C3CD8-1571-322B-0833-4F88E12BF84D}"/>
+              </a:ext>
+            </a:extLst>
+          </p:cNvPr>
+          <p:cNvGraphicFramePr>
+            <a:graphicFrameLocks noGrp="1"/>
+          </p:cNvGraphicFramePr>
+          <p:nvPr>
+            <p:extLst>
+              <p:ext uri="{D42A27DB-BD31-4B8C-83A1-F6EECF244321}">
+                <p14:modId xmlns:p14="http://schemas.microsoft.com/office/powerpoint/2010/main" val="1063744606"/>
+              </p:ext>
+            </p:extLst>
+          </p:nvPr>
+        </p:nvGraphicFramePr>
+        <p:xfrm>
+          <a:off x="2847867" y="85443"/>
+          <a:ext cx="5489889" cy="1998995"/>
+        </p:xfrm>
+        <a:graphic>
+          <a:graphicData uri="http://schemas.openxmlformats.org/drawingml/2006/table">
+            <a:tbl>
+              <a:tblPr>
+                <a:tableStyleId>{5C22544A-7EE6-4342-B048-85BDC9FD1C3A}</a:tableStyleId>
+              </a:tblPr>
+              <a:tblGrid>
+                <a:gridCol w="2047815">
+                  <a:extLst>
+                    <a:ext uri="{9D8B030D-6E8A-4147-A177-3AD203B41FA5}">
+                      <a16:colId xmlns:a16="http://schemas.microsoft.com/office/drawing/2014/main" val="892411615"/>
+                    </a:ext>
+                  </a:extLst>
+                </a:gridCol>
+                <a:gridCol w="1546755">
+                  <a:extLst>
+                    <a:ext uri="{9D8B030D-6E8A-4147-A177-3AD203B41FA5}">
+                      <a16:colId xmlns:a16="http://schemas.microsoft.com/office/drawing/2014/main" val="4112619596"/>
+                    </a:ext>
+                  </a:extLst>
+                </a:gridCol>
+                <a:gridCol w="1895319">
+                  <a:extLst>
+                    <a:ext uri="{9D8B030D-6E8A-4147-A177-3AD203B41FA5}">
+                      <a16:colId xmlns:a16="http://schemas.microsoft.com/office/drawing/2014/main" val="3210649056"/>
+                    </a:ext>
+                  </a:extLst>
+                </a:gridCol>
+              </a:tblGrid>
+              <a:tr h="399799">
+                <a:tc>
+                  <a:txBody>
+                    <a:bodyPr/>
+                    <a:lstStyle/>
+                    <a:p>
+                      <a:pPr algn="ctr" fontAlgn="ctr"/>
+                      <a:r>
+                        <a:rPr lang="en-IN" sz="1800" u="none" strike="noStrike">
+                          <a:solidFill>
+                            <a:schemeClr val="tx1"/>
+                          </a:solidFill>
+                          <a:effectLst/>
+                        </a:rPr>
+                        <a:t>Weight</a:t>
+                      </a:r>
+                      <a:endParaRPr lang="en-IN" sz="1800" b="1" i="0" u="none" strike="noStrike" dirty="0">
+                        <a:solidFill>
+                          <a:schemeClr val="tx1"/>
+                        </a:solidFill>
+                        <a:effectLst/>
+                        <a:latin typeface="Aptos Narrow" panose="020B0004020202020204" pitchFamily="34" charset="0"/>
+                      </a:endParaRPr>
+                    </a:p>
+                  </a:txBody>
+                  <a:tcPr marL="7620" marR="7620" marT="7620" marB="0" anchor="ctr"/>
+                </a:tc>
+                <a:tc rowSpan="2">
+                  <a:txBody>
+                    <a:bodyPr/>
+                    <a:lstStyle/>
+                    <a:p>
+                      <a:pPr algn="ctr" fontAlgn="ctr"/>
+                      <a:r>
+                        <a:rPr lang="en-IN" sz="1800" u="none" strike="noStrike">
+                          <a:solidFill>
+                            <a:schemeClr val="tx1"/>
+                          </a:solidFill>
+                          <a:effectLst/>
+                        </a:rPr>
+                        <a:t>Heuristic</a:t>
+                      </a:r>
+                      <a:endParaRPr lang="en-IN" sz="1800" b="1" i="0" u="none" strike="noStrike" dirty="0">
+                        <a:solidFill>
+                          <a:schemeClr val="tx1"/>
+                        </a:solidFill>
+                        <a:effectLst/>
+                        <a:latin typeface="Aptos Narrow" panose="020B0004020202020204" pitchFamily="34" charset="0"/>
+                      </a:endParaRPr>
+                    </a:p>
+                  </a:txBody>
+                  <a:tcPr marL="7620" marR="7620" marT="7620" marB="0" anchor="ctr"/>
+                </a:tc>
+                <a:tc rowSpan="2">
+                  <a:txBody>
+                    <a:bodyPr/>
+                    <a:lstStyle/>
+                    <a:p>
+                      <a:pPr algn="ctr" fontAlgn="ctr"/>
+                      <a:r>
+                        <a:rPr lang="en-IN" sz="1800" u="none" strike="noStrike">
+                          <a:solidFill>
+                            <a:schemeClr val="tx1"/>
+                          </a:solidFill>
+                          <a:effectLst/>
+                        </a:rPr>
+                        <a:t>Path Length</a:t>
+                      </a:r>
+                      <a:endParaRPr lang="en-IN" sz="1800" b="1" i="0" u="none" strike="noStrike">
+                        <a:solidFill>
+                          <a:schemeClr val="tx1"/>
+                        </a:solidFill>
+                        <a:effectLst/>
+                        <a:latin typeface="Aptos Narrow" panose="020B0004020202020204" pitchFamily="34" charset="0"/>
+                      </a:endParaRPr>
+                    </a:p>
+                  </a:txBody>
+                  <a:tcPr marL="7620" marR="7620" marT="7620" marB="0" anchor="ctr"/>
+                </a:tc>
+                <a:extLst>
+                  <a:ext uri="{0D108BD9-81ED-4DB2-BD59-A6C34878D82A}">
+                    <a16:rowId xmlns:a16="http://schemas.microsoft.com/office/drawing/2014/main" val="477313569"/>
+                  </a:ext>
+                </a:extLst>
+              </a:tr>
+              <a:tr h="399799">
+                <a:tc>
+                  <a:txBody>
+                    <a:bodyPr/>
+                    <a:lstStyle/>
+                    <a:p>
+                      <a:pPr algn="ctr" fontAlgn="ctr"/>
+                      <a:r>
+                        <a:rPr lang="en-IN" sz="1800" u="none" strike="noStrike">
+                          <a:solidFill>
+                            <a:schemeClr val="tx1"/>
+                          </a:solidFill>
+                          <a:effectLst/>
+                        </a:rPr>
+                        <a:t>(N,E,S,W)</a:t>
+                      </a:r>
+                      <a:endParaRPr lang="en-IN" sz="1800" b="1" i="0" u="none" strike="noStrike" dirty="0">
+                        <a:solidFill>
+                          <a:schemeClr val="tx1"/>
+                        </a:solidFill>
+                        <a:effectLst/>
+                        <a:latin typeface="Aptos Narrow" panose="020B0004020202020204" pitchFamily="34" charset="0"/>
+                      </a:endParaRPr>
+                    </a:p>
+                  </a:txBody>
+                  <a:tcPr marL="7620" marR="7620" marT="7620" marB="0" anchor="ctr"/>
+                </a:tc>
+                <a:tc vMerge="1">
+                  <a:txBody>
+                    <a:bodyPr/>
+                    <a:lstStyle/>
+                    <a:p>
+                      <a:endParaRPr lang="en-IN"/>
+                    </a:p>
+                  </a:txBody>
+                  <a:tcPr/>
+                </a:tc>
+                <a:tc vMerge="1">
+                  <a:txBody>
+                    <a:bodyPr/>
+                    <a:lstStyle/>
+                    <a:p>
+                      <a:endParaRPr lang="en-IN"/>
+                    </a:p>
+                  </a:txBody>
+                  <a:tcPr/>
+                </a:tc>
+                <a:extLst>
+                  <a:ext uri="{0D108BD9-81ED-4DB2-BD59-A6C34878D82A}">
+                    <a16:rowId xmlns:a16="http://schemas.microsoft.com/office/drawing/2014/main" val="3557603266"/>
+                  </a:ext>
+                </a:extLst>
+              </a:tr>
+              <a:tr h="399799">
+                <a:tc>
+                  <a:txBody>
+                    <a:bodyPr/>
+                    <a:lstStyle/>
+                    <a:p>
+                      <a:pPr algn="ctr" fontAlgn="ctr"/>
+                      <a:r>
+                        <a:rPr lang="en-IN" sz="1800" u="none" strike="noStrike">
+                          <a:effectLst/>
+                          <a:highlight>
+                            <a:srgbClr val="FF0000"/>
+                          </a:highlight>
+                        </a:rPr>
+                        <a:t>(0,0,0,0)</a:t>
+                      </a:r>
+                      <a:endParaRPr lang="en-IN" sz="1800" b="1" i="0" u="none" strike="noStrike" dirty="0">
+                        <a:solidFill>
+                          <a:srgbClr val="000000"/>
+                        </a:solidFill>
+                        <a:effectLst/>
+                        <a:highlight>
+                          <a:srgbClr val="FF0000"/>
+                        </a:highlight>
+                        <a:latin typeface="Aptos Narrow" panose="020B0004020202020204" pitchFamily="34" charset="0"/>
+                      </a:endParaRPr>
+                    </a:p>
+                  </a:txBody>
+                  <a:tcPr marL="7620" marR="7620" marT="7620" marB="0" anchor="ctr"/>
+                </a:tc>
+                <a:tc>
+                  <a:txBody>
+                    <a:bodyPr/>
+                    <a:lstStyle/>
+                    <a:p>
+                      <a:pPr algn="ctr" fontAlgn="ctr"/>
+                      <a:r>
+                        <a:rPr lang="en-IN" sz="1800" u="none" strike="noStrike">
+                          <a:effectLst/>
+                          <a:highlight>
+                            <a:srgbClr val="FF0000"/>
+                          </a:highlight>
+                        </a:rPr>
+                        <a:t>Manhattan</a:t>
+                      </a:r>
+                      <a:endParaRPr lang="en-IN" sz="1800" b="1" i="0" u="none" strike="noStrike">
+                        <a:solidFill>
+                          <a:srgbClr val="000000"/>
+                        </a:solidFill>
+                        <a:effectLst/>
+                        <a:highlight>
+                          <a:srgbClr val="FF0000"/>
+                        </a:highlight>
+                        <a:latin typeface="Aptos Narrow" panose="020B0004020202020204" pitchFamily="34" charset="0"/>
+                      </a:endParaRPr>
+                    </a:p>
+                  </a:txBody>
+                  <a:tcPr marL="7620" marR="7620" marT="7620" marB="0" anchor="ctr"/>
+                </a:tc>
+                <a:tc>
+                  <a:txBody>
+                    <a:bodyPr/>
+                    <a:lstStyle/>
+                    <a:p>
+                      <a:pPr algn="ctr" fontAlgn="ctr"/>
+                      <a:r>
+                        <a:rPr lang="en-IN" sz="1800" u="none" strike="noStrike">
+                          <a:effectLst/>
+                          <a:highlight>
+                            <a:srgbClr val="FF0000"/>
+                          </a:highlight>
+                        </a:rPr>
+                        <a:t>133</a:t>
+                      </a:r>
+                      <a:endParaRPr lang="en-IN" sz="1800" b="0" i="0" u="none" strike="noStrike" dirty="0">
+                        <a:solidFill>
+                          <a:srgbClr val="000000"/>
+                        </a:solidFill>
+                        <a:effectLst/>
+                        <a:highlight>
+                          <a:srgbClr val="FF0000"/>
+                        </a:highlight>
+                        <a:latin typeface="Aptos Narrow" panose="020B0004020202020204" pitchFamily="34" charset="0"/>
+                      </a:endParaRPr>
+                    </a:p>
+                  </a:txBody>
+                  <a:tcPr marL="7620" marR="7620" marT="7620" marB="0" anchor="ctr"/>
+                </a:tc>
+                <a:extLst>
+                  <a:ext uri="{0D108BD9-81ED-4DB2-BD59-A6C34878D82A}">
+                    <a16:rowId xmlns:a16="http://schemas.microsoft.com/office/drawing/2014/main" val="4215129200"/>
+                  </a:ext>
+                </a:extLst>
+              </a:tr>
+              <a:tr h="399799">
+                <a:tc>
+                  <a:txBody>
+                    <a:bodyPr/>
+                    <a:lstStyle/>
+                    <a:p>
+                      <a:pPr algn="ctr" fontAlgn="ctr"/>
+                      <a:r>
+                        <a:rPr lang="en-IN" sz="1800" u="none" strike="noStrike">
+                          <a:effectLst/>
+                          <a:highlight>
+                            <a:srgbClr val="00FF00"/>
+                          </a:highlight>
+                        </a:rPr>
+                        <a:t>(0,0,0,0)</a:t>
+                      </a:r>
+                      <a:endParaRPr lang="en-IN" sz="1800" b="1" i="0" u="none" strike="noStrike" dirty="0">
+                        <a:solidFill>
+                          <a:srgbClr val="000000"/>
+                        </a:solidFill>
+                        <a:effectLst/>
+                        <a:highlight>
+                          <a:srgbClr val="00FF00"/>
+                        </a:highlight>
+                        <a:latin typeface="Aptos Narrow" panose="020B0004020202020204" pitchFamily="34" charset="0"/>
+                      </a:endParaRPr>
+                    </a:p>
+                  </a:txBody>
+                  <a:tcPr marL="7620" marR="7620" marT="7620" marB="0" anchor="ctr"/>
+                </a:tc>
+                <a:tc>
+                  <a:txBody>
+                    <a:bodyPr/>
+                    <a:lstStyle/>
+                    <a:p>
+                      <a:pPr algn="ctr" fontAlgn="ctr"/>
+                      <a:r>
+                        <a:rPr lang="en-IN" sz="1800" u="none" strike="noStrike">
+                          <a:effectLst/>
+                          <a:highlight>
+                            <a:srgbClr val="00FF00"/>
+                          </a:highlight>
+                        </a:rPr>
+                        <a:t>Euclidean</a:t>
+                      </a:r>
+                      <a:endParaRPr lang="en-IN" sz="1800" b="1" i="0" u="none" strike="noStrike" dirty="0">
+                        <a:solidFill>
+                          <a:srgbClr val="000000"/>
+                        </a:solidFill>
+                        <a:effectLst/>
+                        <a:highlight>
+                          <a:srgbClr val="00FF00"/>
+                        </a:highlight>
+                        <a:latin typeface="Aptos Narrow" panose="020B0004020202020204" pitchFamily="34" charset="0"/>
+                      </a:endParaRPr>
+                    </a:p>
+                  </a:txBody>
+                  <a:tcPr marL="7620" marR="7620" marT="7620" marB="0" anchor="ctr"/>
+                </a:tc>
+                <a:tc>
+                  <a:txBody>
+                    <a:bodyPr/>
+                    <a:lstStyle/>
+                    <a:p>
+                      <a:pPr algn="ctr" fontAlgn="ctr"/>
+                      <a:r>
+                        <a:rPr lang="en-IN" sz="1800" u="none" strike="noStrike" dirty="0">
+                          <a:effectLst/>
+                          <a:highlight>
+                            <a:srgbClr val="00FF00"/>
+                          </a:highlight>
+                        </a:rPr>
+                        <a:t>153</a:t>
+                      </a:r>
+                      <a:endParaRPr lang="en-IN" sz="1800" b="0" i="0" u="none" strike="noStrike" dirty="0">
+                        <a:solidFill>
+                          <a:srgbClr val="000000"/>
+                        </a:solidFill>
+                        <a:effectLst/>
+                        <a:highlight>
+                          <a:srgbClr val="00FF00"/>
+                        </a:highlight>
+                        <a:latin typeface="Aptos Narrow" panose="020B0004020202020204" pitchFamily="34" charset="0"/>
+                      </a:endParaRPr>
+                    </a:p>
+                  </a:txBody>
+                  <a:tcPr marL="7620" marR="7620" marT="7620" marB="0" anchor="ctr"/>
+                </a:tc>
+                <a:extLst>
+                  <a:ext uri="{0D108BD9-81ED-4DB2-BD59-A6C34878D82A}">
+                    <a16:rowId xmlns:a16="http://schemas.microsoft.com/office/drawing/2014/main" val="2180606911"/>
+                  </a:ext>
+                </a:extLst>
+              </a:tr>
+              <a:tr h="399799">
+                <a:tc>
+                  <a:txBody>
+                    <a:bodyPr/>
+                    <a:lstStyle/>
+                    <a:p>
+                      <a:pPr algn="ctr" fontAlgn="ctr"/>
+                      <a:r>
+                        <a:rPr lang="en-IN" sz="1800" u="none" strike="noStrike">
+                          <a:effectLst/>
+                          <a:highlight>
+                            <a:srgbClr val="0000FF"/>
+                          </a:highlight>
+                        </a:rPr>
+                        <a:t>(0,0,0,0)</a:t>
+                      </a:r>
+                      <a:endParaRPr lang="en-IN" sz="1800" b="1" i="0" u="none" strike="noStrike" dirty="0">
+                        <a:solidFill>
+                          <a:srgbClr val="000000"/>
+                        </a:solidFill>
+                        <a:effectLst/>
+                        <a:highlight>
+                          <a:srgbClr val="0000FF"/>
+                        </a:highlight>
+                        <a:latin typeface="Aptos Narrow" panose="020B0004020202020204" pitchFamily="34" charset="0"/>
+                      </a:endParaRPr>
+                    </a:p>
+                  </a:txBody>
+                  <a:tcPr marL="7620" marR="7620" marT="7620" marB="0" anchor="ctr"/>
+                </a:tc>
+                <a:tc>
+                  <a:txBody>
+                    <a:bodyPr/>
+                    <a:lstStyle/>
+                    <a:p>
+                      <a:pPr algn="ctr" fontAlgn="ctr"/>
+                      <a:r>
+                        <a:rPr lang="en-IN" sz="1800" u="none" strike="noStrike">
+                          <a:solidFill>
+                            <a:schemeClr val="tx1"/>
+                          </a:solidFill>
+                          <a:effectLst/>
+                          <a:highlight>
+                            <a:srgbClr val="0000FF"/>
+                          </a:highlight>
+                        </a:rPr>
+                        <a:t>Chebyshev</a:t>
+                      </a:r>
+                      <a:endParaRPr lang="en-IN" sz="1800" b="1" i="0" u="none" strike="noStrike" dirty="0">
+                        <a:solidFill>
+                          <a:schemeClr val="tx1"/>
+                        </a:solidFill>
+                        <a:effectLst/>
+                        <a:highlight>
+                          <a:srgbClr val="0000FF"/>
+                        </a:highlight>
+                        <a:latin typeface="Aptos Narrow" panose="020B0004020202020204" pitchFamily="34" charset="0"/>
+                      </a:endParaRPr>
+                    </a:p>
+                  </a:txBody>
+                  <a:tcPr marL="7620" marR="7620" marT="7620" marB="0" anchor="ctr"/>
+                </a:tc>
+                <a:tc>
+                  <a:txBody>
+                    <a:bodyPr/>
+                    <a:lstStyle/>
+                    <a:p>
+                      <a:pPr algn="ctr" fontAlgn="ctr"/>
+                      <a:r>
+                        <a:rPr lang="en-IN" sz="1800" u="none" strike="noStrike" dirty="0">
+                          <a:solidFill>
+                            <a:schemeClr val="tx1"/>
+                          </a:solidFill>
+                          <a:effectLst/>
+                          <a:highlight>
+                            <a:srgbClr val="0000FF"/>
+                          </a:highlight>
+                        </a:rPr>
+                        <a:t>147</a:t>
+                      </a:r>
+                      <a:endParaRPr lang="en-IN" sz="1800" b="0" i="0" u="none" strike="noStrike" dirty="0">
+                        <a:solidFill>
+                          <a:schemeClr val="tx1"/>
+                        </a:solidFill>
+                        <a:effectLst/>
+                        <a:highlight>
+                          <a:srgbClr val="0000FF"/>
+                        </a:highlight>
+                        <a:latin typeface="Aptos Narrow" panose="020B0004020202020204" pitchFamily="34" charset="0"/>
+                      </a:endParaRPr>
+                    </a:p>
+                  </a:txBody>
+                  <a:tcPr marL="7620" marR="7620" marT="7620" marB="0" anchor="ctr"/>
+                </a:tc>
+                <a:extLst>
+                  <a:ext uri="{0D108BD9-81ED-4DB2-BD59-A6C34878D82A}">
+                    <a16:rowId xmlns:a16="http://schemas.microsoft.com/office/drawing/2014/main" val="3821123107"/>
+                  </a:ext>
+                </a:extLst>
+              </a:tr>
+            </a:tbl>
+          </a:graphicData>
+        </a:graphic>
+      </p:graphicFrame>
+      <p:pic>
+        <p:nvPicPr>
+          <p:cNvPr id="3" name="Picture 2">
+            <a:extLst>
+              <a:ext uri="{FF2B5EF4-FFF2-40B4-BE49-F238E27FC236}">
+                <a16:creationId xmlns:a16="http://schemas.microsoft.com/office/drawing/2014/main" id="{87CD2C5E-14E9-C5D6-0522-91353705CFD2}"/>
+              </a:ext>
+            </a:extLst>
+          </p:cNvPr>
+          <p:cNvPicPr>
+            <a:picLocks noChangeAspect="1"/>
+          </p:cNvPicPr>
+          <p:nvPr/>
+        </p:nvPicPr>
+        <p:blipFill>
+          <a:blip r:embed="rId2"/>
+          <a:stretch>
+            <a:fillRect/>
+          </a:stretch>
+        </p:blipFill>
+        <p:spPr>
+          <a:xfrm>
+            <a:off x="0" y="2165193"/>
+            <a:ext cx="12192000" cy="3314193"/>
+          </a:xfrm>
+          <a:prstGeom prst="rect">
+            <a:avLst/>
+          </a:prstGeom>
+        </p:spPr>
+      </p:pic>
+    </p:spTree>
+    <p:extLst>
+      <p:ext uri="{BB962C8B-B14F-4D97-AF65-F5344CB8AC3E}">
+        <p14:creationId xmlns:p14="http://schemas.microsoft.com/office/powerpoint/2010/main" val="3070329574"/>
+      </p:ext>
+    </p:extLst>
+  </p:cSld>
+  <p:clrMapOvr>
+    <a:masterClrMapping/>
+  </p:clrMapOvr>
+</p:sld>
+</file>
+
+<file path=ppt/slides/slide13.xml><?xml version="1.0" encoding="utf-8"?>
+<p:sld xmlns:a="http://schemas.openxmlformats.org/drawingml/2006/main" xmlns:r="http://schemas.openxmlformats.org/officeDocument/2006/relationships" xmlns:p="http://schemas.openxmlformats.org/presentationml/2006/main">
+  <p:cSld>
+    <p:spTree>
+      <p:nvGrpSpPr>
+        <p:cNvPr id="1" name="">
+          <a:extLst>
+            <a:ext uri="{FF2B5EF4-FFF2-40B4-BE49-F238E27FC236}">
+              <a16:creationId xmlns:a16="http://schemas.microsoft.com/office/drawing/2014/main" id="{424DDCFF-28A4-7609-B90A-EE65E2CFFDAD}"/>
+            </a:ext>
+          </a:extLst>
+        </p:cNvPr>
+        <p:cNvGrpSpPr/>
+        <p:nvPr/>
+      </p:nvGrpSpPr>
+      <p:grpSpPr>
+        <a:xfrm>
+          <a:off x="0" y="0"/>
+          <a:ext cx="0" cy="0"/>
+          <a:chOff x="0" y="0"/>
+          <a:chExt cx="0" cy="0"/>
+        </a:xfrm>
+      </p:grpSpPr>
+      <p:graphicFrame>
+        <p:nvGraphicFramePr>
+          <p:cNvPr id="6" name="Table 5">
+            <a:extLst>
+              <a:ext uri="{FF2B5EF4-FFF2-40B4-BE49-F238E27FC236}">
+                <a16:creationId xmlns:a16="http://schemas.microsoft.com/office/drawing/2014/main" id="{7F5B603B-394D-340A-2C15-E51ADFB413A6}"/>
+              </a:ext>
+            </a:extLst>
+          </p:cNvPr>
+          <p:cNvGraphicFramePr>
+            <a:graphicFrameLocks noGrp="1"/>
+          </p:cNvGraphicFramePr>
+          <p:nvPr>
+            <p:extLst>
+              <p:ext uri="{D42A27DB-BD31-4B8C-83A1-F6EECF244321}">
+                <p14:modId xmlns:p14="http://schemas.microsoft.com/office/powerpoint/2010/main" val="1082746002"/>
+              </p:ext>
+            </p:extLst>
+          </p:nvPr>
+        </p:nvGraphicFramePr>
+        <p:xfrm>
+          <a:off x="2847867" y="85444"/>
+          <a:ext cx="4909457" cy="1409700"/>
+        </p:xfrm>
+        <a:graphic>
+          <a:graphicData uri="http://schemas.openxmlformats.org/drawingml/2006/table">
+            <a:tbl>
+              <a:tblPr>
+                <a:tableStyleId>{5C22544A-7EE6-4342-B048-85BDC9FD1C3A}</a:tableStyleId>
+              </a:tblPr>
+              <a:tblGrid>
+                <a:gridCol w="1831305">
+                  <a:extLst>
+                    <a:ext uri="{9D8B030D-6E8A-4147-A177-3AD203B41FA5}">
+                      <a16:colId xmlns:a16="http://schemas.microsoft.com/office/drawing/2014/main" val="892411615"/>
+                    </a:ext>
+                  </a:extLst>
+                </a:gridCol>
+                <a:gridCol w="1383220">
+                  <a:extLst>
+                    <a:ext uri="{9D8B030D-6E8A-4147-A177-3AD203B41FA5}">
+                      <a16:colId xmlns:a16="http://schemas.microsoft.com/office/drawing/2014/main" val="4112619596"/>
+                    </a:ext>
+                  </a:extLst>
+                </a:gridCol>
+                <a:gridCol w="1694932">
+                  <a:extLst>
+                    <a:ext uri="{9D8B030D-6E8A-4147-A177-3AD203B41FA5}">
+                      <a16:colId xmlns:a16="http://schemas.microsoft.com/office/drawing/2014/main" val="3210649056"/>
+                    </a:ext>
+                  </a:extLst>
+                </a:gridCol>
+              </a:tblGrid>
+              <a:tr h="256741">
+                <a:tc>
+                  <a:txBody>
+                    <a:bodyPr/>
+                    <a:lstStyle/>
+                    <a:p>
+                      <a:pPr algn="ctr" fontAlgn="ctr"/>
+                      <a:r>
+                        <a:rPr lang="en-IN" sz="1800" u="none" strike="noStrike" dirty="0">
+                          <a:solidFill>
+                            <a:schemeClr val="tx1"/>
+                          </a:solidFill>
+                          <a:effectLst/>
+                        </a:rPr>
+                        <a:t>Weight</a:t>
+                      </a:r>
+                      <a:endParaRPr lang="en-IN" sz="1800" b="1" i="0" u="none" strike="noStrike" dirty="0">
+                        <a:solidFill>
+                          <a:schemeClr val="tx1"/>
+                        </a:solidFill>
+                        <a:effectLst/>
+                        <a:latin typeface="Aptos Narrow" panose="020B0004020202020204" pitchFamily="34" charset="0"/>
+                      </a:endParaRPr>
+                    </a:p>
+                  </a:txBody>
+                  <a:tcPr marL="7620" marR="7620" marT="7620" marB="0" anchor="ctr"/>
+                </a:tc>
+                <a:tc rowSpan="2">
+                  <a:txBody>
+                    <a:bodyPr/>
+                    <a:lstStyle/>
+                    <a:p>
+                      <a:pPr algn="ctr" fontAlgn="ctr"/>
+                      <a:r>
+                        <a:rPr lang="en-IN" sz="1800" u="none" strike="noStrike" dirty="0">
+                          <a:solidFill>
+                            <a:schemeClr val="tx1"/>
+                          </a:solidFill>
+                          <a:effectLst/>
+                        </a:rPr>
+                        <a:t>Heuristic</a:t>
+                      </a:r>
+                      <a:endParaRPr lang="en-IN" sz="1800" b="1" i="0" u="none" strike="noStrike" dirty="0">
+                        <a:solidFill>
+                          <a:schemeClr val="tx1"/>
+                        </a:solidFill>
+                        <a:effectLst/>
+                        <a:latin typeface="Aptos Narrow" panose="020B0004020202020204" pitchFamily="34" charset="0"/>
+                      </a:endParaRPr>
+                    </a:p>
+                  </a:txBody>
+                  <a:tcPr marL="7620" marR="7620" marT="7620" marB="0" anchor="ctr"/>
+                </a:tc>
+                <a:tc rowSpan="2">
+                  <a:txBody>
+                    <a:bodyPr/>
+                    <a:lstStyle/>
+                    <a:p>
+                      <a:pPr algn="ctr" fontAlgn="ctr"/>
+                      <a:r>
+                        <a:rPr lang="en-IN" sz="1800" u="none" strike="noStrike">
+                          <a:solidFill>
+                            <a:schemeClr val="tx1"/>
+                          </a:solidFill>
+                          <a:effectLst/>
+                        </a:rPr>
+                        <a:t>Path Length</a:t>
+                      </a:r>
+                      <a:endParaRPr lang="en-IN" sz="1800" b="1" i="0" u="none" strike="noStrike">
+                        <a:solidFill>
+                          <a:schemeClr val="tx1"/>
+                        </a:solidFill>
+                        <a:effectLst/>
+                        <a:latin typeface="Aptos Narrow" panose="020B0004020202020204" pitchFamily="34" charset="0"/>
+                      </a:endParaRPr>
+                    </a:p>
+                  </a:txBody>
+                  <a:tcPr marL="7620" marR="7620" marT="7620" marB="0" anchor="ctr"/>
+                </a:tc>
+                <a:extLst>
+                  <a:ext uri="{0D108BD9-81ED-4DB2-BD59-A6C34878D82A}">
+                    <a16:rowId xmlns:a16="http://schemas.microsoft.com/office/drawing/2014/main" val="477313569"/>
+                  </a:ext>
+                </a:extLst>
+              </a:tr>
+              <a:tr h="267438">
+                <a:tc>
+                  <a:txBody>
+                    <a:bodyPr/>
+                    <a:lstStyle/>
+                    <a:p>
+                      <a:pPr algn="ctr" fontAlgn="ctr"/>
+                      <a:r>
+                        <a:rPr lang="en-IN" sz="1800" u="none" strike="noStrike" dirty="0">
+                          <a:solidFill>
+                            <a:schemeClr val="tx1"/>
+                          </a:solidFill>
+                          <a:effectLst/>
+                        </a:rPr>
+                        <a:t>(N,E,S,W)</a:t>
+                      </a:r>
+                      <a:endParaRPr lang="en-IN" sz="1800" b="1" i="0" u="none" strike="noStrike" dirty="0">
+                        <a:solidFill>
+                          <a:schemeClr val="tx1"/>
+                        </a:solidFill>
+                        <a:effectLst/>
+                        <a:latin typeface="Aptos Narrow" panose="020B0004020202020204" pitchFamily="34" charset="0"/>
+                      </a:endParaRPr>
+                    </a:p>
+                  </a:txBody>
+                  <a:tcPr marL="7620" marR="7620" marT="7620" marB="0" anchor="ctr"/>
+                </a:tc>
+                <a:tc vMerge="1">
+                  <a:txBody>
+                    <a:bodyPr/>
+                    <a:lstStyle/>
+                    <a:p>
+                      <a:endParaRPr lang="en-IN"/>
+                    </a:p>
+                  </a:txBody>
+                  <a:tcPr/>
+                </a:tc>
+                <a:tc vMerge="1">
+                  <a:txBody>
+                    <a:bodyPr/>
+                    <a:lstStyle/>
+                    <a:p>
+                      <a:endParaRPr lang="en-IN"/>
+                    </a:p>
+                  </a:txBody>
+                  <a:tcPr/>
+                </a:tc>
+                <a:extLst>
+                  <a:ext uri="{0D108BD9-81ED-4DB2-BD59-A6C34878D82A}">
+                    <a16:rowId xmlns:a16="http://schemas.microsoft.com/office/drawing/2014/main" val="3557603266"/>
+                  </a:ext>
+                </a:extLst>
+              </a:tr>
+              <a:tr h="256741">
+                <a:tc>
+                  <a:txBody>
+                    <a:bodyPr/>
+                    <a:lstStyle/>
+                    <a:p>
+                      <a:pPr algn="ctr" fontAlgn="ctr"/>
+                      <a:r>
+                        <a:rPr lang="en-IN" sz="1800" u="none" strike="noStrike" dirty="0">
+                          <a:effectLst/>
+                          <a:highlight>
+                            <a:srgbClr val="FF0000"/>
+                          </a:highlight>
+                        </a:rPr>
+                        <a:t>(10,10,10,10)</a:t>
+                      </a:r>
+                      <a:endParaRPr lang="en-IN" sz="1800" b="1" i="0" u="none" strike="noStrike" dirty="0">
+                        <a:solidFill>
+                          <a:srgbClr val="000000"/>
+                        </a:solidFill>
+                        <a:effectLst/>
+                        <a:highlight>
+                          <a:srgbClr val="FF0000"/>
+                        </a:highlight>
+                        <a:latin typeface="Aptos Narrow" panose="020B0004020202020204" pitchFamily="34" charset="0"/>
+                      </a:endParaRPr>
+                    </a:p>
+                  </a:txBody>
+                  <a:tcPr marL="7620" marR="7620" marT="7620" marB="0" anchor="ctr"/>
+                </a:tc>
+                <a:tc>
+                  <a:txBody>
+                    <a:bodyPr/>
+                    <a:lstStyle/>
+                    <a:p>
+                      <a:pPr algn="ctr" fontAlgn="ctr"/>
+                      <a:r>
+                        <a:rPr lang="en-IN" sz="1800" u="none" strike="noStrike">
+                          <a:effectLst/>
+                          <a:highlight>
+                            <a:srgbClr val="FF0000"/>
+                          </a:highlight>
+                        </a:rPr>
+                        <a:t>Manhattan</a:t>
+                      </a:r>
+                      <a:endParaRPr lang="en-IN" sz="1800" b="1" i="0" u="none" strike="noStrike">
+                        <a:solidFill>
+                          <a:srgbClr val="000000"/>
+                        </a:solidFill>
+                        <a:effectLst/>
+                        <a:highlight>
+                          <a:srgbClr val="FF0000"/>
+                        </a:highlight>
+                        <a:latin typeface="Aptos Narrow" panose="020B0004020202020204" pitchFamily="34" charset="0"/>
+                      </a:endParaRPr>
+                    </a:p>
+                  </a:txBody>
+                  <a:tcPr marL="7620" marR="7620" marT="7620" marB="0" anchor="ctr"/>
+                </a:tc>
+                <a:tc>
+                  <a:txBody>
+                    <a:bodyPr/>
+                    <a:lstStyle/>
+                    <a:p>
+                      <a:pPr algn="ctr" fontAlgn="ctr"/>
+                      <a:r>
+                        <a:rPr lang="en-IN" sz="1800" u="none" strike="noStrike" dirty="0">
+                          <a:effectLst/>
+                          <a:highlight>
+                            <a:srgbClr val="FF0000"/>
+                          </a:highlight>
+                        </a:rPr>
+                        <a:t>113</a:t>
+                      </a:r>
+                      <a:endParaRPr lang="en-IN" sz="1800" b="0" i="0" u="none" strike="noStrike" dirty="0">
+                        <a:solidFill>
+                          <a:srgbClr val="000000"/>
+                        </a:solidFill>
+                        <a:effectLst/>
+                        <a:highlight>
+                          <a:srgbClr val="FF0000"/>
+                        </a:highlight>
+                        <a:latin typeface="Aptos Narrow" panose="020B0004020202020204" pitchFamily="34" charset="0"/>
+                      </a:endParaRPr>
+                    </a:p>
+                  </a:txBody>
+                  <a:tcPr marL="7620" marR="7620" marT="7620" marB="0" anchor="ctr"/>
+                </a:tc>
+                <a:extLst>
+                  <a:ext uri="{0D108BD9-81ED-4DB2-BD59-A6C34878D82A}">
+                    <a16:rowId xmlns:a16="http://schemas.microsoft.com/office/drawing/2014/main" val="4215129200"/>
+                  </a:ext>
+                </a:extLst>
+              </a:tr>
+              <a:tr h="256741">
+                <a:tc>
+                  <a:txBody>
+                    <a:bodyPr/>
+                    <a:lstStyle/>
+                    <a:p>
+                      <a:pPr algn="ctr" fontAlgn="ctr"/>
+                      <a:r>
+                        <a:rPr lang="en-IN" sz="1800" u="none" strike="noStrike" dirty="0">
+                          <a:effectLst/>
+                          <a:highlight>
+                            <a:srgbClr val="00FF00"/>
+                          </a:highlight>
+                        </a:rPr>
+                        <a:t>(10,10,10,10)</a:t>
+                      </a:r>
+                      <a:endParaRPr lang="en-IN" sz="1800" b="1" i="0" u="none" strike="noStrike" dirty="0">
+                        <a:solidFill>
+                          <a:srgbClr val="000000"/>
+                        </a:solidFill>
+                        <a:effectLst/>
+                        <a:highlight>
+                          <a:srgbClr val="00FF00"/>
+                        </a:highlight>
+                        <a:latin typeface="Aptos Narrow" panose="020B0004020202020204" pitchFamily="34" charset="0"/>
+                      </a:endParaRPr>
+                    </a:p>
+                  </a:txBody>
+                  <a:tcPr marL="7620" marR="7620" marT="7620" marB="0" anchor="ctr"/>
+                </a:tc>
+                <a:tc>
+                  <a:txBody>
+                    <a:bodyPr/>
+                    <a:lstStyle/>
+                    <a:p>
+                      <a:pPr algn="ctr" fontAlgn="ctr"/>
+                      <a:r>
+                        <a:rPr lang="en-IN" sz="1800" u="none" strike="noStrike" dirty="0">
+                          <a:effectLst/>
+                          <a:highlight>
+                            <a:srgbClr val="00FF00"/>
+                          </a:highlight>
+                        </a:rPr>
+                        <a:t>Euclidean</a:t>
+                      </a:r>
+                      <a:endParaRPr lang="en-IN" sz="1800" b="1" i="0" u="none" strike="noStrike" dirty="0">
+                        <a:solidFill>
+                          <a:srgbClr val="000000"/>
+                        </a:solidFill>
+                        <a:effectLst/>
+                        <a:highlight>
+                          <a:srgbClr val="00FF00"/>
+                        </a:highlight>
+                        <a:latin typeface="Aptos Narrow" panose="020B0004020202020204" pitchFamily="34" charset="0"/>
+                      </a:endParaRPr>
+                    </a:p>
+                  </a:txBody>
+                  <a:tcPr marL="7620" marR="7620" marT="7620" marB="0" anchor="ctr"/>
+                </a:tc>
+                <a:tc>
+                  <a:txBody>
+                    <a:bodyPr/>
+                    <a:lstStyle/>
+                    <a:p>
+                      <a:pPr algn="ctr" fontAlgn="ctr"/>
+                      <a:r>
+                        <a:rPr lang="en-IN" sz="1800" u="none" strike="noStrike" dirty="0">
+                          <a:effectLst/>
+                          <a:highlight>
+                            <a:srgbClr val="00FF00"/>
+                          </a:highlight>
+                        </a:rPr>
+                        <a:t>113</a:t>
+                      </a:r>
+                      <a:endParaRPr lang="en-IN" sz="1800" b="0" i="0" u="none" strike="noStrike" dirty="0">
+                        <a:solidFill>
+                          <a:srgbClr val="000000"/>
+                        </a:solidFill>
+                        <a:effectLst/>
+                        <a:highlight>
+                          <a:srgbClr val="00FF00"/>
+                        </a:highlight>
+                        <a:latin typeface="Aptos Narrow" panose="020B0004020202020204" pitchFamily="34" charset="0"/>
+                      </a:endParaRPr>
+                    </a:p>
+                  </a:txBody>
+                  <a:tcPr marL="7620" marR="7620" marT="7620" marB="0" anchor="ctr"/>
+                </a:tc>
+                <a:extLst>
+                  <a:ext uri="{0D108BD9-81ED-4DB2-BD59-A6C34878D82A}">
+                    <a16:rowId xmlns:a16="http://schemas.microsoft.com/office/drawing/2014/main" val="2180606911"/>
+                  </a:ext>
+                </a:extLst>
+              </a:tr>
+              <a:tr h="267438">
+                <a:tc>
+                  <a:txBody>
+                    <a:bodyPr/>
+                    <a:lstStyle/>
+                    <a:p>
+                      <a:pPr algn="ctr" fontAlgn="ctr"/>
+                      <a:r>
+                        <a:rPr lang="en-IN" sz="1800" u="none" strike="noStrike" dirty="0">
+                          <a:effectLst/>
+                          <a:highlight>
+                            <a:srgbClr val="0000FF"/>
+                          </a:highlight>
+                        </a:rPr>
+                        <a:t>(10,10,10,10)</a:t>
+                      </a:r>
+                      <a:endParaRPr lang="en-IN" sz="1800" b="1" i="0" u="none" strike="noStrike" dirty="0">
+                        <a:solidFill>
+                          <a:srgbClr val="000000"/>
+                        </a:solidFill>
+                        <a:effectLst/>
+                        <a:highlight>
+                          <a:srgbClr val="0000FF"/>
+                        </a:highlight>
+                        <a:latin typeface="Aptos Narrow" panose="020B0004020202020204" pitchFamily="34" charset="0"/>
+                      </a:endParaRPr>
+                    </a:p>
+                  </a:txBody>
+                  <a:tcPr marL="7620" marR="7620" marT="7620" marB="0" anchor="ctr"/>
+                </a:tc>
+                <a:tc>
+                  <a:txBody>
+                    <a:bodyPr/>
+                    <a:lstStyle/>
+                    <a:p>
+                      <a:pPr algn="ctr" fontAlgn="ctr"/>
+                      <a:r>
+                        <a:rPr lang="en-IN" sz="1800" u="none" strike="noStrike" dirty="0">
+                          <a:solidFill>
+                            <a:schemeClr val="tx1"/>
+                          </a:solidFill>
+                          <a:effectLst/>
+                          <a:highlight>
+                            <a:srgbClr val="0000FF"/>
+                          </a:highlight>
+                        </a:rPr>
+                        <a:t>Chebyshev</a:t>
+                      </a:r>
+                      <a:endParaRPr lang="en-IN" sz="1800" b="1" i="0" u="none" strike="noStrike" dirty="0">
+                        <a:solidFill>
+                          <a:schemeClr val="tx1"/>
+                        </a:solidFill>
+                        <a:effectLst/>
+                        <a:highlight>
+                          <a:srgbClr val="0000FF"/>
+                        </a:highlight>
+                        <a:latin typeface="Aptos Narrow" panose="020B0004020202020204" pitchFamily="34" charset="0"/>
+                      </a:endParaRPr>
+                    </a:p>
+                  </a:txBody>
+                  <a:tcPr marL="7620" marR="7620" marT="7620" marB="0" anchor="ctr"/>
+                </a:tc>
+                <a:tc>
+                  <a:txBody>
+                    <a:bodyPr/>
+                    <a:lstStyle/>
+                    <a:p>
+                      <a:pPr algn="ctr" fontAlgn="ctr"/>
+                      <a:r>
+                        <a:rPr lang="en-IN" sz="1800" u="none" strike="noStrike" dirty="0">
+                          <a:solidFill>
+                            <a:schemeClr val="tx1"/>
+                          </a:solidFill>
+                          <a:effectLst/>
+                          <a:highlight>
+                            <a:srgbClr val="0000FF"/>
+                          </a:highlight>
+                        </a:rPr>
+                        <a:t>113</a:t>
+                      </a:r>
+                      <a:endParaRPr lang="en-IN" sz="1800" b="0" i="0" u="none" strike="noStrike" dirty="0">
+                        <a:solidFill>
+                          <a:schemeClr val="tx1"/>
+                        </a:solidFill>
+                        <a:effectLst/>
+                        <a:highlight>
+                          <a:srgbClr val="0000FF"/>
+                        </a:highlight>
+                        <a:latin typeface="Aptos Narrow" panose="020B0004020202020204" pitchFamily="34" charset="0"/>
+                      </a:endParaRPr>
+                    </a:p>
+                  </a:txBody>
+                  <a:tcPr marL="7620" marR="7620" marT="7620" marB="0" anchor="ctr"/>
+                </a:tc>
+                <a:extLst>
+                  <a:ext uri="{0D108BD9-81ED-4DB2-BD59-A6C34878D82A}">
+                    <a16:rowId xmlns:a16="http://schemas.microsoft.com/office/drawing/2014/main" val="3821123107"/>
+                  </a:ext>
+                </a:extLst>
+              </a:tr>
+            </a:tbl>
+          </a:graphicData>
+        </a:graphic>
+      </p:graphicFrame>
+      <p:pic>
+        <p:nvPicPr>
+          <p:cNvPr id="3" name="Picture 2">
+            <a:extLst>
+              <a:ext uri="{FF2B5EF4-FFF2-40B4-BE49-F238E27FC236}">
+                <a16:creationId xmlns:a16="http://schemas.microsoft.com/office/drawing/2014/main" id="{1789C2CD-AD73-7C28-FEDE-CB053CCEA3E7}"/>
+              </a:ext>
+            </a:extLst>
+          </p:cNvPr>
+          <p:cNvPicPr>
+            <a:picLocks noChangeAspect="1"/>
+          </p:cNvPicPr>
+          <p:nvPr/>
+        </p:nvPicPr>
+        <p:blipFill>
+          <a:blip r:embed="rId2"/>
+          <a:stretch>
+            <a:fillRect/>
+          </a:stretch>
+        </p:blipFill>
+        <p:spPr>
+          <a:xfrm>
+            <a:off x="0" y="1759395"/>
+            <a:ext cx="12192000" cy="3339210"/>
+          </a:xfrm>
+          <a:prstGeom prst="rect">
+            <a:avLst/>
+          </a:prstGeom>
+        </p:spPr>
+      </p:pic>
+    </p:spTree>
+    <p:extLst>
+      <p:ext uri="{BB962C8B-B14F-4D97-AF65-F5344CB8AC3E}">
+        <p14:creationId xmlns:p14="http://schemas.microsoft.com/office/powerpoint/2010/main" val="4091156467"/>
+      </p:ext>
+    </p:extLst>
+  </p:cSld>
+  <p:clrMapOvr>
+    <a:masterClrMapping/>
+  </p:clrMapOvr>
+</p:sld>
+</file>
+
+<file path=ppt/slides/slide14.xml><?xml version="1.0" encoding="utf-8"?>
+<p:sld xmlns:a="http://schemas.openxmlformats.org/drawingml/2006/main" xmlns:r="http://schemas.openxmlformats.org/officeDocument/2006/relationships" xmlns:p="http://schemas.openxmlformats.org/presentationml/2006/main">
+  <p:cSld>
+    <p:spTree>
+      <p:nvGrpSpPr>
+        <p:cNvPr id="1" name="">
+          <a:extLst>
+            <a:ext uri="{FF2B5EF4-FFF2-40B4-BE49-F238E27FC236}">
+              <a16:creationId xmlns:a16="http://schemas.microsoft.com/office/drawing/2014/main" id="{4FB091CC-635E-4BAC-DE47-C9DFCB11C2A9}"/>
+            </a:ext>
+          </a:extLst>
+        </p:cNvPr>
+        <p:cNvGrpSpPr/>
+        <p:nvPr/>
+      </p:nvGrpSpPr>
+      <p:grpSpPr>
+        <a:xfrm>
+          <a:off x="0" y="0"/>
+          <a:ext cx="0" cy="0"/>
+          <a:chOff x="0" y="0"/>
+          <a:chExt cx="0" cy="0"/>
+        </a:xfrm>
+      </p:grpSpPr>
+      <p:graphicFrame>
+        <p:nvGraphicFramePr>
+          <p:cNvPr id="6" name="Table 5">
+            <a:extLst>
+              <a:ext uri="{FF2B5EF4-FFF2-40B4-BE49-F238E27FC236}">
+                <a16:creationId xmlns:a16="http://schemas.microsoft.com/office/drawing/2014/main" id="{638EFC92-DED0-E29D-5880-3F25C77CBA72}"/>
+              </a:ext>
+            </a:extLst>
+          </p:cNvPr>
+          <p:cNvGraphicFramePr>
+            <a:graphicFrameLocks noGrp="1"/>
+          </p:cNvGraphicFramePr>
+          <p:nvPr>
+            <p:extLst>
+              <p:ext uri="{D42A27DB-BD31-4B8C-83A1-F6EECF244321}">
+                <p14:modId xmlns:p14="http://schemas.microsoft.com/office/powerpoint/2010/main" val="3776069114"/>
+              </p:ext>
+            </p:extLst>
+          </p:nvPr>
+        </p:nvGraphicFramePr>
+        <p:xfrm>
+          <a:off x="2847867" y="85444"/>
+          <a:ext cx="4909457" cy="1409700"/>
+        </p:xfrm>
+        <a:graphic>
+          <a:graphicData uri="http://schemas.openxmlformats.org/drawingml/2006/table">
+            <a:tbl>
+              <a:tblPr>
+                <a:tableStyleId>{5C22544A-7EE6-4342-B048-85BDC9FD1C3A}</a:tableStyleId>
+              </a:tblPr>
+              <a:tblGrid>
+                <a:gridCol w="1831305">
+                  <a:extLst>
+                    <a:ext uri="{9D8B030D-6E8A-4147-A177-3AD203B41FA5}">
+                      <a16:colId xmlns:a16="http://schemas.microsoft.com/office/drawing/2014/main" val="892411615"/>
+                    </a:ext>
+                  </a:extLst>
+                </a:gridCol>
+                <a:gridCol w="1383220">
+                  <a:extLst>
+                    <a:ext uri="{9D8B030D-6E8A-4147-A177-3AD203B41FA5}">
+                      <a16:colId xmlns:a16="http://schemas.microsoft.com/office/drawing/2014/main" val="4112619596"/>
+                    </a:ext>
+                  </a:extLst>
+                </a:gridCol>
+                <a:gridCol w="1694932">
+                  <a:extLst>
+                    <a:ext uri="{9D8B030D-6E8A-4147-A177-3AD203B41FA5}">
+                      <a16:colId xmlns:a16="http://schemas.microsoft.com/office/drawing/2014/main" val="3210649056"/>
+                    </a:ext>
+                  </a:extLst>
+                </a:gridCol>
+              </a:tblGrid>
+              <a:tr h="256741">
+                <a:tc>
+                  <a:txBody>
+                    <a:bodyPr/>
+                    <a:lstStyle/>
+                    <a:p>
+                      <a:pPr algn="ctr" fontAlgn="ctr"/>
+                      <a:r>
+                        <a:rPr lang="en-IN" sz="1800" u="none" strike="noStrike" dirty="0">
+                          <a:solidFill>
+                            <a:schemeClr val="tx1"/>
+                          </a:solidFill>
+                          <a:effectLst/>
+                        </a:rPr>
+                        <a:t>Weight</a:t>
+                      </a:r>
+                      <a:endParaRPr lang="en-IN" sz="1800" b="1" i="0" u="none" strike="noStrike" dirty="0">
+                        <a:solidFill>
+                          <a:schemeClr val="tx1"/>
+                        </a:solidFill>
+                        <a:effectLst/>
+                        <a:latin typeface="Aptos Narrow" panose="020B0004020202020204" pitchFamily="34" charset="0"/>
+                      </a:endParaRPr>
+                    </a:p>
+                  </a:txBody>
+                  <a:tcPr marL="7620" marR="7620" marT="7620" marB="0" anchor="ctr"/>
+                </a:tc>
+                <a:tc rowSpan="2">
+                  <a:txBody>
+                    <a:bodyPr/>
+                    <a:lstStyle/>
+                    <a:p>
+                      <a:pPr algn="ctr" fontAlgn="ctr"/>
+                      <a:r>
+                        <a:rPr lang="en-IN" sz="1800" u="none" strike="noStrike" dirty="0">
+                          <a:solidFill>
+                            <a:schemeClr val="tx1"/>
+                          </a:solidFill>
+                          <a:effectLst/>
+                        </a:rPr>
+                        <a:t>Heuristic</a:t>
+                      </a:r>
+                      <a:endParaRPr lang="en-IN" sz="1800" b="1" i="0" u="none" strike="noStrike" dirty="0">
+                        <a:solidFill>
+                          <a:schemeClr val="tx1"/>
+                        </a:solidFill>
+                        <a:effectLst/>
+                        <a:latin typeface="Aptos Narrow" panose="020B0004020202020204" pitchFamily="34" charset="0"/>
+                      </a:endParaRPr>
+                    </a:p>
+                  </a:txBody>
+                  <a:tcPr marL="7620" marR="7620" marT="7620" marB="0" anchor="ctr"/>
+                </a:tc>
+                <a:tc rowSpan="2">
+                  <a:txBody>
+                    <a:bodyPr/>
+                    <a:lstStyle/>
+                    <a:p>
+                      <a:pPr algn="ctr" fontAlgn="ctr"/>
+                      <a:r>
+                        <a:rPr lang="en-IN" sz="1800" u="none" strike="noStrike">
+                          <a:solidFill>
+                            <a:schemeClr val="tx1"/>
+                          </a:solidFill>
+                          <a:effectLst/>
+                        </a:rPr>
+                        <a:t>Path Length</a:t>
+                      </a:r>
+                      <a:endParaRPr lang="en-IN" sz="1800" b="1" i="0" u="none" strike="noStrike">
+                        <a:solidFill>
+                          <a:schemeClr val="tx1"/>
+                        </a:solidFill>
+                        <a:effectLst/>
+                        <a:latin typeface="Aptos Narrow" panose="020B0004020202020204" pitchFamily="34" charset="0"/>
+                      </a:endParaRPr>
+                    </a:p>
+                  </a:txBody>
+                  <a:tcPr marL="7620" marR="7620" marT="7620" marB="0" anchor="ctr"/>
+                </a:tc>
+                <a:extLst>
+                  <a:ext uri="{0D108BD9-81ED-4DB2-BD59-A6C34878D82A}">
+                    <a16:rowId xmlns:a16="http://schemas.microsoft.com/office/drawing/2014/main" val="477313569"/>
+                  </a:ext>
+                </a:extLst>
+              </a:tr>
+              <a:tr h="267438">
+                <a:tc>
+                  <a:txBody>
+                    <a:bodyPr/>
+                    <a:lstStyle/>
+                    <a:p>
+                      <a:pPr algn="ctr" fontAlgn="ctr"/>
+                      <a:r>
+                        <a:rPr lang="en-IN" sz="1800" u="none" strike="noStrike" dirty="0">
+                          <a:solidFill>
+                            <a:schemeClr val="tx1"/>
+                          </a:solidFill>
+                          <a:effectLst/>
+                        </a:rPr>
+                        <a:t>(N,E,S,W)</a:t>
+                      </a:r>
+                      <a:endParaRPr lang="en-IN" sz="1800" b="1" i="0" u="none" strike="noStrike" dirty="0">
+                        <a:solidFill>
+                          <a:schemeClr val="tx1"/>
+                        </a:solidFill>
+                        <a:effectLst/>
+                        <a:latin typeface="Aptos Narrow" panose="020B0004020202020204" pitchFamily="34" charset="0"/>
+                      </a:endParaRPr>
+                    </a:p>
+                  </a:txBody>
+                  <a:tcPr marL="7620" marR="7620" marT="7620" marB="0" anchor="ctr"/>
+                </a:tc>
+                <a:tc vMerge="1">
+                  <a:txBody>
+                    <a:bodyPr/>
+                    <a:lstStyle/>
+                    <a:p>
+                      <a:endParaRPr lang="en-IN"/>
+                    </a:p>
+                  </a:txBody>
+                  <a:tcPr/>
+                </a:tc>
+                <a:tc vMerge="1">
+                  <a:txBody>
+                    <a:bodyPr/>
+                    <a:lstStyle/>
+                    <a:p>
+                      <a:endParaRPr lang="en-IN"/>
+                    </a:p>
+                  </a:txBody>
+                  <a:tcPr/>
+                </a:tc>
+                <a:extLst>
+                  <a:ext uri="{0D108BD9-81ED-4DB2-BD59-A6C34878D82A}">
+                    <a16:rowId xmlns:a16="http://schemas.microsoft.com/office/drawing/2014/main" val="3557603266"/>
+                  </a:ext>
+                </a:extLst>
+              </a:tr>
+              <a:tr h="256741">
+                <a:tc>
+                  <a:txBody>
+                    <a:bodyPr/>
+                    <a:lstStyle/>
+                    <a:p>
+                      <a:pPr algn="ctr" fontAlgn="ctr"/>
+                      <a:r>
+                        <a:rPr lang="en-IN" sz="1800" u="none" strike="noStrike" dirty="0">
+                          <a:effectLst/>
+                          <a:highlight>
+                            <a:srgbClr val="FF0000"/>
+                          </a:highlight>
+                        </a:rPr>
+                        <a:t>(-10,0,0,-10)</a:t>
+                      </a:r>
+                      <a:endParaRPr lang="en-IN" sz="1800" b="1" i="0" u="none" strike="noStrike" dirty="0">
+                        <a:solidFill>
+                          <a:srgbClr val="000000"/>
+                        </a:solidFill>
+                        <a:effectLst/>
+                        <a:highlight>
+                          <a:srgbClr val="FF0000"/>
+                        </a:highlight>
+                        <a:latin typeface="Aptos Narrow" panose="020B0004020202020204" pitchFamily="34" charset="0"/>
+                      </a:endParaRPr>
+                    </a:p>
+                  </a:txBody>
+                  <a:tcPr marL="7620" marR="7620" marT="7620" marB="0" anchor="ctr"/>
+                </a:tc>
+                <a:tc>
+                  <a:txBody>
+                    <a:bodyPr/>
+                    <a:lstStyle/>
+                    <a:p>
+                      <a:pPr algn="ctr" fontAlgn="ctr"/>
+                      <a:r>
+                        <a:rPr lang="en-IN" sz="1800" u="none" strike="noStrike">
+                          <a:effectLst/>
+                          <a:highlight>
+                            <a:srgbClr val="FF0000"/>
+                          </a:highlight>
+                        </a:rPr>
+                        <a:t>Manhattan</a:t>
+                      </a:r>
+                      <a:endParaRPr lang="en-IN" sz="1800" b="1" i="0" u="none" strike="noStrike">
+                        <a:solidFill>
+                          <a:srgbClr val="000000"/>
+                        </a:solidFill>
+                        <a:effectLst/>
+                        <a:highlight>
+                          <a:srgbClr val="FF0000"/>
+                        </a:highlight>
+                        <a:latin typeface="Aptos Narrow" panose="020B0004020202020204" pitchFamily="34" charset="0"/>
+                      </a:endParaRPr>
+                    </a:p>
+                  </a:txBody>
+                  <a:tcPr marL="7620" marR="7620" marT="7620" marB="0" anchor="ctr"/>
+                </a:tc>
+                <a:tc>
+                  <a:txBody>
+                    <a:bodyPr/>
+                    <a:lstStyle/>
+                    <a:p>
+                      <a:pPr algn="ctr" fontAlgn="ctr"/>
+                      <a:r>
+                        <a:rPr lang="en-IN" sz="1800" u="none" strike="noStrike" dirty="0">
+                          <a:effectLst/>
+                          <a:highlight>
+                            <a:srgbClr val="FF0000"/>
+                          </a:highlight>
+                        </a:rPr>
+                        <a:t>133</a:t>
+                      </a:r>
+                      <a:endParaRPr lang="en-IN" sz="1800" b="0" i="0" u="none" strike="noStrike" dirty="0">
+                        <a:solidFill>
+                          <a:srgbClr val="000000"/>
+                        </a:solidFill>
+                        <a:effectLst/>
+                        <a:highlight>
+                          <a:srgbClr val="FF0000"/>
+                        </a:highlight>
+                        <a:latin typeface="Aptos Narrow" panose="020B0004020202020204" pitchFamily="34" charset="0"/>
+                      </a:endParaRPr>
+                    </a:p>
+                  </a:txBody>
+                  <a:tcPr marL="7620" marR="7620" marT="7620" marB="0" anchor="ctr"/>
+                </a:tc>
+                <a:extLst>
+                  <a:ext uri="{0D108BD9-81ED-4DB2-BD59-A6C34878D82A}">
+                    <a16:rowId xmlns:a16="http://schemas.microsoft.com/office/drawing/2014/main" val="4215129200"/>
+                  </a:ext>
+                </a:extLst>
+              </a:tr>
+              <a:tr h="256741">
+                <a:tc>
+                  <a:txBody>
+                    <a:bodyPr/>
+                    <a:lstStyle/>
+                    <a:p>
+                      <a:pPr algn="ctr" fontAlgn="ctr"/>
+                      <a:r>
+                        <a:rPr lang="en-IN" sz="1800" u="none" strike="noStrike" dirty="0">
+                          <a:effectLst/>
+                          <a:highlight>
+                            <a:srgbClr val="00FF00"/>
+                          </a:highlight>
+                        </a:rPr>
+                        <a:t>(-10,0,0,-10)</a:t>
+                      </a:r>
+                      <a:endParaRPr lang="en-IN" sz="1800" b="1" i="0" u="none" strike="noStrike" dirty="0">
+                        <a:solidFill>
+                          <a:srgbClr val="000000"/>
+                        </a:solidFill>
+                        <a:effectLst/>
+                        <a:highlight>
+                          <a:srgbClr val="00FF00"/>
+                        </a:highlight>
+                        <a:latin typeface="Aptos Narrow" panose="020B0004020202020204" pitchFamily="34" charset="0"/>
+                      </a:endParaRPr>
+                    </a:p>
+                  </a:txBody>
+                  <a:tcPr marL="7620" marR="7620" marT="7620" marB="0" anchor="ctr"/>
+                </a:tc>
+                <a:tc>
+                  <a:txBody>
+                    <a:bodyPr/>
+                    <a:lstStyle/>
+                    <a:p>
+                      <a:pPr algn="ctr" fontAlgn="ctr"/>
+                      <a:r>
+                        <a:rPr lang="en-IN" sz="1800" u="none" strike="noStrike" dirty="0">
+                          <a:effectLst/>
+                          <a:highlight>
+                            <a:srgbClr val="00FF00"/>
+                          </a:highlight>
+                        </a:rPr>
+                        <a:t>Euclidean</a:t>
+                      </a:r>
+                      <a:endParaRPr lang="en-IN" sz="1800" b="1" i="0" u="none" strike="noStrike" dirty="0">
+                        <a:solidFill>
+                          <a:srgbClr val="000000"/>
+                        </a:solidFill>
+                        <a:effectLst/>
+                        <a:highlight>
+                          <a:srgbClr val="00FF00"/>
+                        </a:highlight>
+                        <a:latin typeface="Aptos Narrow" panose="020B0004020202020204" pitchFamily="34" charset="0"/>
+                      </a:endParaRPr>
+                    </a:p>
+                  </a:txBody>
+                  <a:tcPr marL="7620" marR="7620" marT="7620" marB="0" anchor="ctr"/>
+                </a:tc>
+                <a:tc>
+                  <a:txBody>
+                    <a:bodyPr/>
+                    <a:lstStyle/>
+                    <a:p>
+                      <a:pPr algn="ctr" fontAlgn="ctr"/>
+                      <a:r>
+                        <a:rPr lang="en-IN" sz="1800" u="none" strike="noStrike" dirty="0">
+                          <a:effectLst/>
+                          <a:highlight>
+                            <a:srgbClr val="00FF00"/>
+                          </a:highlight>
+                        </a:rPr>
+                        <a:t>133</a:t>
+                      </a:r>
+                      <a:endParaRPr lang="en-IN" sz="1800" b="0" i="0" u="none" strike="noStrike" dirty="0">
+                        <a:solidFill>
+                          <a:srgbClr val="000000"/>
+                        </a:solidFill>
+                        <a:effectLst/>
+                        <a:highlight>
+                          <a:srgbClr val="00FF00"/>
+                        </a:highlight>
+                        <a:latin typeface="Aptos Narrow" panose="020B0004020202020204" pitchFamily="34" charset="0"/>
+                      </a:endParaRPr>
+                    </a:p>
+                  </a:txBody>
+                  <a:tcPr marL="7620" marR="7620" marT="7620" marB="0" anchor="ctr"/>
+                </a:tc>
+                <a:extLst>
+                  <a:ext uri="{0D108BD9-81ED-4DB2-BD59-A6C34878D82A}">
+                    <a16:rowId xmlns:a16="http://schemas.microsoft.com/office/drawing/2014/main" val="2180606911"/>
+                  </a:ext>
+                </a:extLst>
+              </a:tr>
+              <a:tr h="267438">
+                <a:tc>
+                  <a:txBody>
+                    <a:bodyPr/>
+                    <a:lstStyle/>
+                    <a:p>
+                      <a:pPr algn="ctr" fontAlgn="ctr"/>
+                      <a:r>
+                        <a:rPr lang="en-IN" sz="1800" u="none" strike="noStrike" dirty="0">
+                          <a:effectLst/>
+                          <a:highlight>
+                            <a:srgbClr val="0000FF"/>
+                          </a:highlight>
+                        </a:rPr>
+                        <a:t>(-10,0,0,-10)</a:t>
+                      </a:r>
+                      <a:endParaRPr lang="en-IN" sz="1800" b="1" i="0" u="none" strike="noStrike" dirty="0">
+                        <a:solidFill>
+                          <a:srgbClr val="000000"/>
+                        </a:solidFill>
+                        <a:effectLst/>
+                        <a:highlight>
+                          <a:srgbClr val="0000FF"/>
+                        </a:highlight>
+                        <a:latin typeface="Aptos Narrow" panose="020B0004020202020204" pitchFamily="34" charset="0"/>
+                      </a:endParaRPr>
+                    </a:p>
+                  </a:txBody>
+                  <a:tcPr marL="7620" marR="7620" marT="7620" marB="0" anchor="ctr"/>
+                </a:tc>
+                <a:tc>
+                  <a:txBody>
+                    <a:bodyPr/>
+                    <a:lstStyle/>
+                    <a:p>
+                      <a:pPr algn="ctr" fontAlgn="ctr"/>
+                      <a:r>
+                        <a:rPr lang="en-IN" sz="1800" u="none" strike="noStrike" dirty="0">
+                          <a:solidFill>
+                            <a:schemeClr val="tx1"/>
+                          </a:solidFill>
+                          <a:effectLst/>
+                          <a:highlight>
+                            <a:srgbClr val="0000FF"/>
+                          </a:highlight>
+                        </a:rPr>
+                        <a:t>Chebyshev</a:t>
+                      </a:r>
+                      <a:endParaRPr lang="en-IN" sz="1800" b="1" i="0" u="none" strike="noStrike" dirty="0">
+                        <a:solidFill>
+                          <a:schemeClr val="tx1"/>
+                        </a:solidFill>
+                        <a:effectLst/>
+                        <a:highlight>
+                          <a:srgbClr val="0000FF"/>
+                        </a:highlight>
+                        <a:latin typeface="Aptos Narrow" panose="020B0004020202020204" pitchFamily="34" charset="0"/>
+                      </a:endParaRPr>
+                    </a:p>
+                  </a:txBody>
+                  <a:tcPr marL="7620" marR="7620" marT="7620" marB="0" anchor="ctr"/>
+                </a:tc>
+                <a:tc>
+                  <a:txBody>
+                    <a:bodyPr/>
+                    <a:lstStyle/>
+                    <a:p>
+                      <a:pPr algn="ctr" fontAlgn="ctr"/>
+                      <a:r>
+                        <a:rPr lang="en-IN" sz="1800" u="none" strike="noStrike" dirty="0">
+                          <a:solidFill>
+                            <a:schemeClr val="tx1"/>
+                          </a:solidFill>
+                          <a:effectLst/>
+                          <a:highlight>
+                            <a:srgbClr val="0000FF"/>
+                          </a:highlight>
+                        </a:rPr>
+                        <a:t>133</a:t>
+                      </a:r>
+                      <a:endParaRPr lang="en-IN" sz="1800" b="0" i="0" u="none" strike="noStrike" dirty="0">
+                        <a:solidFill>
+                          <a:schemeClr val="tx1"/>
+                        </a:solidFill>
+                        <a:effectLst/>
+                        <a:highlight>
+                          <a:srgbClr val="0000FF"/>
+                        </a:highlight>
+                        <a:latin typeface="Aptos Narrow" panose="020B0004020202020204" pitchFamily="34" charset="0"/>
+                      </a:endParaRPr>
+                    </a:p>
+                  </a:txBody>
+                  <a:tcPr marL="7620" marR="7620" marT="7620" marB="0" anchor="ctr"/>
+                </a:tc>
+                <a:extLst>
+                  <a:ext uri="{0D108BD9-81ED-4DB2-BD59-A6C34878D82A}">
+                    <a16:rowId xmlns:a16="http://schemas.microsoft.com/office/drawing/2014/main" val="3821123107"/>
+                  </a:ext>
+                </a:extLst>
+              </a:tr>
+            </a:tbl>
+          </a:graphicData>
+        </a:graphic>
+      </p:graphicFrame>
+      <p:sp>
+        <p:nvSpPr>
+          <p:cNvPr id="2" name="TextBox 1">
+            <a:extLst>
+              <a:ext uri="{FF2B5EF4-FFF2-40B4-BE49-F238E27FC236}">
+                <a16:creationId xmlns:a16="http://schemas.microsoft.com/office/drawing/2014/main" id="{E44ADFA4-6A70-FBDF-A80A-E2C62E8E1713}"/>
+              </a:ext>
+            </a:extLst>
+          </p:cNvPr>
+          <p:cNvSpPr txBox="1"/>
+          <p:nvPr/>
+        </p:nvSpPr>
+        <p:spPr>
+          <a:xfrm>
+            <a:off x="496151" y="2113935"/>
+            <a:ext cx="9612888" cy="1862048"/>
+          </a:xfrm>
+          <a:prstGeom prst="rect">
+            <a:avLst/>
+          </a:prstGeom>
+          <a:noFill/>
+        </p:spPr>
+        <p:txBody>
+          <a:bodyPr wrap="none" rtlCol="0">
+            <a:spAutoFit/>
+          </a:bodyPr>
+          <a:lstStyle/>
+          <a:p>
+            <a:r>
+              <a:rPr lang="en-US" sz="11500" dirty="0"/>
+              <a:t>Not Applicable</a:t>
+            </a:r>
+            <a:endParaRPr lang="en-IN" sz="11500" dirty="0"/>
+          </a:p>
+        </p:txBody>
+      </p:sp>
+    </p:spTree>
+    <p:extLst>
+      <p:ext uri="{BB962C8B-B14F-4D97-AF65-F5344CB8AC3E}">
+        <p14:creationId xmlns:p14="http://schemas.microsoft.com/office/powerpoint/2010/main" val="2394888848"/>
+      </p:ext>
+    </p:extLst>
+  </p:cSld>
+  <p:clrMapOvr>
+    <a:masterClrMapping/>
+  </p:clrMapOvr>
+</p:sld>
+</file>
+
+<file path=ppt/slides/slide15.xml><?xml version="1.0" encoding="utf-8"?>
+<p:sld xmlns:a="http://schemas.openxmlformats.org/drawingml/2006/main" xmlns:r="http://schemas.openxmlformats.org/officeDocument/2006/relationships" xmlns:p="http://schemas.openxmlformats.org/presentationml/2006/main">
+  <p:cSld>
+    <p:spTree>
+      <p:nvGrpSpPr>
+        <p:cNvPr id="1" name="">
+          <a:extLst>
+            <a:ext uri="{FF2B5EF4-FFF2-40B4-BE49-F238E27FC236}">
+              <a16:creationId xmlns:a16="http://schemas.microsoft.com/office/drawing/2014/main" id="{C2B471AE-8104-6785-BE5D-91011D5F34C7}"/>
+            </a:ext>
+          </a:extLst>
+        </p:cNvPr>
+        <p:cNvGrpSpPr/>
+        <p:nvPr/>
+      </p:nvGrpSpPr>
+      <p:grpSpPr>
+        <a:xfrm>
+          <a:off x="0" y="0"/>
+          <a:ext cx="0" cy="0"/>
+          <a:chOff x="0" y="0"/>
+          <a:chExt cx="0" cy="0"/>
+        </a:xfrm>
+      </p:grpSpPr>
+      <p:graphicFrame>
+        <p:nvGraphicFramePr>
+          <p:cNvPr id="2" name="Table 1">
+            <a:extLst>
+              <a:ext uri="{FF2B5EF4-FFF2-40B4-BE49-F238E27FC236}">
+                <a16:creationId xmlns:a16="http://schemas.microsoft.com/office/drawing/2014/main" id="{85D87F78-C273-39F3-A6F6-FA4606D6BC73}"/>
+              </a:ext>
+            </a:extLst>
+          </p:cNvPr>
+          <p:cNvGraphicFramePr>
+            <a:graphicFrameLocks noGrp="1"/>
+          </p:cNvGraphicFramePr>
+          <p:nvPr>
+            <p:extLst>
+              <p:ext uri="{D42A27DB-BD31-4B8C-83A1-F6EECF244321}">
+                <p14:modId xmlns:p14="http://schemas.microsoft.com/office/powerpoint/2010/main" val="3886951699"/>
+              </p:ext>
+            </p:extLst>
+          </p:nvPr>
+        </p:nvGraphicFramePr>
+        <p:xfrm>
+          <a:off x="2847867" y="85444"/>
+          <a:ext cx="4909457" cy="1409700"/>
+        </p:xfrm>
+        <a:graphic>
+          <a:graphicData uri="http://schemas.openxmlformats.org/drawingml/2006/table">
+            <a:tbl>
+              <a:tblPr>
+                <a:tableStyleId>{5C22544A-7EE6-4342-B048-85BDC9FD1C3A}</a:tableStyleId>
+              </a:tblPr>
+              <a:tblGrid>
+                <a:gridCol w="1831305">
+                  <a:extLst>
+                    <a:ext uri="{9D8B030D-6E8A-4147-A177-3AD203B41FA5}">
+                      <a16:colId xmlns:a16="http://schemas.microsoft.com/office/drawing/2014/main" val="892411615"/>
+                    </a:ext>
+                  </a:extLst>
+                </a:gridCol>
+                <a:gridCol w="1383220">
+                  <a:extLst>
+                    <a:ext uri="{9D8B030D-6E8A-4147-A177-3AD203B41FA5}">
+                      <a16:colId xmlns:a16="http://schemas.microsoft.com/office/drawing/2014/main" val="4112619596"/>
+                    </a:ext>
+                  </a:extLst>
+                </a:gridCol>
+                <a:gridCol w="1694932">
+                  <a:extLst>
+                    <a:ext uri="{9D8B030D-6E8A-4147-A177-3AD203B41FA5}">
+                      <a16:colId xmlns:a16="http://schemas.microsoft.com/office/drawing/2014/main" val="3210649056"/>
+                    </a:ext>
+                  </a:extLst>
+                </a:gridCol>
+              </a:tblGrid>
+              <a:tr h="256741">
+                <a:tc>
+                  <a:txBody>
+                    <a:bodyPr/>
+                    <a:lstStyle/>
+                    <a:p>
+                      <a:pPr algn="ctr" fontAlgn="ctr"/>
+                      <a:r>
+                        <a:rPr lang="en-IN" sz="1800" u="none" strike="noStrike" dirty="0">
+                          <a:solidFill>
+                            <a:schemeClr val="tx1"/>
+                          </a:solidFill>
+                          <a:effectLst/>
+                        </a:rPr>
+                        <a:t>Weight</a:t>
+                      </a:r>
+                      <a:endParaRPr lang="en-IN" sz="1800" b="1" i="0" u="none" strike="noStrike" dirty="0">
+                        <a:solidFill>
+                          <a:schemeClr val="tx1"/>
+                        </a:solidFill>
+                        <a:effectLst/>
+                        <a:latin typeface="Aptos Narrow" panose="020B0004020202020204" pitchFamily="34" charset="0"/>
+                      </a:endParaRPr>
+                    </a:p>
+                  </a:txBody>
+                  <a:tcPr marL="7620" marR="7620" marT="7620" marB="0" anchor="ctr"/>
+                </a:tc>
+                <a:tc rowSpan="2">
+                  <a:txBody>
+                    <a:bodyPr/>
+                    <a:lstStyle/>
+                    <a:p>
+                      <a:pPr algn="ctr" fontAlgn="ctr"/>
+                      <a:r>
+                        <a:rPr lang="en-IN" sz="1800" u="none" strike="noStrike" dirty="0">
+                          <a:solidFill>
+                            <a:schemeClr val="tx1"/>
+                          </a:solidFill>
+                          <a:effectLst/>
+                        </a:rPr>
+                        <a:t>Heuristic</a:t>
+                      </a:r>
+                      <a:endParaRPr lang="en-IN" sz="1800" b="1" i="0" u="none" strike="noStrike" dirty="0">
+                        <a:solidFill>
+                          <a:schemeClr val="tx1"/>
+                        </a:solidFill>
+                        <a:effectLst/>
+                        <a:latin typeface="Aptos Narrow" panose="020B0004020202020204" pitchFamily="34" charset="0"/>
+                      </a:endParaRPr>
+                    </a:p>
+                  </a:txBody>
+                  <a:tcPr marL="7620" marR="7620" marT="7620" marB="0" anchor="ctr"/>
+                </a:tc>
+                <a:tc rowSpan="2">
+                  <a:txBody>
+                    <a:bodyPr/>
+                    <a:lstStyle/>
+                    <a:p>
+                      <a:pPr algn="ctr" fontAlgn="ctr"/>
+                      <a:r>
+                        <a:rPr lang="en-IN" sz="1800" u="none" strike="noStrike">
+                          <a:solidFill>
+                            <a:schemeClr val="tx1"/>
+                          </a:solidFill>
+                          <a:effectLst/>
+                        </a:rPr>
+                        <a:t>Path Length</a:t>
+                      </a:r>
+                      <a:endParaRPr lang="en-IN" sz="1800" b="1" i="0" u="none" strike="noStrike">
+                        <a:solidFill>
+                          <a:schemeClr val="tx1"/>
+                        </a:solidFill>
+                        <a:effectLst/>
+                        <a:latin typeface="Aptos Narrow" panose="020B0004020202020204" pitchFamily="34" charset="0"/>
+                      </a:endParaRPr>
+                    </a:p>
+                  </a:txBody>
+                  <a:tcPr marL="7620" marR="7620" marT="7620" marB="0" anchor="ctr"/>
+                </a:tc>
+                <a:extLst>
+                  <a:ext uri="{0D108BD9-81ED-4DB2-BD59-A6C34878D82A}">
+                    <a16:rowId xmlns:a16="http://schemas.microsoft.com/office/drawing/2014/main" val="477313569"/>
+                  </a:ext>
+                </a:extLst>
+              </a:tr>
+              <a:tr h="267438">
+                <a:tc>
+                  <a:txBody>
+                    <a:bodyPr/>
+                    <a:lstStyle/>
+                    <a:p>
+                      <a:pPr algn="ctr" fontAlgn="ctr"/>
+                      <a:r>
+                        <a:rPr lang="en-IN" sz="1800" u="none" strike="noStrike" dirty="0">
+                          <a:solidFill>
+                            <a:schemeClr val="tx1"/>
+                          </a:solidFill>
+                          <a:effectLst/>
+                        </a:rPr>
+                        <a:t>(N,E,S,W)</a:t>
+                      </a:r>
+                      <a:endParaRPr lang="en-IN" sz="1800" b="1" i="0" u="none" strike="noStrike" dirty="0">
+                        <a:solidFill>
+                          <a:schemeClr val="tx1"/>
+                        </a:solidFill>
+                        <a:effectLst/>
+                        <a:latin typeface="Aptos Narrow" panose="020B0004020202020204" pitchFamily="34" charset="0"/>
+                      </a:endParaRPr>
+                    </a:p>
+                  </a:txBody>
+                  <a:tcPr marL="7620" marR="7620" marT="7620" marB="0" anchor="ctr"/>
+                </a:tc>
+                <a:tc vMerge="1">
+                  <a:txBody>
+                    <a:bodyPr/>
+                    <a:lstStyle/>
+                    <a:p>
+                      <a:endParaRPr lang="en-IN"/>
+                    </a:p>
+                  </a:txBody>
+                  <a:tcPr/>
+                </a:tc>
+                <a:tc vMerge="1">
+                  <a:txBody>
+                    <a:bodyPr/>
+                    <a:lstStyle/>
+                    <a:p>
+                      <a:endParaRPr lang="en-IN"/>
+                    </a:p>
+                  </a:txBody>
+                  <a:tcPr/>
+                </a:tc>
+                <a:extLst>
+                  <a:ext uri="{0D108BD9-81ED-4DB2-BD59-A6C34878D82A}">
+                    <a16:rowId xmlns:a16="http://schemas.microsoft.com/office/drawing/2014/main" val="3557603266"/>
+                  </a:ext>
+                </a:extLst>
+              </a:tr>
+              <a:tr h="256741">
+                <a:tc>
+                  <a:txBody>
+                    <a:bodyPr/>
+                    <a:lstStyle/>
+                    <a:p>
+                      <a:pPr algn="ctr" fontAlgn="ctr"/>
+                      <a:r>
+                        <a:rPr lang="en-IN" sz="1800" u="none" strike="noStrike" dirty="0">
+                          <a:effectLst/>
+                          <a:highlight>
+                            <a:srgbClr val="FF0000"/>
+                          </a:highlight>
+                        </a:rPr>
+                        <a:t>(10,0,0,10)</a:t>
+                      </a:r>
+                      <a:endParaRPr lang="en-IN" sz="1800" b="1" i="0" u="none" strike="noStrike" dirty="0">
+                        <a:solidFill>
+                          <a:srgbClr val="000000"/>
+                        </a:solidFill>
+                        <a:effectLst/>
+                        <a:highlight>
+                          <a:srgbClr val="FF0000"/>
+                        </a:highlight>
+                        <a:latin typeface="Aptos Narrow" panose="020B0004020202020204" pitchFamily="34" charset="0"/>
+                      </a:endParaRPr>
+                    </a:p>
+                  </a:txBody>
+                  <a:tcPr marL="7620" marR="7620" marT="7620" marB="0" anchor="ctr"/>
+                </a:tc>
+                <a:tc>
+                  <a:txBody>
+                    <a:bodyPr/>
+                    <a:lstStyle/>
+                    <a:p>
+                      <a:pPr algn="ctr" fontAlgn="ctr"/>
+                      <a:r>
+                        <a:rPr lang="en-IN" sz="1800" u="none" strike="noStrike">
+                          <a:effectLst/>
+                          <a:highlight>
+                            <a:srgbClr val="FF0000"/>
+                          </a:highlight>
+                        </a:rPr>
+                        <a:t>Manhattan</a:t>
+                      </a:r>
+                      <a:endParaRPr lang="en-IN" sz="1800" b="1" i="0" u="none" strike="noStrike">
+                        <a:solidFill>
+                          <a:srgbClr val="000000"/>
+                        </a:solidFill>
+                        <a:effectLst/>
+                        <a:highlight>
+                          <a:srgbClr val="FF0000"/>
+                        </a:highlight>
+                        <a:latin typeface="Aptos Narrow" panose="020B0004020202020204" pitchFamily="34" charset="0"/>
+                      </a:endParaRPr>
+                    </a:p>
+                  </a:txBody>
+                  <a:tcPr marL="7620" marR="7620" marT="7620" marB="0" anchor="ctr"/>
+                </a:tc>
+                <a:tc>
+                  <a:txBody>
+                    <a:bodyPr/>
+                    <a:lstStyle/>
+                    <a:p>
+                      <a:pPr algn="ctr" fontAlgn="ctr"/>
+                      <a:r>
+                        <a:rPr lang="en-IN" sz="1800" u="none" strike="noStrike" dirty="0">
+                          <a:effectLst/>
+                          <a:highlight>
+                            <a:srgbClr val="FF0000"/>
+                          </a:highlight>
+                        </a:rPr>
+                        <a:t>133</a:t>
+                      </a:r>
+                      <a:endParaRPr lang="en-IN" sz="1800" b="0" i="0" u="none" strike="noStrike" dirty="0">
+                        <a:solidFill>
+                          <a:srgbClr val="000000"/>
+                        </a:solidFill>
+                        <a:effectLst/>
+                        <a:highlight>
+                          <a:srgbClr val="FF0000"/>
+                        </a:highlight>
+                        <a:latin typeface="Aptos Narrow" panose="020B0004020202020204" pitchFamily="34" charset="0"/>
+                      </a:endParaRPr>
+                    </a:p>
+                  </a:txBody>
+                  <a:tcPr marL="7620" marR="7620" marT="7620" marB="0" anchor="ctr"/>
+                </a:tc>
+                <a:extLst>
+                  <a:ext uri="{0D108BD9-81ED-4DB2-BD59-A6C34878D82A}">
+                    <a16:rowId xmlns:a16="http://schemas.microsoft.com/office/drawing/2014/main" val="4215129200"/>
+                  </a:ext>
+                </a:extLst>
+              </a:tr>
+              <a:tr h="256741">
+                <a:tc>
+                  <a:txBody>
+                    <a:bodyPr/>
+                    <a:lstStyle/>
+                    <a:p>
+                      <a:pPr algn="ctr" fontAlgn="ctr"/>
+                      <a:r>
+                        <a:rPr lang="en-IN" sz="1800" u="none" strike="noStrike" dirty="0">
+                          <a:effectLst/>
+                          <a:highlight>
+                            <a:srgbClr val="00FF00"/>
+                          </a:highlight>
+                        </a:rPr>
+                        <a:t>(10,0,0,10)</a:t>
+                      </a:r>
+                      <a:endParaRPr lang="en-IN" sz="1800" b="1" i="0" u="none" strike="noStrike" dirty="0">
+                        <a:solidFill>
+                          <a:srgbClr val="000000"/>
+                        </a:solidFill>
+                        <a:effectLst/>
+                        <a:highlight>
+                          <a:srgbClr val="00FF00"/>
+                        </a:highlight>
+                        <a:latin typeface="Aptos Narrow" panose="020B0004020202020204" pitchFamily="34" charset="0"/>
+                      </a:endParaRPr>
+                    </a:p>
+                  </a:txBody>
+                  <a:tcPr marL="7620" marR="7620" marT="7620" marB="0" anchor="ctr"/>
+                </a:tc>
+                <a:tc>
+                  <a:txBody>
+                    <a:bodyPr/>
+                    <a:lstStyle/>
+                    <a:p>
+                      <a:pPr algn="ctr" fontAlgn="ctr"/>
+                      <a:r>
+                        <a:rPr lang="en-IN" sz="1800" u="none" strike="noStrike" dirty="0">
+                          <a:effectLst/>
+                          <a:highlight>
+                            <a:srgbClr val="00FF00"/>
+                          </a:highlight>
+                        </a:rPr>
+                        <a:t>Euclidean</a:t>
+                      </a:r>
+                      <a:endParaRPr lang="en-IN" sz="1800" b="1" i="0" u="none" strike="noStrike" dirty="0">
+                        <a:solidFill>
+                          <a:srgbClr val="000000"/>
+                        </a:solidFill>
+                        <a:effectLst/>
+                        <a:highlight>
+                          <a:srgbClr val="00FF00"/>
+                        </a:highlight>
+                        <a:latin typeface="Aptos Narrow" panose="020B0004020202020204" pitchFamily="34" charset="0"/>
+                      </a:endParaRPr>
+                    </a:p>
+                  </a:txBody>
+                  <a:tcPr marL="7620" marR="7620" marT="7620" marB="0" anchor="ctr"/>
+                </a:tc>
+                <a:tc>
+                  <a:txBody>
+                    <a:bodyPr/>
+                    <a:lstStyle/>
+                    <a:p>
+                      <a:pPr algn="ctr" fontAlgn="ctr"/>
+                      <a:r>
+                        <a:rPr lang="en-IN" sz="1800" u="none" strike="noStrike" dirty="0">
+                          <a:effectLst/>
+                          <a:highlight>
+                            <a:srgbClr val="00FF00"/>
+                          </a:highlight>
+                        </a:rPr>
+                        <a:t>153</a:t>
+                      </a:r>
+                      <a:endParaRPr lang="en-IN" sz="1800" b="0" i="0" u="none" strike="noStrike" dirty="0">
+                        <a:solidFill>
+                          <a:srgbClr val="000000"/>
+                        </a:solidFill>
+                        <a:effectLst/>
+                        <a:highlight>
+                          <a:srgbClr val="00FF00"/>
+                        </a:highlight>
+                        <a:latin typeface="Aptos Narrow" panose="020B0004020202020204" pitchFamily="34" charset="0"/>
+                      </a:endParaRPr>
+                    </a:p>
+                  </a:txBody>
+                  <a:tcPr marL="7620" marR="7620" marT="7620" marB="0" anchor="ctr"/>
+                </a:tc>
+                <a:extLst>
+                  <a:ext uri="{0D108BD9-81ED-4DB2-BD59-A6C34878D82A}">
+                    <a16:rowId xmlns:a16="http://schemas.microsoft.com/office/drawing/2014/main" val="2180606911"/>
+                  </a:ext>
+                </a:extLst>
+              </a:tr>
+              <a:tr h="267438">
+                <a:tc>
+                  <a:txBody>
+                    <a:bodyPr/>
+                    <a:lstStyle/>
+                    <a:p>
+                      <a:pPr algn="ctr" fontAlgn="ctr"/>
+                      <a:r>
+                        <a:rPr lang="en-IN" sz="1800" u="none" strike="noStrike" dirty="0">
+                          <a:effectLst/>
+                          <a:highlight>
+                            <a:srgbClr val="0000FF"/>
+                          </a:highlight>
+                        </a:rPr>
+                        <a:t>(10,0,0,10)</a:t>
+                      </a:r>
+                      <a:endParaRPr lang="en-IN" sz="1800" b="1" i="0" u="none" strike="noStrike" dirty="0">
+                        <a:solidFill>
+                          <a:srgbClr val="000000"/>
+                        </a:solidFill>
+                        <a:effectLst/>
+                        <a:highlight>
+                          <a:srgbClr val="0000FF"/>
+                        </a:highlight>
+                        <a:latin typeface="Aptos Narrow" panose="020B0004020202020204" pitchFamily="34" charset="0"/>
+                      </a:endParaRPr>
+                    </a:p>
+                  </a:txBody>
+                  <a:tcPr marL="7620" marR="7620" marT="7620" marB="0" anchor="ctr"/>
+                </a:tc>
+                <a:tc>
+                  <a:txBody>
+                    <a:bodyPr/>
+                    <a:lstStyle/>
+                    <a:p>
+                      <a:pPr algn="ctr" fontAlgn="ctr"/>
+                      <a:r>
+                        <a:rPr lang="en-IN" sz="1800" u="none" strike="noStrike" dirty="0">
+                          <a:solidFill>
+                            <a:schemeClr val="tx1"/>
+                          </a:solidFill>
+                          <a:effectLst/>
+                          <a:highlight>
+                            <a:srgbClr val="0000FF"/>
+                          </a:highlight>
+                        </a:rPr>
+                        <a:t>Chebyshev</a:t>
+                      </a:r>
+                      <a:endParaRPr lang="en-IN" sz="1800" b="1" i="0" u="none" strike="noStrike" dirty="0">
+                        <a:solidFill>
+                          <a:schemeClr val="tx1"/>
+                        </a:solidFill>
+                        <a:effectLst/>
+                        <a:highlight>
+                          <a:srgbClr val="0000FF"/>
+                        </a:highlight>
+                        <a:latin typeface="Aptos Narrow" panose="020B0004020202020204" pitchFamily="34" charset="0"/>
+                      </a:endParaRPr>
+                    </a:p>
+                  </a:txBody>
+                  <a:tcPr marL="7620" marR="7620" marT="7620" marB="0" anchor="ctr"/>
+                </a:tc>
+                <a:tc>
+                  <a:txBody>
+                    <a:bodyPr/>
+                    <a:lstStyle/>
+                    <a:p>
+                      <a:pPr algn="ctr" fontAlgn="ctr"/>
+                      <a:r>
+                        <a:rPr lang="en-IN" sz="1800" u="none" strike="noStrike" dirty="0">
+                          <a:solidFill>
+                            <a:schemeClr val="tx1"/>
+                          </a:solidFill>
+                          <a:effectLst/>
+                          <a:highlight>
+                            <a:srgbClr val="0000FF"/>
+                          </a:highlight>
+                        </a:rPr>
+                        <a:t>147</a:t>
+                      </a:r>
+                      <a:endParaRPr lang="en-IN" sz="1800" b="0" i="0" u="none" strike="noStrike" dirty="0">
+                        <a:solidFill>
+                          <a:schemeClr val="tx1"/>
+                        </a:solidFill>
+                        <a:effectLst/>
+                        <a:highlight>
+                          <a:srgbClr val="0000FF"/>
+                        </a:highlight>
+                        <a:latin typeface="Aptos Narrow" panose="020B0004020202020204" pitchFamily="34" charset="0"/>
+                      </a:endParaRPr>
+                    </a:p>
+                  </a:txBody>
+                  <a:tcPr marL="7620" marR="7620" marT="7620" marB="0" anchor="ctr"/>
+                </a:tc>
+                <a:extLst>
+                  <a:ext uri="{0D108BD9-81ED-4DB2-BD59-A6C34878D82A}">
+                    <a16:rowId xmlns:a16="http://schemas.microsoft.com/office/drawing/2014/main" val="3821123107"/>
+                  </a:ext>
+                </a:extLst>
+              </a:tr>
+            </a:tbl>
+          </a:graphicData>
+        </a:graphic>
+      </p:graphicFrame>
+      <p:pic>
+        <p:nvPicPr>
+          <p:cNvPr id="4" name="Picture 3">
+            <a:extLst>
+              <a:ext uri="{FF2B5EF4-FFF2-40B4-BE49-F238E27FC236}">
+                <a16:creationId xmlns:a16="http://schemas.microsoft.com/office/drawing/2014/main" id="{11FF30A6-F24D-5F3B-4363-69BC1DECC00D}"/>
+              </a:ext>
+            </a:extLst>
+          </p:cNvPr>
+          <p:cNvPicPr>
+            <a:picLocks noChangeAspect="1"/>
+          </p:cNvPicPr>
+          <p:nvPr/>
+        </p:nvPicPr>
+        <p:blipFill>
+          <a:blip r:embed="rId2"/>
+          <a:stretch>
+            <a:fillRect/>
+          </a:stretch>
+        </p:blipFill>
+        <p:spPr>
+          <a:xfrm>
+            <a:off x="0" y="1767097"/>
+            <a:ext cx="12192000" cy="3323805"/>
+          </a:xfrm>
+          <a:prstGeom prst="rect">
+            <a:avLst/>
+          </a:prstGeom>
+        </p:spPr>
+      </p:pic>
+    </p:spTree>
+    <p:extLst>
+      <p:ext uri="{BB962C8B-B14F-4D97-AF65-F5344CB8AC3E}">
+        <p14:creationId xmlns:p14="http://schemas.microsoft.com/office/powerpoint/2010/main" val="1730886057"/>
+      </p:ext>
+    </p:extLst>
+  </p:cSld>
+  <p:clrMapOvr>
+    <a:masterClrMapping/>
+  </p:clrMapOvr>
+</p:sld>
+</file>
+
+<file path=ppt/slides/slide2.xml><?xml version="1.0" encoding="utf-8"?>
+<p:sld xmlns:a="http://schemas.openxmlformats.org/drawingml/2006/main" xmlns:r="http://schemas.openxmlformats.org/officeDocument/2006/relationships" xmlns:p="http://schemas.openxmlformats.org/presentationml/2006/main">
+  <p:cSld>
+    <p:spTree>
+      <p:nvGrpSpPr>
+        <p:cNvPr id="1" name="">
+          <a:extLst>
+            <a:ext uri="{FF2B5EF4-FFF2-40B4-BE49-F238E27FC236}">
+              <a16:creationId xmlns:a16="http://schemas.microsoft.com/office/drawing/2014/main" id="{B96B9741-3AD9-4507-514C-8BC3667A255C}"/>
+            </a:ext>
+          </a:extLst>
+        </p:cNvPr>
+        <p:cNvGrpSpPr/>
+        <p:nvPr/>
+      </p:nvGrpSpPr>
+      <p:grpSpPr>
+        <a:xfrm>
+          <a:off x="0" y="0"/>
+          <a:ext cx="0" cy="0"/>
+          <a:chOff x="0" y="0"/>
+          <a:chExt cx="0" cy="0"/>
+        </a:xfrm>
+      </p:grpSpPr>
+      <p:sp>
+        <p:nvSpPr>
+          <p:cNvPr id="2" name="TextBox 1">
+            <a:extLst>
+              <a:ext uri="{FF2B5EF4-FFF2-40B4-BE49-F238E27FC236}">
+                <a16:creationId xmlns:a16="http://schemas.microsoft.com/office/drawing/2014/main" id="{4DBD1F86-4E7D-A82E-5D26-6AAC07F6778D}"/>
+              </a:ext>
+            </a:extLst>
+          </p:cNvPr>
+          <p:cNvSpPr txBox="1"/>
+          <p:nvPr/>
+        </p:nvSpPr>
+        <p:spPr>
+          <a:xfrm>
+            <a:off x="584444" y="1283295"/>
+            <a:ext cx="6344429" cy="369332"/>
+          </a:xfrm>
+          <a:prstGeom prst="rect">
+            <a:avLst/>
+          </a:prstGeom>
+          <a:noFill/>
+        </p:spPr>
+        <p:txBody>
+          <a:bodyPr wrap="none" rtlCol="0">
+            <a:spAutoFit/>
+          </a:bodyPr>
+          <a:lstStyle/>
+          <a:p>
+            <a:r>
+              <a:rPr lang="en-US" b="1" dirty="0">
+                <a:latin typeface="Arial" panose="020B0604020202020204" pitchFamily="34" charset="0"/>
+                <a:cs typeface="Arial" panose="020B0604020202020204" pitchFamily="34" charset="0"/>
+              </a:rPr>
+              <a:t>A* Search Algorithm using Euclidean Heuristic Function</a:t>
+            </a:r>
+            <a:endParaRPr lang="en-IN" b="1" dirty="0">
+              <a:latin typeface="Arial" panose="020B0604020202020204" pitchFamily="34" charset="0"/>
+              <a:cs typeface="Arial" panose="020B0604020202020204" pitchFamily="34" charset="0"/>
+            </a:endParaRPr>
+          </a:p>
+        </p:txBody>
+      </p:sp>
+      <p:pic>
+        <p:nvPicPr>
+          <p:cNvPr id="4" name="Picture 3">
+            <a:extLst>
+              <a:ext uri="{FF2B5EF4-FFF2-40B4-BE49-F238E27FC236}">
+                <a16:creationId xmlns:a16="http://schemas.microsoft.com/office/drawing/2014/main" id="{A4A80EA0-CC2E-8F4F-5C4F-83D9039DBB1C}"/>
+              </a:ext>
+            </a:extLst>
+          </p:cNvPr>
+          <p:cNvPicPr>
+            <a:picLocks noChangeAspect="1"/>
+          </p:cNvPicPr>
+          <p:nvPr/>
+        </p:nvPicPr>
+        <p:blipFill>
+          <a:blip r:embed="rId2"/>
+          <a:stretch>
+            <a:fillRect/>
+          </a:stretch>
+        </p:blipFill>
+        <p:spPr>
+          <a:xfrm>
+            <a:off x="7355322" y="-4954"/>
+            <a:ext cx="4029637" cy="1657581"/>
+          </a:xfrm>
+          <a:prstGeom prst="rect">
+            <a:avLst/>
+          </a:prstGeom>
+        </p:spPr>
+      </p:pic>
+      <p:pic>
+        <p:nvPicPr>
+          <p:cNvPr id="5" name="Picture 4" descr="A maze with blue lines&#10;&#10;Description automatically generated">
+            <a:extLst>
+              <a:ext uri="{FF2B5EF4-FFF2-40B4-BE49-F238E27FC236}">
+                <a16:creationId xmlns:a16="http://schemas.microsoft.com/office/drawing/2014/main" id="{A006175F-73C3-4A9F-EDED-E9BE92F4478F}"/>
+              </a:ext>
+            </a:extLst>
+          </p:cNvPr>
+          <p:cNvPicPr>
+            <a:picLocks noChangeAspect="1"/>
+          </p:cNvPicPr>
+          <p:nvPr/>
+        </p:nvPicPr>
+        <p:blipFill>
+          <a:blip r:embed="rId3"/>
+          <a:stretch>
+            <a:fillRect/>
+          </a:stretch>
+        </p:blipFill>
+        <p:spPr>
+          <a:xfrm>
+            <a:off x="584444" y="1733014"/>
+            <a:ext cx="10900822" cy="4391293"/>
+          </a:xfrm>
+          <a:prstGeom prst="rect">
+            <a:avLst/>
+          </a:prstGeom>
+        </p:spPr>
+      </p:pic>
+    </p:spTree>
+    <p:extLst>
+      <p:ext uri="{BB962C8B-B14F-4D97-AF65-F5344CB8AC3E}">
+        <p14:creationId xmlns:p14="http://schemas.microsoft.com/office/powerpoint/2010/main" val="1350187558"/>
+      </p:ext>
+    </p:extLst>
+  </p:cSld>
+  <p:clrMapOvr>
+    <a:masterClrMapping/>
+  </p:clrMapOvr>
+</p:sld>
+</file>
+
+<file path=ppt/slides/slide3.xml><?xml version="1.0" encoding="utf-8"?>
+<p:sld xmlns:a="http://schemas.openxmlformats.org/drawingml/2006/main" xmlns:r="http://schemas.openxmlformats.org/officeDocument/2006/relationships" xmlns:p="http://schemas.openxmlformats.org/presentationml/2006/main">
+  <p:cSld>
+    <p:spTree>
+      <p:nvGrpSpPr>
+        <p:cNvPr id="1" name="">
+          <a:extLst>
+            <a:ext uri="{FF2B5EF4-FFF2-40B4-BE49-F238E27FC236}">
+              <a16:creationId xmlns:a16="http://schemas.microsoft.com/office/drawing/2014/main" id="{DE5AAAAD-E997-9F76-ADD5-0FD4DDB3FC43}"/>
+            </a:ext>
+          </a:extLst>
+        </p:cNvPr>
+        <p:cNvGrpSpPr/>
+        <p:nvPr/>
+      </p:nvGrpSpPr>
+      <p:grpSpPr>
+        <a:xfrm>
+          <a:off x="0" y="0"/>
+          <a:ext cx="0" cy="0"/>
+          <a:chOff x="0" y="0"/>
+          <a:chExt cx="0" cy="0"/>
+        </a:xfrm>
+      </p:grpSpPr>
+      <p:pic>
+        <p:nvPicPr>
+          <p:cNvPr id="6" name="Picture 5">
+            <a:extLst>
+              <a:ext uri="{FF2B5EF4-FFF2-40B4-BE49-F238E27FC236}">
+                <a16:creationId xmlns:a16="http://schemas.microsoft.com/office/drawing/2014/main" id="{57AA0D60-CF6F-8136-7A0F-D942FFF74B46}"/>
+              </a:ext>
+            </a:extLst>
+          </p:cNvPr>
+          <p:cNvPicPr>
+            <a:picLocks noChangeAspect="1"/>
+          </p:cNvPicPr>
+          <p:nvPr/>
+        </p:nvPicPr>
+        <p:blipFill>
+          <a:blip r:embed="rId2"/>
+          <a:stretch>
+            <a:fillRect/>
+          </a:stretch>
+        </p:blipFill>
+        <p:spPr>
+          <a:xfrm>
+            <a:off x="7576378" y="42142"/>
+            <a:ext cx="4014340" cy="1565592"/>
+          </a:xfrm>
+          <a:prstGeom prst="rect">
+            <a:avLst/>
+          </a:prstGeom>
+        </p:spPr>
+      </p:pic>
+      <p:sp>
+        <p:nvSpPr>
+          <p:cNvPr id="2" name="TextBox 1">
+            <a:extLst>
+              <a:ext uri="{FF2B5EF4-FFF2-40B4-BE49-F238E27FC236}">
+                <a16:creationId xmlns:a16="http://schemas.microsoft.com/office/drawing/2014/main" id="{950B8EE7-D525-7BCC-72C5-7841C0774950}"/>
+              </a:ext>
+            </a:extLst>
+          </p:cNvPr>
+          <p:cNvSpPr txBox="1"/>
+          <p:nvPr/>
+        </p:nvSpPr>
+        <p:spPr>
+          <a:xfrm>
+            <a:off x="584444" y="1283295"/>
+            <a:ext cx="6485493" cy="369332"/>
+          </a:xfrm>
+          <a:prstGeom prst="rect">
+            <a:avLst/>
+          </a:prstGeom>
+          <a:noFill/>
+        </p:spPr>
+        <p:txBody>
+          <a:bodyPr wrap="none" rtlCol="0">
+            <a:spAutoFit/>
+          </a:bodyPr>
+          <a:lstStyle/>
+          <a:p>
+            <a:r>
+              <a:rPr lang="en-US" b="1" dirty="0">
+                <a:latin typeface="Arial" panose="020B0604020202020204" pitchFamily="34" charset="0"/>
+                <a:cs typeface="Arial" panose="020B0604020202020204" pitchFamily="34" charset="0"/>
+              </a:rPr>
+              <a:t>A* Search Algorithm using Chebyshev Heuristic Function</a:t>
+            </a:r>
+            <a:endParaRPr lang="en-IN" b="1" dirty="0">
+              <a:latin typeface="Arial" panose="020B0604020202020204" pitchFamily="34" charset="0"/>
+              <a:cs typeface="Arial" panose="020B0604020202020204" pitchFamily="34" charset="0"/>
+            </a:endParaRPr>
+          </a:p>
+        </p:txBody>
+      </p:sp>
+      <p:pic>
+        <p:nvPicPr>
+          <p:cNvPr id="3" name="Picture 2" descr="A maze with blue lines&#10;&#10;Description automatically generated">
+            <a:extLst>
+              <a:ext uri="{FF2B5EF4-FFF2-40B4-BE49-F238E27FC236}">
+                <a16:creationId xmlns:a16="http://schemas.microsoft.com/office/drawing/2014/main" id="{281AA8FE-F372-0612-67F7-6BE27E2085FD}"/>
+              </a:ext>
+            </a:extLst>
+          </p:cNvPr>
+          <p:cNvPicPr>
+            <a:picLocks noChangeAspect="1"/>
+          </p:cNvPicPr>
+          <p:nvPr/>
+        </p:nvPicPr>
+        <p:blipFill>
+          <a:blip r:embed="rId3"/>
+          <a:stretch>
+            <a:fillRect/>
+          </a:stretch>
+        </p:blipFill>
+        <p:spPr>
+          <a:xfrm>
+            <a:off x="584444" y="1758294"/>
+            <a:ext cx="11081692" cy="4464496"/>
+          </a:xfrm>
+          <a:prstGeom prst="rect">
+            <a:avLst/>
+          </a:prstGeom>
+        </p:spPr>
+      </p:pic>
+    </p:spTree>
+    <p:extLst>
+      <p:ext uri="{BB962C8B-B14F-4D97-AF65-F5344CB8AC3E}">
+        <p14:creationId xmlns:p14="http://schemas.microsoft.com/office/powerpoint/2010/main" val="2224534663"/>
+      </p:ext>
+    </p:extLst>
+  </p:cSld>
+  <p:clrMapOvr>
+    <a:masterClrMapping/>
+  </p:clrMapOvr>
+</p:sld>
+</file>
+
+<file path=ppt/slides/slide4.xml><?xml version="1.0" encoding="utf-8"?>
+<p:sld xmlns:a="http://schemas.openxmlformats.org/drawingml/2006/main" xmlns:r="http://schemas.openxmlformats.org/officeDocument/2006/relationships" xmlns:p="http://schemas.openxmlformats.org/presentationml/2006/main">
+  <p:cSld>
+    <p:spTree>
+      <p:nvGrpSpPr>
+        <p:cNvPr id="1" name="">
+          <a:extLst>
+            <a:ext uri="{FF2B5EF4-FFF2-40B4-BE49-F238E27FC236}">
+              <a16:creationId xmlns:a16="http://schemas.microsoft.com/office/drawing/2014/main" id="{C4E070D7-BEB4-828B-ACDF-08B46FA3D56B}"/>
+            </a:ext>
+          </a:extLst>
+        </p:cNvPr>
+        <p:cNvGrpSpPr/>
+        <p:nvPr/>
+      </p:nvGrpSpPr>
+      <p:grpSpPr>
+        <a:xfrm>
+          <a:off x="0" y="0"/>
+          <a:ext cx="0" cy="0"/>
+          <a:chOff x="0" y="0"/>
+          <a:chExt cx="0" cy="0"/>
+        </a:xfrm>
+      </p:grpSpPr>
+      <p:sp>
+        <p:nvSpPr>
+          <p:cNvPr id="2" name="TextBox 1">
+            <a:extLst>
+              <a:ext uri="{FF2B5EF4-FFF2-40B4-BE49-F238E27FC236}">
+                <a16:creationId xmlns:a16="http://schemas.microsoft.com/office/drawing/2014/main" id="{6DF626A9-0DF5-5D41-5145-CAEF8BACA729}"/>
+              </a:ext>
+            </a:extLst>
+          </p:cNvPr>
+          <p:cNvSpPr txBox="1"/>
+          <p:nvPr/>
+        </p:nvSpPr>
+        <p:spPr>
+          <a:xfrm>
+            <a:off x="584444" y="1283295"/>
+            <a:ext cx="6647974" cy="369332"/>
+          </a:xfrm>
+          <a:prstGeom prst="rect">
+            <a:avLst/>
+          </a:prstGeom>
+          <a:noFill/>
+        </p:spPr>
+        <p:txBody>
+          <a:bodyPr wrap="none" rtlCol="0">
+            <a:spAutoFit/>
+          </a:bodyPr>
+          <a:lstStyle/>
+          <a:p>
+            <a:r>
+              <a:rPr lang="en-US" b="1" dirty="0" err="1">
+                <a:latin typeface="Arial" panose="020B0604020202020204" pitchFamily="34" charset="0"/>
+                <a:cs typeface="Arial" panose="020B0604020202020204" pitchFamily="34" charset="0"/>
+              </a:rPr>
+              <a:t>Greedy_BFS</a:t>
+            </a:r>
+            <a:r>
+              <a:rPr lang="en-US" b="1" dirty="0">
+                <a:latin typeface="Arial" panose="020B0604020202020204" pitchFamily="34" charset="0"/>
+                <a:cs typeface="Arial" panose="020B0604020202020204" pitchFamily="34" charset="0"/>
+              </a:rPr>
+              <a:t> Algorithm using Manhattan Heuristic Function</a:t>
+            </a:r>
+            <a:endParaRPr lang="en-IN" b="1" dirty="0">
+              <a:latin typeface="Arial" panose="020B0604020202020204" pitchFamily="34" charset="0"/>
+              <a:cs typeface="Arial" panose="020B0604020202020204" pitchFamily="34" charset="0"/>
+            </a:endParaRPr>
+          </a:p>
+        </p:txBody>
+      </p:sp>
+    </p:spTree>
+    <p:extLst>
+      <p:ext uri="{BB962C8B-B14F-4D97-AF65-F5344CB8AC3E}">
+        <p14:creationId xmlns:p14="http://schemas.microsoft.com/office/powerpoint/2010/main" val="4059290568"/>
+      </p:ext>
+    </p:extLst>
+  </p:cSld>
+  <p:clrMapOvr>
+    <a:masterClrMapping/>
+  </p:clrMapOvr>
+</p:sld>
+</file>
+
+<file path=ppt/slides/slide5.xml><?xml version="1.0" encoding="utf-8"?>
+<p:sld xmlns:a="http://schemas.openxmlformats.org/drawingml/2006/main" xmlns:r="http://schemas.openxmlformats.org/officeDocument/2006/relationships" xmlns:p="http://schemas.openxmlformats.org/presentationml/2006/main">
+  <p:cSld>
+    <p:spTree>
+      <p:nvGrpSpPr>
+        <p:cNvPr id="1" name="">
+          <a:extLst>
+            <a:ext uri="{FF2B5EF4-FFF2-40B4-BE49-F238E27FC236}">
+              <a16:creationId xmlns:a16="http://schemas.microsoft.com/office/drawing/2014/main" id="{3635D4F6-2CB6-86CE-2AB5-8260D69ABE71}"/>
+            </a:ext>
+          </a:extLst>
+        </p:cNvPr>
+        <p:cNvGrpSpPr/>
+        <p:nvPr/>
+      </p:nvGrpSpPr>
+      <p:grpSpPr>
+        <a:xfrm>
+          <a:off x="0" y="0"/>
+          <a:ext cx="0" cy="0"/>
+          <a:chOff x="0" y="0"/>
+          <a:chExt cx="0" cy="0"/>
+        </a:xfrm>
+      </p:grpSpPr>
+      <p:sp>
+        <p:nvSpPr>
+          <p:cNvPr id="2" name="TextBox 1">
+            <a:extLst>
+              <a:ext uri="{FF2B5EF4-FFF2-40B4-BE49-F238E27FC236}">
+                <a16:creationId xmlns:a16="http://schemas.microsoft.com/office/drawing/2014/main" id="{4063CB6B-E780-1659-52CF-9817B21101AB}"/>
+              </a:ext>
+            </a:extLst>
+          </p:cNvPr>
+          <p:cNvSpPr txBox="1"/>
+          <p:nvPr/>
+        </p:nvSpPr>
+        <p:spPr>
+          <a:xfrm>
+            <a:off x="584444" y="1283295"/>
+            <a:ext cx="6647974" cy="369332"/>
+          </a:xfrm>
+          <a:prstGeom prst="rect">
+            <a:avLst/>
+          </a:prstGeom>
+          <a:noFill/>
+        </p:spPr>
+        <p:txBody>
+          <a:bodyPr wrap="none" rtlCol="0">
+            <a:spAutoFit/>
+          </a:bodyPr>
+          <a:lstStyle/>
+          <a:p>
+            <a:r>
+              <a:rPr lang="en-US" b="1" dirty="0" err="1">
+                <a:latin typeface="Arial" panose="020B0604020202020204" pitchFamily="34" charset="0"/>
+                <a:cs typeface="Arial" panose="020B0604020202020204" pitchFamily="34" charset="0"/>
+              </a:rPr>
+              <a:t>Greedy_BFS</a:t>
+            </a:r>
+            <a:r>
+              <a:rPr lang="en-US" b="1" dirty="0">
+                <a:latin typeface="Arial" panose="020B0604020202020204" pitchFamily="34" charset="0"/>
+                <a:cs typeface="Arial" panose="020B0604020202020204" pitchFamily="34" charset="0"/>
+              </a:rPr>
+              <a:t> Algorithm using Euclidean Heuristic Function</a:t>
+            </a:r>
+            <a:endParaRPr lang="en-IN" b="1" dirty="0">
+              <a:latin typeface="Arial" panose="020B0604020202020204" pitchFamily="34" charset="0"/>
+              <a:cs typeface="Arial" panose="020B0604020202020204" pitchFamily="34" charset="0"/>
+            </a:endParaRPr>
+          </a:p>
+        </p:txBody>
+      </p:sp>
+    </p:spTree>
+    <p:extLst>
+      <p:ext uri="{BB962C8B-B14F-4D97-AF65-F5344CB8AC3E}">
+        <p14:creationId xmlns:p14="http://schemas.microsoft.com/office/powerpoint/2010/main" val="4246781349"/>
+      </p:ext>
+    </p:extLst>
+  </p:cSld>
+  <p:clrMapOvr>
+    <a:masterClrMapping/>
+  </p:clrMapOvr>
+</p:sld>
+</file>
+
+<file path=ppt/slides/slide6.xml><?xml version="1.0" encoding="utf-8"?>
+<p:sld xmlns:a="http://schemas.openxmlformats.org/drawingml/2006/main" xmlns:r="http://schemas.openxmlformats.org/officeDocument/2006/relationships" xmlns:p="http://schemas.openxmlformats.org/presentationml/2006/main">
+  <p:cSld>
+    <p:spTree>
+      <p:nvGrpSpPr>
+        <p:cNvPr id="1" name="">
+          <a:extLst>
+            <a:ext uri="{FF2B5EF4-FFF2-40B4-BE49-F238E27FC236}">
+              <a16:creationId xmlns:a16="http://schemas.microsoft.com/office/drawing/2014/main" id="{6EC628CA-4265-85E1-A89A-66B3667044FA}"/>
+            </a:ext>
+          </a:extLst>
+        </p:cNvPr>
+        <p:cNvGrpSpPr/>
+        <p:nvPr/>
+      </p:nvGrpSpPr>
+      <p:grpSpPr>
+        <a:xfrm>
+          <a:off x="0" y="0"/>
+          <a:ext cx="0" cy="0"/>
+          <a:chOff x="0" y="0"/>
+          <a:chExt cx="0" cy="0"/>
+        </a:xfrm>
+      </p:grpSpPr>
+      <p:sp>
+        <p:nvSpPr>
+          <p:cNvPr id="2" name="TextBox 1">
+            <a:extLst>
+              <a:ext uri="{FF2B5EF4-FFF2-40B4-BE49-F238E27FC236}">
+                <a16:creationId xmlns:a16="http://schemas.microsoft.com/office/drawing/2014/main" id="{035ECDB5-14AF-3392-C942-BE40C5FC6C18}"/>
+              </a:ext>
+            </a:extLst>
+          </p:cNvPr>
+          <p:cNvSpPr txBox="1"/>
+          <p:nvPr/>
+        </p:nvSpPr>
+        <p:spPr>
+          <a:xfrm>
+            <a:off x="584444" y="1283295"/>
+            <a:ext cx="6780446" cy="369332"/>
+          </a:xfrm>
+          <a:prstGeom prst="rect">
+            <a:avLst/>
+          </a:prstGeom>
+          <a:noFill/>
+        </p:spPr>
+        <p:txBody>
+          <a:bodyPr wrap="none" rtlCol="0">
+            <a:spAutoFit/>
+          </a:bodyPr>
+          <a:lstStyle/>
+          <a:p>
+            <a:r>
+              <a:rPr lang="en-US" b="1" dirty="0" err="1">
+                <a:latin typeface="Arial" panose="020B0604020202020204" pitchFamily="34" charset="0"/>
+                <a:cs typeface="Arial" panose="020B0604020202020204" pitchFamily="34" charset="0"/>
+              </a:rPr>
+              <a:t>Greedy_BFS</a:t>
+            </a:r>
+            <a:r>
+              <a:rPr lang="en-US" b="1" dirty="0">
+                <a:latin typeface="Arial" panose="020B0604020202020204" pitchFamily="34" charset="0"/>
+                <a:cs typeface="Arial" panose="020B0604020202020204" pitchFamily="34" charset="0"/>
+              </a:rPr>
+              <a:t> Algorithm using Chebyshev Heuristic Function</a:t>
+            </a:r>
+            <a:endParaRPr lang="en-IN" b="1" dirty="0">
+              <a:latin typeface="Arial" panose="020B0604020202020204" pitchFamily="34" charset="0"/>
+              <a:cs typeface="Arial" panose="020B0604020202020204" pitchFamily="34" charset="0"/>
+            </a:endParaRPr>
+          </a:p>
+        </p:txBody>
+      </p:sp>
+    </p:spTree>
+    <p:extLst>
+      <p:ext uri="{BB962C8B-B14F-4D97-AF65-F5344CB8AC3E}">
+        <p14:creationId xmlns:p14="http://schemas.microsoft.com/office/powerpoint/2010/main" val="1309887255"/>
+      </p:ext>
+    </p:extLst>
+  </p:cSld>
+  <p:clrMapOvr>
+    <a:masterClrMapping/>
+  </p:clrMapOvr>
+</p:sld>
+</file>
+
+<file path=ppt/slides/slide7.xml><?xml version="1.0" encoding="utf-8"?>
+<p:sld xmlns:a="http://schemas.openxmlformats.org/drawingml/2006/main" xmlns:r="http://schemas.openxmlformats.org/officeDocument/2006/relationships" xmlns:p="http://schemas.openxmlformats.org/presentationml/2006/main">
+  <p:cSld>
+    <p:spTree>
+      <p:nvGrpSpPr>
+        <p:cNvPr id="1" name="">
+          <a:extLst>
+            <a:ext uri="{FF2B5EF4-FFF2-40B4-BE49-F238E27FC236}">
+              <a16:creationId xmlns:a16="http://schemas.microsoft.com/office/drawing/2014/main" id="{2B3CB056-6E85-FBCD-1D89-3C26738446A6}"/>
+            </a:ext>
+          </a:extLst>
+        </p:cNvPr>
+        <p:cNvGrpSpPr/>
+        <p:nvPr/>
+      </p:nvGrpSpPr>
+      <p:grpSpPr>
+        <a:xfrm>
+          <a:off x="0" y="0"/>
+          <a:ext cx="0" cy="0"/>
+          <a:chOff x="0" y="0"/>
+          <a:chExt cx="0" cy="0"/>
+        </a:xfrm>
+      </p:grpSpPr>
+      <p:sp>
+        <p:nvSpPr>
+          <p:cNvPr id="3" name="Rectangle 2">
+            <a:extLst>
+              <a:ext uri="{FF2B5EF4-FFF2-40B4-BE49-F238E27FC236}">
+                <a16:creationId xmlns:a16="http://schemas.microsoft.com/office/drawing/2014/main" id="{387FC68C-8BD1-3AB6-C6E0-489789D77F81}"/>
+              </a:ext>
+            </a:extLst>
+          </p:cNvPr>
+          <p:cNvSpPr/>
+          <p:nvPr/>
+        </p:nvSpPr>
+        <p:spPr>
+          <a:xfrm>
+            <a:off x="0" y="0"/>
+            <a:ext cx="12192000" cy="6858000"/>
+          </a:xfrm>
+          <a:prstGeom prst="rect">
+            <a:avLst/>
+          </a:prstGeom>
+        </p:spPr>
+        <p:style>
+          <a:lnRef idx="2">
+            <a:schemeClr val="dk1">
+              <a:shade val="15000"/>
+            </a:schemeClr>
+          </a:lnRef>
+          <a:fillRef idx="1">
+            <a:schemeClr val="dk1"/>
+          </a:fillRef>
+          <a:effectRef idx="0">
+            <a:schemeClr val="dk1"/>
+          </a:effectRef>
+          <a:fontRef idx="minor">
+            <a:schemeClr val="lt1"/>
+          </a:fontRef>
+        </p:style>
+        <p:txBody>
+          <a:bodyPr rtlCol="0" anchor="ctr"/>
+          <a:lstStyle/>
+          <a:p>
+            <a:pPr algn="ctr"/>
+            <a:endParaRPr lang="en-IN"/>
+          </a:p>
+        </p:txBody>
+      </p:sp>
+    </p:spTree>
+    <p:extLst>
+      <p:ext uri="{BB962C8B-B14F-4D97-AF65-F5344CB8AC3E}">
+        <p14:creationId xmlns:p14="http://schemas.microsoft.com/office/powerpoint/2010/main" val="2302869081"/>
+      </p:ext>
+    </p:extLst>
+  </p:cSld>
+  <p:clrMapOvr>
+    <a:masterClrMapping/>
+  </p:clrMapOvr>
+</p:sld>
+</file>
+
+<file path=ppt/slides/slide8.xml><?xml version="1.0" encoding="utf-8"?>
 <p:sld xmlns:a="http://schemas.openxmlformats.org/drawingml/2006/main" xmlns:r="http://schemas.openxmlformats.org/officeDocument/2006/relationships" xmlns:p="http://schemas.openxmlformats.org/presentationml/2006/main">
   <p:cSld>
     <p:spTree>
@@ -8212,7 +12276,7 @@
 </p:sld>
 </file>
 
-<file path=ppt/slides/slide2.xml><?xml version="1.0" encoding="utf-8"?>
+<file path=ppt/slides/slide9.xml><?xml version="1.0" encoding="utf-8"?>
 <p:sld xmlns:a="http://schemas.openxmlformats.org/drawingml/2006/main" xmlns:r="http://schemas.openxmlformats.org/officeDocument/2006/relationships" xmlns:p="http://schemas.openxmlformats.org/presentationml/2006/main">
   <p:cSld>
     <p:spTree>
@@ -8764,3318 +12828,6 @@
 </p:sld>
 </file>
 
-<file path=ppt/slides/slide3.xml><?xml version="1.0" encoding="utf-8"?>
-<p:sld xmlns:a="http://schemas.openxmlformats.org/drawingml/2006/main" xmlns:r="http://schemas.openxmlformats.org/officeDocument/2006/relationships" xmlns:p="http://schemas.openxmlformats.org/presentationml/2006/main">
-  <p:cSld>
-    <p:spTree>
-      <p:nvGrpSpPr>
-        <p:cNvPr id="1" name="">
-          <a:extLst>
-            <a:ext uri="{FF2B5EF4-FFF2-40B4-BE49-F238E27FC236}">
-              <a16:creationId xmlns:a16="http://schemas.microsoft.com/office/drawing/2014/main" id="{47F38455-D506-506D-5330-B5AFE9099D9A}"/>
-            </a:ext>
-          </a:extLst>
-        </p:cNvPr>
-        <p:cNvGrpSpPr/>
-        <p:nvPr/>
-      </p:nvGrpSpPr>
-      <p:grpSpPr>
-        <a:xfrm>
-          <a:off x="0" y="0"/>
-          <a:ext cx="0" cy="0"/>
-          <a:chOff x="0" y="0"/>
-          <a:chExt cx="0" cy="0"/>
-        </a:xfrm>
-      </p:grpSpPr>
-      <p:graphicFrame>
-        <p:nvGraphicFramePr>
-          <p:cNvPr id="6" name="Table 5">
-            <a:extLst>
-              <a:ext uri="{FF2B5EF4-FFF2-40B4-BE49-F238E27FC236}">
-                <a16:creationId xmlns:a16="http://schemas.microsoft.com/office/drawing/2014/main" id="{754F0A2D-DE6E-334D-9323-FFA08EF4E733}"/>
-              </a:ext>
-            </a:extLst>
-          </p:cNvPr>
-          <p:cNvGraphicFramePr>
-            <a:graphicFrameLocks noGrp="1"/>
-          </p:cNvGraphicFramePr>
-          <p:nvPr>
-            <p:extLst>
-              <p:ext uri="{D42A27DB-BD31-4B8C-83A1-F6EECF244321}">
-                <p14:modId xmlns:p14="http://schemas.microsoft.com/office/powerpoint/2010/main" val="1943884446"/>
-              </p:ext>
-            </p:extLst>
-          </p:nvPr>
-        </p:nvGraphicFramePr>
-        <p:xfrm>
-          <a:off x="2847867" y="85444"/>
-          <a:ext cx="4909457" cy="1409700"/>
-        </p:xfrm>
-        <a:graphic>
-          <a:graphicData uri="http://schemas.openxmlformats.org/drawingml/2006/table">
-            <a:tbl>
-              <a:tblPr>
-                <a:tableStyleId>{5C22544A-7EE6-4342-B048-85BDC9FD1C3A}</a:tableStyleId>
-              </a:tblPr>
-              <a:tblGrid>
-                <a:gridCol w="1831305">
-                  <a:extLst>
-                    <a:ext uri="{9D8B030D-6E8A-4147-A177-3AD203B41FA5}">
-                      <a16:colId xmlns:a16="http://schemas.microsoft.com/office/drawing/2014/main" val="892411615"/>
-                    </a:ext>
-                  </a:extLst>
-                </a:gridCol>
-                <a:gridCol w="1383220">
-                  <a:extLst>
-                    <a:ext uri="{9D8B030D-6E8A-4147-A177-3AD203B41FA5}">
-                      <a16:colId xmlns:a16="http://schemas.microsoft.com/office/drawing/2014/main" val="4112619596"/>
-                    </a:ext>
-                  </a:extLst>
-                </a:gridCol>
-                <a:gridCol w="1694932">
-                  <a:extLst>
-                    <a:ext uri="{9D8B030D-6E8A-4147-A177-3AD203B41FA5}">
-                      <a16:colId xmlns:a16="http://schemas.microsoft.com/office/drawing/2014/main" val="3210649056"/>
-                    </a:ext>
-                  </a:extLst>
-                </a:gridCol>
-              </a:tblGrid>
-              <a:tr h="256741">
-                <a:tc>
-                  <a:txBody>
-                    <a:bodyPr/>
-                    <a:lstStyle/>
-                    <a:p>
-                      <a:pPr algn="ctr" fontAlgn="ctr"/>
-                      <a:r>
-                        <a:rPr lang="en-IN" sz="1800" u="none" strike="noStrike" dirty="0">
-                          <a:solidFill>
-                            <a:schemeClr val="tx1"/>
-                          </a:solidFill>
-                          <a:effectLst/>
-                        </a:rPr>
-                        <a:t>Weight</a:t>
-                      </a:r>
-                      <a:endParaRPr lang="en-IN" sz="1800" b="1" i="0" u="none" strike="noStrike" dirty="0">
-                        <a:solidFill>
-                          <a:schemeClr val="tx1"/>
-                        </a:solidFill>
-                        <a:effectLst/>
-                        <a:latin typeface="Aptos Narrow" panose="020B0004020202020204" pitchFamily="34" charset="0"/>
-                      </a:endParaRPr>
-                    </a:p>
-                  </a:txBody>
-                  <a:tcPr marL="7620" marR="7620" marT="7620" marB="0" anchor="ctr"/>
-                </a:tc>
-                <a:tc rowSpan="2">
-                  <a:txBody>
-                    <a:bodyPr/>
-                    <a:lstStyle/>
-                    <a:p>
-                      <a:pPr algn="ctr" fontAlgn="ctr"/>
-                      <a:r>
-                        <a:rPr lang="en-IN" sz="1800" u="none" strike="noStrike" dirty="0">
-                          <a:solidFill>
-                            <a:schemeClr val="tx1"/>
-                          </a:solidFill>
-                          <a:effectLst/>
-                        </a:rPr>
-                        <a:t>Heuristic</a:t>
-                      </a:r>
-                      <a:endParaRPr lang="en-IN" sz="1800" b="1" i="0" u="none" strike="noStrike" dirty="0">
-                        <a:solidFill>
-                          <a:schemeClr val="tx1"/>
-                        </a:solidFill>
-                        <a:effectLst/>
-                        <a:latin typeface="Aptos Narrow" panose="020B0004020202020204" pitchFamily="34" charset="0"/>
-                      </a:endParaRPr>
-                    </a:p>
-                  </a:txBody>
-                  <a:tcPr marL="7620" marR="7620" marT="7620" marB="0" anchor="ctr"/>
-                </a:tc>
-                <a:tc rowSpan="2">
-                  <a:txBody>
-                    <a:bodyPr/>
-                    <a:lstStyle/>
-                    <a:p>
-                      <a:pPr algn="ctr" fontAlgn="ctr"/>
-                      <a:r>
-                        <a:rPr lang="en-IN" sz="1800" u="none" strike="noStrike">
-                          <a:solidFill>
-                            <a:schemeClr val="tx1"/>
-                          </a:solidFill>
-                          <a:effectLst/>
-                        </a:rPr>
-                        <a:t>Path Length</a:t>
-                      </a:r>
-                      <a:endParaRPr lang="en-IN" sz="1800" b="1" i="0" u="none" strike="noStrike">
-                        <a:solidFill>
-                          <a:schemeClr val="tx1"/>
-                        </a:solidFill>
-                        <a:effectLst/>
-                        <a:latin typeface="Aptos Narrow" panose="020B0004020202020204" pitchFamily="34" charset="0"/>
-                      </a:endParaRPr>
-                    </a:p>
-                  </a:txBody>
-                  <a:tcPr marL="7620" marR="7620" marT="7620" marB="0" anchor="ctr"/>
-                </a:tc>
-                <a:extLst>
-                  <a:ext uri="{0D108BD9-81ED-4DB2-BD59-A6C34878D82A}">
-                    <a16:rowId xmlns:a16="http://schemas.microsoft.com/office/drawing/2014/main" val="477313569"/>
-                  </a:ext>
-                </a:extLst>
-              </a:tr>
-              <a:tr h="267438">
-                <a:tc>
-                  <a:txBody>
-                    <a:bodyPr/>
-                    <a:lstStyle/>
-                    <a:p>
-                      <a:pPr algn="ctr" fontAlgn="ctr"/>
-                      <a:r>
-                        <a:rPr lang="en-IN" sz="1800" u="none" strike="noStrike" dirty="0">
-                          <a:solidFill>
-                            <a:schemeClr val="tx1"/>
-                          </a:solidFill>
-                          <a:effectLst/>
-                        </a:rPr>
-                        <a:t>(N,E,S,W)</a:t>
-                      </a:r>
-                      <a:endParaRPr lang="en-IN" sz="1800" b="1" i="0" u="none" strike="noStrike" dirty="0">
-                        <a:solidFill>
-                          <a:schemeClr val="tx1"/>
-                        </a:solidFill>
-                        <a:effectLst/>
-                        <a:latin typeface="Aptos Narrow" panose="020B0004020202020204" pitchFamily="34" charset="0"/>
-                      </a:endParaRPr>
-                    </a:p>
-                  </a:txBody>
-                  <a:tcPr marL="7620" marR="7620" marT="7620" marB="0" anchor="ctr"/>
-                </a:tc>
-                <a:tc vMerge="1">
-                  <a:txBody>
-                    <a:bodyPr/>
-                    <a:lstStyle/>
-                    <a:p>
-                      <a:endParaRPr lang="en-IN"/>
-                    </a:p>
-                  </a:txBody>
-                  <a:tcPr/>
-                </a:tc>
-                <a:tc vMerge="1">
-                  <a:txBody>
-                    <a:bodyPr/>
-                    <a:lstStyle/>
-                    <a:p>
-                      <a:endParaRPr lang="en-IN"/>
-                    </a:p>
-                  </a:txBody>
-                  <a:tcPr/>
-                </a:tc>
-                <a:extLst>
-                  <a:ext uri="{0D108BD9-81ED-4DB2-BD59-A6C34878D82A}">
-                    <a16:rowId xmlns:a16="http://schemas.microsoft.com/office/drawing/2014/main" val="3557603266"/>
-                  </a:ext>
-                </a:extLst>
-              </a:tr>
-              <a:tr h="256741">
-                <a:tc>
-                  <a:txBody>
-                    <a:bodyPr/>
-                    <a:lstStyle/>
-                    <a:p>
-                      <a:pPr algn="ctr" fontAlgn="ctr"/>
-                      <a:r>
-                        <a:rPr lang="en-IN" sz="1800" u="none" strike="noStrike" dirty="0">
-                          <a:effectLst/>
-                          <a:highlight>
-                            <a:srgbClr val="FF0000"/>
-                          </a:highlight>
-                        </a:rPr>
-                        <a:t>(0,10,10,0)</a:t>
-                      </a:r>
-                      <a:endParaRPr lang="en-IN" sz="1800" b="1" i="0" u="none" strike="noStrike" dirty="0">
-                        <a:solidFill>
-                          <a:srgbClr val="000000"/>
-                        </a:solidFill>
-                        <a:effectLst/>
-                        <a:highlight>
-                          <a:srgbClr val="FF0000"/>
-                        </a:highlight>
-                        <a:latin typeface="Aptos Narrow" panose="020B0004020202020204" pitchFamily="34" charset="0"/>
-                      </a:endParaRPr>
-                    </a:p>
-                  </a:txBody>
-                  <a:tcPr marL="7620" marR="7620" marT="7620" marB="0" anchor="ctr"/>
-                </a:tc>
-                <a:tc>
-                  <a:txBody>
-                    <a:bodyPr/>
-                    <a:lstStyle/>
-                    <a:p>
-                      <a:pPr algn="ctr" fontAlgn="ctr"/>
-                      <a:r>
-                        <a:rPr lang="en-IN" sz="1800" u="none" strike="noStrike">
-                          <a:effectLst/>
-                          <a:highlight>
-                            <a:srgbClr val="FF0000"/>
-                          </a:highlight>
-                        </a:rPr>
-                        <a:t>Manhattan</a:t>
-                      </a:r>
-                      <a:endParaRPr lang="en-IN" sz="1800" b="1" i="0" u="none" strike="noStrike">
-                        <a:solidFill>
-                          <a:srgbClr val="000000"/>
-                        </a:solidFill>
-                        <a:effectLst/>
-                        <a:highlight>
-                          <a:srgbClr val="FF0000"/>
-                        </a:highlight>
-                        <a:latin typeface="Aptos Narrow" panose="020B0004020202020204" pitchFamily="34" charset="0"/>
-                      </a:endParaRPr>
-                    </a:p>
-                  </a:txBody>
-                  <a:tcPr marL="7620" marR="7620" marT="7620" marB="0" anchor="ctr"/>
-                </a:tc>
-                <a:tc>
-                  <a:txBody>
-                    <a:bodyPr/>
-                    <a:lstStyle/>
-                    <a:p>
-                      <a:pPr algn="ctr" fontAlgn="ctr"/>
-                      <a:r>
-                        <a:rPr lang="en-IN" sz="1800" u="none" strike="noStrike" dirty="0">
-                          <a:effectLst/>
-                          <a:highlight>
-                            <a:srgbClr val="FF0000"/>
-                          </a:highlight>
-                        </a:rPr>
-                        <a:t>113</a:t>
-                      </a:r>
-                      <a:endParaRPr lang="en-IN" sz="1800" b="0" i="0" u="none" strike="noStrike" dirty="0">
-                        <a:solidFill>
-                          <a:srgbClr val="000000"/>
-                        </a:solidFill>
-                        <a:effectLst/>
-                        <a:highlight>
-                          <a:srgbClr val="FF0000"/>
-                        </a:highlight>
-                        <a:latin typeface="Aptos Narrow" panose="020B0004020202020204" pitchFamily="34" charset="0"/>
-                      </a:endParaRPr>
-                    </a:p>
-                  </a:txBody>
-                  <a:tcPr marL="7620" marR="7620" marT="7620" marB="0" anchor="ctr"/>
-                </a:tc>
-                <a:extLst>
-                  <a:ext uri="{0D108BD9-81ED-4DB2-BD59-A6C34878D82A}">
-                    <a16:rowId xmlns:a16="http://schemas.microsoft.com/office/drawing/2014/main" val="4215129200"/>
-                  </a:ext>
-                </a:extLst>
-              </a:tr>
-              <a:tr h="256741">
-                <a:tc>
-                  <a:txBody>
-                    <a:bodyPr/>
-                    <a:lstStyle/>
-                    <a:p>
-                      <a:pPr algn="ctr" fontAlgn="ctr"/>
-                      <a:r>
-                        <a:rPr lang="en-IN" sz="1800" u="none" strike="noStrike" dirty="0">
-                          <a:effectLst/>
-                          <a:highlight>
-                            <a:srgbClr val="00FF00"/>
-                          </a:highlight>
-                        </a:rPr>
-                        <a:t>(0,10,10,0)</a:t>
-                      </a:r>
-                      <a:endParaRPr lang="en-IN" sz="1800" b="1" i="0" u="none" strike="noStrike" dirty="0">
-                        <a:solidFill>
-                          <a:srgbClr val="000000"/>
-                        </a:solidFill>
-                        <a:effectLst/>
-                        <a:highlight>
-                          <a:srgbClr val="00FF00"/>
-                        </a:highlight>
-                        <a:latin typeface="Aptos Narrow" panose="020B0004020202020204" pitchFamily="34" charset="0"/>
-                      </a:endParaRPr>
-                    </a:p>
-                  </a:txBody>
-                  <a:tcPr marL="7620" marR="7620" marT="7620" marB="0" anchor="ctr"/>
-                </a:tc>
-                <a:tc>
-                  <a:txBody>
-                    <a:bodyPr/>
-                    <a:lstStyle/>
-                    <a:p>
-                      <a:pPr algn="ctr" fontAlgn="ctr"/>
-                      <a:r>
-                        <a:rPr lang="en-IN" sz="1800" u="none" strike="noStrike" dirty="0">
-                          <a:effectLst/>
-                          <a:highlight>
-                            <a:srgbClr val="00FF00"/>
-                          </a:highlight>
-                        </a:rPr>
-                        <a:t>Euclidean</a:t>
-                      </a:r>
-                      <a:endParaRPr lang="en-IN" sz="1800" b="1" i="0" u="none" strike="noStrike" dirty="0">
-                        <a:solidFill>
-                          <a:srgbClr val="000000"/>
-                        </a:solidFill>
-                        <a:effectLst/>
-                        <a:highlight>
-                          <a:srgbClr val="00FF00"/>
-                        </a:highlight>
-                        <a:latin typeface="Aptos Narrow" panose="020B0004020202020204" pitchFamily="34" charset="0"/>
-                      </a:endParaRPr>
-                    </a:p>
-                  </a:txBody>
-                  <a:tcPr marL="7620" marR="7620" marT="7620" marB="0" anchor="ctr"/>
-                </a:tc>
-                <a:tc>
-                  <a:txBody>
-                    <a:bodyPr/>
-                    <a:lstStyle/>
-                    <a:p>
-                      <a:pPr algn="ctr" fontAlgn="ctr"/>
-                      <a:r>
-                        <a:rPr lang="en-IN" sz="1800" u="none" strike="noStrike" dirty="0">
-                          <a:effectLst/>
-                          <a:highlight>
-                            <a:srgbClr val="00FF00"/>
-                          </a:highlight>
-                        </a:rPr>
-                        <a:t>113</a:t>
-                      </a:r>
-                      <a:endParaRPr lang="en-IN" sz="1800" b="0" i="0" u="none" strike="noStrike" dirty="0">
-                        <a:solidFill>
-                          <a:srgbClr val="000000"/>
-                        </a:solidFill>
-                        <a:effectLst/>
-                        <a:highlight>
-                          <a:srgbClr val="00FF00"/>
-                        </a:highlight>
-                        <a:latin typeface="Aptos Narrow" panose="020B0004020202020204" pitchFamily="34" charset="0"/>
-                      </a:endParaRPr>
-                    </a:p>
-                  </a:txBody>
-                  <a:tcPr marL="7620" marR="7620" marT="7620" marB="0" anchor="ctr"/>
-                </a:tc>
-                <a:extLst>
-                  <a:ext uri="{0D108BD9-81ED-4DB2-BD59-A6C34878D82A}">
-                    <a16:rowId xmlns:a16="http://schemas.microsoft.com/office/drawing/2014/main" val="2180606911"/>
-                  </a:ext>
-                </a:extLst>
-              </a:tr>
-              <a:tr h="267438">
-                <a:tc>
-                  <a:txBody>
-                    <a:bodyPr/>
-                    <a:lstStyle/>
-                    <a:p>
-                      <a:pPr algn="ctr" fontAlgn="ctr"/>
-                      <a:r>
-                        <a:rPr lang="en-IN" sz="1800" u="none" strike="noStrike" dirty="0">
-                          <a:solidFill>
-                            <a:schemeClr val="tx1"/>
-                          </a:solidFill>
-                          <a:effectLst/>
-                          <a:highlight>
-                            <a:srgbClr val="0000FF"/>
-                          </a:highlight>
-                        </a:rPr>
-                        <a:t>(0,10,10,0)</a:t>
-                      </a:r>
-                      <a:endParaRPr lang="en-IN" sz="1800" b="1" i="0" u="none" strike="noStrike" dirty="0">
-                        <a:solidFill>
-                          <a:schemeClr val="tx1"/>
-                        </a:solidFill>
-                        <a:effectLst/>
-                        <a:highlight>
-                          <a:srgbClr val="0000FF"/>
-                        </a:highlight>
-                        <a:latin typeface="Aptos Narrow" panose="020B0004020202020204" pitchFamily="34" charset="0"/>
-                      </a:endParaRPr>
-                    </a:p>
-                  </a:txBody>
-                  <a:tcPr marL="7620" marR="7620" marT="7620" marB="0" anchor="ctr"/>
-                </a:tc>
-                <a:tc>
-                  <a:txBody>
-                    <a:bodyPr/>
-                    <a:lstStyle/>
-                    <a:p>
-                      <a:pPr algn="ctr" fontAlgn="ctr"/>
-                      <a:r>
-                        <a:rPr lang="en-IN" sz="1800" u="none" strike="noStrike" dirty="0">
-                          <a:solidFill>
-                            <a:schemeClr val="tx1"/>
-                          </a:solidFill>
-                          <a:effectLst/>
-                          <a:highlight>
-                            <a:srgbClr val="0000FF"/>
-                          </a:highlight>
-                        </a:rPr>
-                        <a:t>Chebyshev</a:t>
-                      </a:r>
-                      <a:endParaRPr lang="en-IN" sz="1800" b="1" i="0" u="none" strike="noStrike" dirty="0">
-                        <a:solidFill>
-                          <a:schemeClr val="tx1"/>
-                        </a:solidFill>
-                        <a:effectLst/>
-                        <a:highlight>
-                          <a:srgbClr val="0000FF"/>
-                        </a:highlight>
-                        <a:latin typeface="Aptos Narrow" panose="020B0004020202020204" pitchFamily="34" charset="0"/>
-                      </a:endParaRPr>
-                    </a:p>
-                  </a:txBody>
-                  <a:tcPr marL="7620" marR="7620" marT="7620" marB="0" anchor="ctr"/>
-                </a:tc>
-                <a:tc>
-                  <a:txBody>
-                    <a:bodyPr/>
-                    <a:lstStyle/>
-                    <a:p>
-                      <a:pPr algn="ctr" fontAlgn="ctr"/>
-                      <a:r>
-                        <a:rPr lang="en-IN" sz="1800" u="none" strike="noStrike" dirty="0">
-                          <a:solidFill>
-                            <a:schemeClr val="tx1"/>
-                          </a:solidFill>
-                          <a:effectLst/>
-                          <a:highlight>
-                            <a:srgbClr val="0000FF"/>
-                          </a:highlight>
-                        </a:rPr>
-                        <a:t>113</a:t>
-                      </a:r>
-                      <a:endParaRPr lang="en-IN" sz="1800" b="0" i="0" u="none" strike="noStrike" dirty="0">
-                        <a:solidFill>
-                          <a:schemeClr val="tx1"/>
-                        </a:solidFill>
-                        <a:effectLst/>
-                        <a:highlight>
-                          <a:srgbClr val="0000FF"/>
-                        </a:highlight>
-                        <a:latin typeface="Aptos Narrow" panose="020B0004020202020204" pitchFamily="34" charset="0"/>
-                      </a:endParaRPr>
-                    </a:p>
-                  </a:txBody>
-                  <a:tcPr marL="7620" marR="7620" marT="7620" marB="0" anchor="ctr"/>
-                </a:tc>
-                <a:extLst>
-                  <a:ext uri="{0D108BD9-81ED-4DB2-BD59-A6C34878D82A}">
-                    <a16:rowId xmlns:a16="http://schemas.microsoft.com/office/drawing/2014/main" val="3821123107"/>
-                  </a:ext>
-                </a:extLst>
-              </a:tr>
-            </a:tbl>
-          </a:graphicData>
-        </a:graphic>
-      </p:graphicFrame>
-      <p:pic>
-        <p:nvPicPr>
-          <p:cNvPr id="3" name="Picture 2">
-            <a:extLst>
-              <a:ext uri="{FF2B5EF4-FFF2-40B4-BE49-F238E27FC236}">
-                <a16:creationId xmlns:a16="http://schemas.microsoft.com/office/drawing/2014/main" id="{37B90154-4B8C-2A4B-C769-B17A268F4A77}"/>
-              </a:ext>
-            </a:extLst>
-          </p:cNvPr>
-          <p:cNvPicPr>
-            <a:picLocks noChangeAspect="1"/>
-          </p:cNvPicPr>
-          <p:nvPr/>
-        </p:nvPicPr>
-        <p:blipFill>
-          <a:blip r:embed="rId2"/>
-          <a:stretch>
-            <a:fillRect/>
-          </a:stretch>
-        </p:blipFill>
-        <p:spPr>
-          <a:xfrm>
-            <a:off x="0" y="1780574"/>
-            <a:ext cx="12192000" cy="3296852"/>
-          </a:xfrm>
-          <a:prstGeom prst="rect">
-            <a:avLst/>
-          </a:prstGeom>
-        </p:spPr>
-      </p:pic>
-    </p:spTree>
-    <p:extLst>
-      <p:ext uri="{BB962C8B-B14F-4D97-AF65-F5344CB8AC3E}">
-        <p14:creationId xmlns:p14="http://schemas.microsoft.com/office/powerpoint/2010/main" val="3518853248"/>
-      </p:ext>
-    </p:extLst>
-  </p:cSld>
-  <p:clrMapOvr>
-    <a:masterClrMapping/>
-  </p:clrMapOvr>
-</p:sld>
-</file>
-
-<file path=ppt/slides/slide4.xml><?xml version="1.0" encoding="utf-8"?>
-<p:sld xmlns:a="http://schemas.openxmlformats.org/drawingml/2006/main" xmlns:r="http://schemas.openxmlformats.org/officeDocument/2006/relationships" xmlns:p="http://schemas.openxmlformats.org/presentationml/2006/main">
-  <p:cSld>
-    <p:spTree>
-      <p:nvGrpSpPr>
-        <p:cNvPr id="1" name="">
-          <a:extLst>
-            <a:ext uri="{FF2B5EF4-FFF2-40B4-BE49-F238E27FC236}">
-              <a16:creationId xmlns:a16="http://schemas.microsoft.com/office/drawing/2014/main" id="{838ED71C-E712-F697-1EC8-29D383F77FCF}"/>
-            </a:ext>
-          </a:extLst>
-        </p:cNvPr>
-        <p:cNvGrpSpPr/>
-        <p:nvPr/>
-      </p:nvGrpSpPr>
-      <p:grpSpPr>
-        <a:xfrm>
-          <a:off x="0" y="0"/>
-          <a:ext cx="0" cy="0"/>
-          <a:chOff x="0" y="0"/>
-          <a:chExt cx="0" cy="0"/>
-        </a:xfrm>
-      </p:grpSpPr>
-      <p:graphicFrame>
-        <p:nvGraphicFramePr>
-          <p:cNvPr id="6" name="Table 5">
-            <a:extLst>
-              <a:ext uri="{FF2B5EF4-FFF2-40B4-BE49-F238E27FC236}">
-                <a16:creationId xmlns:a16="http://schemas.microsoft.com/office/drawing/2014/main" id="{8EB582E2-BAD4-6A8F-D1FB-A4C9E5C907D6}"/>
-              </a:ext>
-            </a:extLst>
-          </p:cNvPr>
-          <p:cNvGraphicFramePr>
-            <a:graphicFrameLocks noGrp="1"/>
-          </p:cNvGraphicFramePr>
-          <p:nvPr>
-            <p:extLst>
-              <p:ext uri="{D42A27DB-BD31-4B8C-83A1-F6EECF244321}">
-                <p14:modId xmlns:p14="http://schemas.microsoft.com/office/powerpoint/2010/main" val="2559782094"/>
-              </p:ext>
-            </p:extLst>
-          </p:nvPr>
-        </p:nvGraphicFramePr>
-        <p:xfrm>
-          <a:off x="2847867" y="85444"/>
-          <a:ext cx="4909457" cy="1409700"/>
-        </p:xfrm>
-        <a:graphic>
-          <a:graphicData uri="http://schemas.openxmlformats.org/drawingml/2006/table">
-            <a:tbl>
-              <a:tblPr>
-                <a:tableStyleId>{5C22544A-7EE6-4342-B048-85BDC9FD1C3A}</a:tableStyleId>
-              </a:tblPr>
-              <a:tblGrid>
-                <a:gridCol w="1831305">
-                  <a:extLst>
-                    <a:ext uri="{9D8B030D-6E8A-4147-A177-3AD203B41FA5}">
-                      <a16:colId xmlns:a16="http://schemas.microsoft.com/office/drawing/2014/main" val="892411615"/>
-                    </a:ext>
-                  </a:extLst>
-                </a:gridCol>
-                <a:gridCol w="1383220">
-                  <a:extLst>
-                    <a:ext uri="{9D8B030D-6E8A-4147-A177-3AD203B41FA5}">
-                      <a16:colId xmlns:a16="http://schemas.microsoft.com/office/drawing/2014/main" val="4112619596"/>
-                    </a:ext>
-                  </a:extLst>
-                </a:gridCol>
-                <a:gridCol w="1694932">
-                  <a:extLst>
-                    <a:ext uri="{9D8B030D-6E8A-4147-A177-3AD203B41FA5}">
-                      <a16:colId xmlns:a16="http://schemas.microsoft.com/office/drawing/2014/main" val="3210649056"/>
-                    </a:ext>
-                  </a:extLst>
-                </a:gridCol>
-              </a:tblGrid>
-              <a:tr h="256741">
-                <a:tc>
-                  <a:txBody>
-                    <a:bodyPr/>
-                    <a:lstStyle/>
-                    <a:p>
-                      <a:pPr algn="ctr" fontAlgn="ctr"/>
-                      <a:r>
-                        <a:rPr lang="en-IN" sz="1800" u="none" strike="noStrike" dirty="0">
-                          <a:solidFill>
-                            <a:schemeClr val="tx1"/>
-                          </a:solidFill>
-                          <a:effectLst/>
-                        </a:rPr>
-                        <a:t>Weight</a:t>
-                      </a:r>
-                      <a:endParaRPr lang="en-IN" sz="1800" b="1" i="0" u="none" strike="noStrike" dirty="0">
-                        <a:solidFill>
-                          <a:schemeClr val="tx1"/>
-                        </a:solidFill>
-                        <a:effectLst/>
-                        <a:latin typeface="Aptos Narrow" panose="020B0004020202020204" pitchFamily="34" charset="0"/>
-                      </a:endParaRPr>
-                    </a:p>
-                  </a:txBody>
-                  <a:tcPr marL="7620" marR="7620" marT="7620" marB="0" anchor="ctr"/>
-                </a:tc>
-                <a:tc rowSpan="2">
-                  <a:txBody>
-                    <a:bodyPr/>
-                    <a:lstStyle/>
-                    <a:p>
-                      <a:pPr algn="ctr" fontAlgn="ctr"/>
-                      <a:r>
-                        <a:rPr lang="en-IN" sz="1800" u="none" strike="noStrike" dirty="0">
-                          <a:solidFill>
-                            <a:schemeClr val="tx1"/>
-                          </a:solidFill>
-                          <a:effectLst/>
-                        </a:rPr>
-                        <a:t>Heuristic</a:t>
-                      </a:r>
-                      <a:endParaRPr lang="en-IN" sz="1800" b="1" i="0" u="none" strike="noStrike" dirty="0">
-                        <a:solidFill>
-                          <a:schemeClr val="tx1"/>
-                        </a:solidFill>
-                        <a:effectLst/>
-                        <a:latin typeface="Aptos Narrow" panose="020B0004020202020204" pitchFamily="34" charset="0"/>
-                      </a:endParaRPr>
-                    </a:p>
-                  </a:txBody>
-                  <a:tcPr marL="7620" marR="7620" marT="7620" marB="0" anchor="ctr"/>
-                </a:tc>
-                <a:tc rowSpan="2">
-                  <a:txBody>
-                    <a:bodyPr/>
-                    <a:lstStyle/>
-                    <a:p>
-                      <a:pPr algn="ctr" fontAlgn="ctr"/>
-                      <a:r>
-                        <a:rPr lang="en-IN" sz="1800" u="none" strike="noStrike">
-                          <a:solidFill>
-                            <a:schemeClr val="tx1"/>
-                          </a:solidFill>
-                          <a:effectLst/>
-                        </a:rPr>
-                        <a:t>Path Length</a:t>
-                      </a:r>
-                      <a:endParaRPr lang="en-IN" sz="1800" b="1" i="0" u="none" strike="noStrike">
-                        <a:solidFill>
-                          <a:schemeClr val="tx1"/>
-                        </a:solidFill>
-                        <a:effectLst/>
-                        <a:latin typeface="Aptos Narrow" panose="020B0004020202020204" pitchFamily="34" charset="0"/>
-                      </a:endParaRPr>
-                    </a:p>
-                  </a:txBody>
-                  <a:tcPr marL="7620" marR="7620" marT="7620" marB="0" anchor="ctr"/>
-                </a:tc>
-                <a:extLst>
-                  <a:ext uri="{0D108BD9-81ED-4DB2-BD59-A6C34878D82A}">
-                    <a16:rowId xmlns:a16="http://schemas.microsoft.com/office/drawing/2014/main" val="477313569"/>
-                  </a:ext>
-                </a:extLst>
-              </a:tr>
-              <a:tr h="267438">
-                <a:tc>
-                  <a:txBody>
-                    <a:bodyPr/>
-                    <a:lstStyle/>
-                    <a:p>
-                      <a:pPr algn="ctr" fontAlgn="ctr"/>
-                      <a:r>
-                        <a:rPr lang="en-IN" sz="1800" u="none" strike="noStrike" dirty="0">
-                          <a:solidFill>
-                            <a:schemeClr val="tx1"/>
-                          </a:solidFill>
-                          <a:effectLst/>
-                        </a:rPr>
-                        <a:t>(N,E,S,W)</a:t>
-                      </a:r>
-                      <a:endParaRPr lang="en-IN" sz="1800" b="1" i="0" u="none" strike="noStrike" dirty="0">
-                        <a:solidFill>
-                          <a:schemeClr val="tx1"/>
-                        </a:solidFill>
-                        <a:effectLst/>
-                        <a:latin typeface="Aptos Narrow" panose="020B0004020202020204" pitchFamily="34" charset="0"/>
-                      </a:endParaRPr>
-                    </a:p>
-                  </a:txBody>
-                  <a:tcPr marL="7620" marR="7620" marT="7620" marB="0" anchor="ctr"/>
-                </a:tc>
-                <a:tc vMerge="1">
-                  <a:txBody>
-                    <a:bodyPr/>
-                    <a:lstStyle/>
-                    <a:p>
-                      <a:endParaRPr lang="en-IN"/>
-                    </a:p>
-                  </a:txBody>
-                  <a:tcPr/>
-                </a:tc>
-                <a:tc vMerge="1">
-                  <a:txBody>
-                    <a:bodyPr/>
-                    <a:lstStyle/>
-                    <a:p>
-                      <a:endParaRPr lang="en-IN"/>
-                    </a:p>
-                  </a:txBody>
-                  <a:tcPr/>
-                </a:tc>
-                <a:extLst>
-                  <a:ext uri="{0D108BD9-81ED-4DB2-BD59-A6C34878D82A}">
-                    <a16:rowId xmlns:a16="http://schemas.microsoft.com/office/drawing/2014/main" val="3557603266"/>
-                  </a:ext>
-                </a:extLst>
-              </a:tr>
-              <a:tr h="256741">
-                <a:tc>
-                  <a:txBody>
-                    <a:bodyPr/>
-                    <a:lstStyle/>
-                    <a:p>
-                      <a:pPr algn="ctr" fontAlgn="ctr"/>
-                      <a:r>
-                        <a:rPr lang="en-IN" sz="1800" u="none" strike="noStrike" dirty="0">
-                          <a:effectLst/>
-                          <a:highlight>
-                            <a:srgbClr val="FF0000"/>
-                          </a:highlight>
-                        </a:rPr>
-                        <a:t>(0,-10,-10,0)</a:t>
-                      </a:r>
-                      <a:endParaRPr lang="en-IN" sz="1800" b="1" i="0" u="none" strike="noStrike" dirty="0">
-                        <a:solidFill>
-                          <a:srgbClr val="000000"/>
-                        </a:solidFill>
-                        <a:effectLst/>
-                        <a:highlight>
-                          <a:srgbClr val="FF0000"/>
-                        </a:highlight>
-                        <a:latin typeface="Aptos Narrow" panose="020B0004020202020204" pitchFamily="34" charset="0"/>
-                      </a:endParaRPr>
-                    </a:p>
-                  </a:txBody>
-                  <a:tcPr marL="7620" marR="7620" marT="7620" marB="0" anchor="ctr"/>
-                </a:tc>
-                <a:tc>
-                  <a:txBody>
-                    <a:bodyPr/>
-                    <a:lstStyle/>
-                    <a:p>
-                      <a:pPr algn="ctr" fontAlgn="ctr"/>
-                      <a:r>
-                        <a:rPr lang="en-IN" sz="1800" u="none" strike="noStrike">
-                          <a:effectLst/>
-                          <a:highlight>
-                            <a:srgbClr val="FF0000"/>
-                          </a:highlight>
-                        </a:rPr>
-                        <a:t>Manhattan</a:t>
-                      </a:r>
-                      <a:endParaRPr lang="en-IN" sz="1800" b="1" i="0" u="none" strike="noStrike">
-                        <a:solidFill>
-                          <a:srgbClr val="000000"/>
-                        </a:solidFill>
-                        <a:effectLst/>
-                        <a:highlight>
-                          <a:srgbClr val="FF0000"/>
-                        </a:highlight>
-                        <a:latin typeface="Aptos Narrow" panose="020B0004020202020204" pitchFamily="34" charset="0"/>
-                      </a:endParaRPr>
-                    </a:p>
-                  </a:txBody>
-                  <a:tcPr marL="7620" marR="7620" marT="7620" marB="0" anchor="ctr"/>
-                </a:tc>
-                <a:tc>
-                  <a:txBody>
-                    <a:bodyPr/>
-                    <a:lstStyle/>
-                    <a:p>
-                      <a:pPr algn="ctr" fontAlgn="ctr"/>
-                      <a:r>
-                        <a:rPr lang="en-IN" sz="1800" u="none" strike="noStrike" dirty="0">
-                          <a:effectLst/>
-                          <a:highlight>
-                            <a:srgbClr val="FF0000"/>
-                          </a:highlight>
-                        </a:rPr>
-                        <a:t>133</a:t>
-                      </a:r>
-                      <a:endParaRPr lang="en-IN" sz="1800" b="0" i="0" u="none" strike="noStrike" dirty="0">
-                        <a:solidFill>
-                          <a:srgbClr val="000000"/>
-                        </a:solidFill>
-                        <a:effectLst/>
-                        <a:highlight>
-                          <a:srgbClr val="FF0000"/>
-                        </a:highlight>
-                        <a:latin typeface="Aptos Narrow" panose="020B0004020202020204" pitchFamily="34" charset="0"/>
-                      </a:endParaRPr>
-                    </a:p>
-                  </a:txBody>
-                  <a:tcPr marL="7620" marR="7620" marT="7620" marB="0" anchor="ctr"/>
-                </a:tc>
-                <a:extLst>
-                  <a:ext uri="{0D108BD9-81ED-4DB2-BD59-A6C34878D82A}">
-                    <a16:rowId xmlns:a16="http://schemas.microsoft.com/office/drawing/2014/main" val="4215129200"/>
-                  </a:ext>
-                </a:extLst>
-              </a:tr>
-              <a:tr h="256741">
-                <a:tc>
-                  <a:txBody>
-                    <a:bodyPr/>
-                    <a:lstStyle/>
-                    <a:p>
-                      <a:pPr algn="ctr" fontAlgn="ctr"/>
-                      <a:r>
-                        <a:rPr lang="en-IN" sz="1800" u="none" strike="noStrike" dirty="0">
-                          <a:effectLst/>
-                          <a:highlight>
-                            <a:srgbClr val="00FF00"/>
-                          </a:highlight>
-                        </a:rPr>
-                        <a:t>(0,-10,-10,0)</a:t>
-                      </a:r>
-                      <a:endParaRPr lang="en-IN" sz="1800" b="1" i="0" u="none" strike="noStrike" dirty="0">
-                        <a:solidFill>
-                          <a:srgbClr val="000000"/>
-                        </a:solidFill>
-                        <a:effectLst/>
-                        <a:highlight>
-                          <a:srgbClr val="00FF00"/>
-                        </a:highlight>
-                        <a:latin typeface="Aptos Narrow" panose="020B0004020202020204" pitchFamily="34" charset="0"/>
-                      </a:endParaRPr>
-                    </a:p>
-                  </a:txBody>
-                  <a:tcPr marL="7620" marR="7620" marT="7620" marB="0" anchor="ctr"/>
-                </a:tc>
-                <a:tc>
-                  <a:txBody>
-                    <a:bodyPr/>
-                    <a:lstStyle/>
-                    <a:p>
-                      <a:pPr algn="ctr" fontAlgn="ctr"/>
-                      <a:r>
-                        <a:rPr lang="en-IN" sz="1800" u="none" strike="noStrike" dirty="0">
-                          <a:effectLst/>
-                          <a:highlight>
-                            <a:srgbClr val="00FF00"/>
-                          </a:highlight>
-                        </a:rPr>
-                        <a:t>Euclidean</a:t>
-                      </a:r>
-                      <a:endParaRPr lang="en-IN" sz="1800" b="1" i="0" u="none" strike="noStrike" dirty="0">
-                        <a:solidFill>
-                          <a:srgbClr val="000000"/>
-                        </a:solidFill>
-                        <a:effectLst/>
-                        <a:highlight>
-                          <a:srgbClr val="00FF00"/>
-                        </a:highlight>
-                        <a:latin typeface="Aptos Narrow" panose="020B0004020202020204" pitchFamily="34" charset="0"/>
-                      </a:endParaRPr>
-                    </a:p>
-                  </a:txBody>
-                  <a:tcPr marL="7620" marR="7620" marT="7620" marB="0" anchor="ctr"/>
-                </a:tc>
-                <a:tc>
-                  <a:txBody>
-                    <a:bodyPr/>
-                    <a:lstStyle/>
-                    <a:p>
-                      <a:pPr algn="ctr" fontAlgn="ctr"/>
-                      <a:r>
-                        <a:rPr lang="en-IN" sz="1800" u="none" strike="noStrike" dirty="0">
-                          <a:effectLst/>
-                          <a:highlight>
-                            <a:srgbClr val="00FF00"/>
-                          </a:highlight>
-                        </a:rPr>
-                        <a:t>133</a:t>
-                      </a:r>
-                      <a:endParaRPr lang="en-IN" sz="1800" b="0" i="0" u="none" strike="noStrike" dirty="0">
-                        <a:solidFill>
-                          <a:srgbClr val="000000"/>
-                        </a:solidFill>
-                        <a:effectLst/>
-                        <a:highlight>
-                          <a:srgbClr val="00FF00"/>
-                        </a:highlight>
-                        <a:latin typeface="Aptos Narrow" panose="020B0004020202020204" pitchFamily="34" charset="0"/>
-                      </a:endParaRPr>
-                    </a:p>
-                  </a:txBody>
-                  <a:tcPr marL="7620" marR="7620" marT="7620" marB="0" anchor="ctr"/>
-                </a:tc>
-                <a:extLst>
-                  <a:ext uri="{0D108BD9-81ED-4DB2-BD59-A6C34878D82A}">
-                    <a16:rowId xmlns:a16="http://schemas.microsoft.com/office/drawing/2014/main" val="2180606911"/>
-                  </a:ext>
-                </a:extLst>
-              </a:tr>
-              <a:tr h="267438">
-                <a:tc>
-                  <a:txBody>
-                    <a:bodyPr/>
-                    <a:lstStyle/>
-                    <a:p>
-                      <a:pPr algn="ctr" fontAlgn="ctr"/>
-                      <a:r>
-                        <a:rPr lang="en-IN" sz="1800" u="none" strike="noStrike" dirty="0">
-                          <a:solidFill>
-                            <a:schemeClr val="tx1"/>
-                          </a:solidFill>
-                          <a:effectLst/>
-                          <a:highlight>
-                            <a:srgbClr val="0000FF"/>
-                          </a:highlight>
-                        </a:rPr>
-                        <a:t>(0,-10,-10,0)</a:t>
-                      </a:r>
-                      <a:endParaRPr lang="en-IN" sz="1800" b="1" i="0" u="none" strike="noStrike" dirty="0">
-                        <a:solidFill>
-                          <a:schemeClr val="tx1"/>
-                        </a:solidFill>
-                        <a:effectLst/>
-                        <a:highlight>
-                          <a:srgbClr val="0000FF"/>
-                        </a:highlight>
-                        <a:latin typeface="Aptos Narrow" panose="020B0004020202020204" pitchFamily="34" charset="0"/>
-                      </a:endParaRPr>
-                    </a:p>
-                  </a:txBody>
-                  <a:tcPr marL="7620" marR="7620" marT="7620" marB="0" anchor="ctr"/>
-                </a:tc>
-                <a:tc>
-                  <a:txBody>
-                    <a:bodyPr/>
-                    <a:lstStyle/>
-                    <a:p>
-                      <a:pPr algn="ctr" fontAlgn="ctr"/>
-                      <a:r>
-                        <a:rPr lang="en-IN" sz="1800" u="none" strike="noStrike" dirty="0">
-                          <a:solidFill>
-                            <a:schemeClr val="tx1"/>
-                          </a:solidFill>
-                          <a:effectLst/>
-                          <a:highlight>
-                            <a:srgbClr val="0000FF"/>
-                          </a:highlight>
-                        </a:rPr>
-                        <a:t>Chebyshev</a:t>
-                      </a:r>
-                      <a:endParaRPr lang="en-IN" sz="1800" b="1" i="0" u="none" strike="noStrike" dirty="0">
-                        <a:solidFill>
-                          <a:schemeClr val="tx1"/>
-                        </a:solidFill>
-                        <a:effectLst/>
-                        <a:highlight>
-                          <a:srgbClr val="0000FF"/>
-                        </a:highlight>
-                        <a:latin typeface="Aptos Narrow" panose="020B0004020202020204" pitchFamily="34" charset="0"/>
-                      </a:endParaRPr>
-                    </a:p>
-                  </a:txBody>
-                  <a:tcPr marL="7620" marR="7620" marT="7620" marB="0" anchor="ctr"/>
-                </a:tc>
-                <a:tc>
-                  <a:txBody>
-                    <a:bodyPr/>
-                    <a:lstStyle/>
-                    <a:p>
-                      <a:pPr algn="ctr" fontAlgn="ctr"/>
-                      <a:r>
-                        <a:rPr lang="en-IN" sz="1800" u="none" strike="noStrike" dirty="0">
-                          <a:solidFill>
-                            <a:schemeClr val="tx1"/>
-                          </a:solidFill>
-                          <a:effectLst/>
-                          <a:highlight>
-                            <a:srgbClr val="0000FF"/>
-                          </a:highlight>
-                        </a:rPr>
-                        <a:t>133</a:t>
-                      </a:r>
-                      <a:endParaRPr lang="en-IN" sz="1800" b="0" i="0" u="none" strike="noStrike" dirty="0">
-                        <a:solidFill>
-                          <a:schemeClr val="tx1"/>
-                        </a:solidFill>
-                        <a:effectLst/>
-                        <a:highlight>
-                          <a:srgbClr val="0000FF"/>
-                        </a:highlight>
-                        <a:latin typeface="Aptos Narrow" panose="020B0004020202020204" pitchFamily="34" charset="0"/>
-                      </a:endParaRPr>
-                    </a:p>
-                  </a:txBody>
-                  <a:tcPr marL="7620" marR="7620" marT="7620" marB="0" anchor="ctr"/>
-                </a:tc>
-                <a:extLst>
-                  <a:ext uri="{0D108BD9-81ED-4DB2-BD59-A6C34878D82A}">
-                    <a16:rowId xmlns:a16="http://schemas.microsoft.com/office/drawing/2014/main" val="3821123107"/>
-                  </a:ext>
-                </a:extLst>
-              </a:tr>
-            </a:tbl>
-          </a:graphicData>
-        </a:graphic>
-      </p:graphicFrame>
-      <p:sp>
-        <p:nvSpPr>
-          <p:cNvPr id="2" name="TextBox 1">
-            <a:extLst>
-              <a:ext uri="{FF2B5EF4-FFF2-40B4-BE49-F238E27FC236}">
-                <a16:creationId xmlns:a16="http://schemas.microsoft.com/office/drawing/2014/main" id="{9C4FDF67-84A8-DED4-BC37-BBB4FC1C6866}"/>
-              </a:ext>
-            </a:extLst>
-          </p:cNvPr>
-          <p:cNvSpPr txBox="1"/>
-          <p:nvPr/>
-        </p:nvSpPr>
-        <p:spPr>
-          <a:xfrm>
-            <a:off x="496151" y="2113935"/>
-            <a:ext cx="9612888" cy="1862048"/>
-          </a:xfrm>
-          <a:prstGeom prst="rect">
-            <a:avLst/>
-          </a:prstGeom>
-          <a:noFill/>
-        </p:spPr>
-        <p:txBody>
-          <a:bodyPr wrap="none" rtlCol="0">
-            <a:spAutoFit/>
-          </a:bodyPr>
-          <a:lstStyle/>
-          <a:p>
-            <a:r>
-              <a:rPr lang="en-US" sz="11500" dirty="0"/>
-              <a:t>Not Applicable</a:t>
-            </a:r>
-            <a:endParaRPr lang="en-IN" sz="11500" dirty="0"/>
-          </a:p>
-        </p:txBody>
-      </p:sp>
-    </p:spTree>
-    <p:extLst>
-      <p:ext uri="{BB962C8B-B14F-4D97-AF65-F5344CB8AC3E}">
-        <p14:creationId xmlns:p14="http://schemas.microsoft.com/office/powerpoint/2010/main" val="809487730"/>
-      </p:ext>
-    </p:extLst>
-  </p:cSld>
-  <p:clrMapOvr>
-    <a:masterClrMapping/>
-  </p:clrMapOvr>
-</p:sld>
-</file>
-
-<file path=ppt/slides/slide5.xml><?xml version="1.0" encoding="utf-8"?>
-<p:sld xmlns:a="http://schemas.openxmlformats.org/drawingml/2006/main" xmlns:r="http://schemas.openxmlformats.org/officeDocument/2006/relationships" xmlns:p="http://schemas.openxmlformats.org/presentationml/2006/main">
-  <p:cSld>
-    <p:spTree>
-      <p:nvGrpSpPr>
-        <p:cNvPr id="1" name="">
-          <a:extLst>
-            <a:ext uri="{FF2B5EF4-FFF2-40B4-BE49-F238E27FC236}">
-              <a16:creationId xmlns:a16="http://schemas.microsoft.com/office/drawing/2014/main" id="{9C601792-D83D-4DAD-1DA8-5A40AE94CBB7}"/>
-            </a:ext>
-          </a:extLst>
-        </p:cNvPr>
-        <p:cNvGrpSpPr/>
-        <p:nvPr/>
-      </p:nvGrpSpPr>
-      <p:grpSpPr>
-        <a:xfrm>
-          <a:off x="0" y="0"/>
-          <a:ext cx="0" cy="0"/>
-          <a:chOff x="0" y="0"/>
-          <a:chExt cx="0" cy="0"/>
-        </a:xfrm>
-      </p:grpSpPr>
-      <p:graphicFrame>
-        <p:nvGraphicFramePr>
-          <p:cNvPr id="6" name="Table 5">
-            <a:extLst>
-              <a:ext uri="{FF2B5EF4-FFF2-40B4-BE49-F238E27FC236}">
-                <a16:creationId xmlns:a16="http://schemas.microsoft.com/office/drawing/2014/main" id="{922C3CD8-1571-322B-0833-4F88E12BF84D}"/>
-              </a:ext>
-            </a:extLst>
-          </p:cNvPr>
-          <p:cNvGraphicFramePr>
-            <a:graphicFrameLocks noGrp="1"/>
-          </p:cNvGraphicFramePr>
-          <p:nvPr>
-            <p:extLst>
-              <p:ext uri="{D42A27DB-BD31-4B8C-83A1-F6EECF244321}">
-                <p14:modId xmlns:p14="http://schemas.microsoft.com/office/powerpoint/2010/main" val="1063744606"/>
-              </p:ext>
-            </p:extLst>
-          </p:nvPr>
-        </p:nvGraphicFramePr>
-        <p:xfrm>
-          <a:off x="2847867" y="85443"/>
-          <a:ext cx="5489889" cy="1998995"/>
-        </p:xfrm>
-        <a:graphic>
-          <a:graphicData uri="http://schemas.openxmlformats.org/drawingml/2006/table">
-            <a:tbl>
-              <a:tblPr>
-                <a:tableStyleId>{5C22544A-7EE6-4342-B048-85BDC9FD1C3A}</a:tableStyleId>
-              </a:tblPr>
-              <a:tblGrid>
-                <a:gridCol w="2047815">
-                  <a:extLst>
-                    <a:ext uri="{9D8B030D-6E8A-4147-A177-3AD203B41FA5}">
-                      <a16:colId xmlns:a16="http://schemas.microsoft.com/office/drawing/2014/main" val="892411615"/>
-                    </a:ext>
-                  </a:extLst>
-                </a:gridCol>
-                <a:gridCol w="1546755">
-                  <a:extLst>
-                    <a:ext uri="{9D8B030D-6E8A-4147-A177-3AD203B41FA5}">
-                      <a16:colId xmlns:a16="http://schemas.microsoft.com/office/drawing/2014/main" val="4112619596"/>
-                    </a:ext>
-                  </a:extLst>
-                </a:gridCol>
-                <a:gridCol w="1895319">
-                  <a:extLst>
-                    <a:ext uri="{9D8B030D-6E8A-4147-A177-3AD203B41FA5}">
-                      <a16:colId xmlns:a16="http://schemas.microsoft.com/office/drawing/2014/main" val="3210649056"/>
-                    </a:ext>
-                  </a:extLst>
-                </a:gridCol>
-              </a:tblGrid>
-              <a:tr h="399799">
-                <a:tc>
-                  <a:txBody>
-                    <a:bodyPr/>
-                    <a:lstStyle/>
-                    <a:p>
-                      <a:pPr algn="ctr" fontAlgn="ctr"/>
-                      <a:r>
-                        <a:rPr lang="en-IN" sz="1800" u="none" strike="noStrike">
-                          <a:solidFill>
-                            <a:schemeClr val="tx1"/>
-                          </a:solidFill>
-                          <a:effectLst/>
-                        </a:rPr>
-                        <a:t>Weight</a:t>
-                      </a:r>
-                      <a:endParaRPr lang="en-IN" sz="1800" b="1" i="0" u="none" strike="noStrike" dirty="0">
-                        <a:solidFill>
-                          <a:schemeClr val="tx1"/>
-                        </a:solidFill>
-                        <a:effectLst/>
-                        <a:latin typeface="Aptos Narrow" panose="020B0004020202020204" pitchFamily="34" charset="0"/>
-                      </a:endParaRPr>
-                    </a:p>
-                  </a:txBody>
-                  <a:tcPr marL="7620" marR="7620" marT="7620" marB="0" anchor="ctr"/>
-                </a:tc>
-                <a:tc rowSpan="2">
-                  <a:txBody>
-                    <a:bodyPr/>
-                    <a:lstStyle/>
-                    <a:p>
-                      <a:pPr algn="ctr" fontAlgn="ctr"/>
-                      <a:r>
-                        <a:rPr lang="en-IN" sz="1800" u="none" strike="noStrike">
-                          <a:solidFill>
-                            <a:schemeClr val="tx1"/>
-                          </a:solidFill>
-                          <a:effectLst/>
-                        </a:rPr>
-                        <a:t>Heuristic</a:t>
-                      </a:r>
-                      <a:endParaRPr lang="en-IN" sz="1800" b="1" i="0" u="none" strike="noStrike" dirty="0">
-                        <a:solidFill>
-                          <a:schemeClr val="tx1"/>
-                        </a:solidFill>
-                        <a:effectLst/>
-                        <a:latin typeface="Aptos Narrow" panose="020B0004020202020204" pitchFamily="34" charset="0"/>
-                      </a:endParaRPr>
-                    </a:p>
-                  </a:txBody>
-                  <a:tcPr marL="7620" marR="7620" marT="7620" marB="0" anchor="ctr"/>
-                </a:tc>
-                <a:tc rowSpan="2">
-                  <a:txBody>
-                    <a:bodyPr/>
-                    <a:lstStyle/>
-                    <a:p>
-                      <a:pPr algn="ctr" fontAlgn="ctr"/>
-                      <a:r>
-                        <a:rPr lang="en-IN" sz="1800" u="none" strike="noStrike">
-                          <a:solidFill>
-                            <a:schemeClr val="tx1"/>
-                          </a:solidFill>
-                          <a:effectLst/>
-                        </a:rPr>
-                        <a:t>Path Length</a:t>
-                      </a:r>
-                      <a:endParaRPr lang="en-IN" sz="1800" b="1" i="0" u="none" strike="noStrike">
-                        <a:solidFill>
-                          <a:schemeClr val="tx1"/>
-                        </a:solidFill>
-                        <a:effectLst/>
-                        <a:latin typeface="Aptos Narrow" panose="020B0004020202020204" pitchFamily="34" charset="0"/>
-                      </a:endParaRPr>
-                    </a:p>
-                  </a:txBody>
-                  <a:tcPr marL="7620" marR="7620" marT="7620" marB="0" anchor="ctr"/>
-                </a:tc>
-                <a:extLst>
-                  <a:ext uri="{0D108BD9-81ED-4DB2-BD59-A6C34878D82A}">
-                    <a16:rowId xmlns:a16="http://schemas.microsoft.com/office/drawing/2014/main" val="477313569"/>
-                  </a:ext>
-                </a:extLst>
-              </a:tr>
-              <a:tr h="399799">
-                <a:tc>
-                  <a:txBody>
-                    <a:bodyPr/>
-                    <a:lstStyle/>
-                    <a:p>
-                      <a:pPr algn="ctr" fontAlgn="ctr"/>
-                      <a:r>
-                        <a:rPr lang="en-IN" sz="1800" u="none" strike="noStrike">
-                          <a:solidFill>
-                            <a:schemeClr val="tx1"/>
-                          </a:solidFill>
-                          <a:effectLst/>
-                        </a:rPr>
-                        <a:t>(N,E,S,W)</a:t>
-                      </a:r>
-                      <a:endParaRPr lang="en-IN" sz="1800" b="1" i="0" u="none" strike="noStrike" dirty="0">
-                        <a:solidFill>
-                          <a:schemeClr val="tx1"/>
-                        </a:solidFill>
-                        <a:effectLst/>
-                        <a:latin typeface="Aptos Narrow" panose="020B0004020202020204" pitchFamily="34" charset="0"/>
-                      </a:endParaRPr>
-                    </a:p>
-                  </a:txBody>
-                  <a:tcPr marL="7620" marR="7620" marT="7620" marB="0" anchor="ctr"/>
-                </a:tc>
-                <a:tc vMerge="1">
-                  <a:txBody>
-                    <a:bodyPr/>
-                    <a:lstStyle/>
-                    <a:p>
-                      <a:endParaRPr lang="en-IN"/>
-                    </a:p>
-                  </a:txBody>
-                  <a:tcPr/>
-                </a:tc>
-                <a:tc vMerge="1">
-                  <a:txBody>
-                    <a:bodyPr/>
-                    <a:lstStyle/>
-                    <a:p>
-                      <a:endParaRPr lang="en-IN"/>
-                    </a:p>
-                  </a:txBody>
-                  <a:tcPr/>
-                </a:tc>
-                <a:extLst>
-                  <a:ext uri="{0D108BD9-81ED-4DB2-BD59-A6C34878D82A}">
-                    <a16:rowId xmlns:a16="http://schemas.microsoft.com/office/drawing/2014/main" val="3557603266"/>
-                  </a:ext>
-                </a:extLst>
-              </a:tr>
-              <a:tr h="399799">
-                <a:tc>
-                  <a:txBody>
-                    <a:bodyPr/>
-                    <a:lstStyle/>
-                    <a:p>
-                      <a:pPr algn="ctr" fontAlgn="ctr"/>
-                      <a:r>
-                        <a:rPr lang="en-IN" sz="1800" u="none" strike="noStrike">
-                          <a:effectLst/>
-                          <a:highlight>
-                            <a:srgbClr val="FF0000"/>
-                          </a:highlight>
-                        </a:rPr>
-                        <a:t>(0,0,0,0)</a:t>
-                      </a:r>
-                      <a:endParaRPr lang="en-IN" sz="1800" b="1" i="0" u="none" strike="noStrike" dirty="0">
-                        <a:solidFill>
-                          <a:srgbClr val="000000"/>
-                        </a:solidFill>
-                        <a:effectLst/>
-                        <a:highlight>
-                          <a:srgbClr val="FF0000"/>
-                        </a:highlight>
-                        <a:latin typeface="Aptos Narrow" panose="020B0004020202020204" pitchFamily="34" charset="0"/>
-                      </a:endParaRPr>
-                    </a:p>
-                  </a:txBody>
-                  <a:tcPr marL="7620" marR="7620" marT="7620" marB="0" anchor="ctr"/>
-                </a:tc>
-                <a:tc>
-                  <a:txBody>
-                    <a:bodyPr/>
-                    <a:lstStyle/>
-                    <a:p>
-                      <a:pPr algn="ctr" fontAlgn="ctr"/>
-                      <a:r>
-                        <a:rPr lang="en-IN" sz="1800" u="none" strike="noStrike">
-                          <a:effectLst/>
-                          <a:highlight>
-                            <a:srgbClr val="FF0000"/>
-                          </a:highlight>
-                        </a:rPr>
-                        <a:t>Manhattan</a:t>
-                      </a:r>
-                      <a:endParaRPr lang="en-IN" sz="1800" b="1" i="0" u="none" strike="noStrike">
-                        <a:solidFill>
-                          <a:srgbClr val="000000"/>
-                        </a:solidFill>
-                        <a:effectLst/>
-                        <a:highlight>
-                          <a:srgbClr val="FF0000"/>
-                        </a:highlight>
-                        <a:latin typeface="Aptos Narrow" panose="020B0004020202020204" pitchFamily="34" charset="0"/>
-                      </a:endParaRPr>
-                    </a:p>
-                  </a:txBody>
-                  <a:tcPr marL="7620" marR="7620" marT="7620" marB="0" anchor="ctr"/>
-                </a:tc>
-                <a:tc>
-                  <a:txBody>
-                    <a:bodyPr/>
-                    <a:lstStyle/>
-                    <a:p>
-                      <a:pPr algn="ctr" fontAlgn="ctr"/>
-                      <a:r>
-                        <a:rPr lang="en-IN" sz="1800" u="none" strike="noStrike">
-                          <a:effectLst/>
-                          <a:highlight>
-                            <a:srgbClr val="FF0000"/>
-                          </a:highlight>
-                        </a:rPr>
-                        <a:t>133</a:t>
-                      </a:r>
-                      <a:endParaRPr lang="en-IN" sz="1800" b="0" i="0" u="none" strike="noStrike" dirty="0">
-                        <a:solidFill>
-                          <a:srgbClr val="000000"/>
-                        </a:solidFill>
-                        <a:effectLst/>
-                        <a:highlight>
-                          <a:srgbClr val="FF0000"/>
-                        </a:highlight>
-                        <a:latin typeface="Aptos Narrow" panose="020B0004020202020204" pitchFamily="34" charset="0"/>
-                      </a:endParaRPr>
-                    </a:p>
-                  </a:txBody>
-                  <a:tcPr marL="7620" marR="7620" marT="7620" marB="0" anchor="ctr"/>
-                </a:tc>
-                <a:extLst>
-                  <a:ext uri="{0D108BD9-81ED-4DB2-BD59-A6C34878D82A}">
-                    <a16:rowId xmlns:a16="http://schemas.microsoft.com/office/drawing/2014/main" val="4215129200"/>
-                  </a:ext>
-                </a:extLst>
-              </a:tr>
-              <a:tr h="399799">
-                <a:tc>
-                  <a:txBody>
-                    <a:bodyPr/>
-                    <a:lstStyle/>
-                    <a:p>
-                      <a:pPr algn="ctr" fontAlgn="ctr"/>
-                      <a:r>
-                        <a:rPr lang="en-IN" sz="1800" u="none" strike="noStrike">
-                          <a:effectLst/>
-                          <a:highlight>
-                            <a:srgbClr val="00FF00"/>
-                          </a:highlight>
-                        </a:rPr>
-                        <a:t>(0,0,0,0)</a:t>
-                      </a:r>
-                      <a:endParaRPr lang="en-IN" sz="1800" b="1" i="0" u="none" strike="noStrike" dirty="0">
-                        <a:solidFill>
-                          <a:srgbClr val="000000"/>
-                        </a:solidFill>
-                        <a:effectLst/>
-                        <a:highlight>
-                          <a:srgbClr val="00FF00"/>
-                        </a:highlight>
-                        <a:latin typeface="Aptos Narrow" panose="020B0004020202020204" pitchFamily="34" charset="0"/>
-                      </a:endParaRPr>
-                    </a:p>
-                  </a:txBody>
-                  <a:tcPr marL="7620" marR="7620" marT="7620" marB="0" anchor="ctr"/>
-                </a:tc>
-                <a:tc>
-                  <a:txBody>
-                    <a:bodyPr/>
-                    <a:lstStyle/>
-                    <a:p>
-                      <a:pPr algn="ctr" fontAlgn="ctr"/>
-                      <a:r>
-                        <a:rPr lang="en-IN" sz="1800" u="none" strike="noStrike">
-                          <a:effectLst/>
-                          <a:highlight>
-                            <a:srgbClr val="00FF00"/>
-                          </a:highlight>
-                        </a:rPr>
-                        <a:t>Euclidean</a:t>
-                      </a:r>
-                      <a:endParaRPr lang="en-IN" sz="1800" b="1" i="0" u="none" strike="noStrike" dirty="0">
-                        <a:solidFill>
-                          <a:srgbClr val="000000"/>
-                        </a:solidFill>
-                        <a:effectLst/>
-                        <a:highlight>
-                          <a:srgbClr val="00FF00"/>
-                        </a:highlight>
-                        <a:latin typeface="Aptos Narrow" panose="020B0004020202020204" pitchFamily="34" charset="0"/>
-                      </a:endParaRPr>
-                    </a:p>
-                  </a:txBody>
-                  <a:tcPr marL="7620" marR="7620" marT="7620" marB="0" anchor="ctr"/>
-                </a:tc>
-                <a:tc>
-                  <a:txBody>
-                    <a:bodyPr/>
-                    <a:lstStyle/>
-                    <a:p>
-                      <a:pPr algn="ctr" fontAlgn="ctr"/>
-                      <a:r>
-                        <a:rPr lang="en-IN" sz="1800" u="none" strike="noStrike" dirty="0">
-                          <a:effectLst/>
-                          <a:highlight>
-                            <a:srgbClr val="00FF00"/>
-                          </a:highlight>
-                        </a:rPr>
-                        <a:t>153</a:t>
-                      </a:r>
-                      <a:endParaRPr lang="en-IN" sz="1800" b="0" i="0" u="none" strike="noStrike" dirty="0">
-                        <a:solidFill>
-                          <a:srgbClr val="000000"/>
-                        </a:solidFill>
-                        <a:effectLst/>
-                        <a:highlight>
-                          <a:srgbClr val="00FF00"/>
-                        </a:highlight>
-                        <a:latin typeface="Aptos Narrow" panose="020B0004020202020204" pitchFamily="34" charset="0"/>
-                      </a:endParaRPr>
-                    </a:p>
-                  </a:txBody>
-                  <a:tcPr marL="7620" marR="7620" marT="7620" marB="0" anchor="ctr"/>
-                </a:tc>
-                <a:extLst>
-                  <a:ext uri="{0D108BD9-81ED-4DB2-BD59-A6C34878D82A}">
-                    <a16:rowId xmlns:a16="http://schemas.microsoft.com/office/drawing/2014/main" val="2180606911"/>
-                  </a:ext>
-                </a:extLst>
-              </a:tr>
-              <a:tr h="399799">
-                <a:tc>
-                  <a:txBody>
-                    <a:bodyPr/>
-                    <a:lstStyle/>
-                    <a:p>
-                      <a:pPr algn="ctr" fontAlgn="ctr"/>
-                      <a:r>
-                        <a:rPr lang="en-IN" sz="1800" u="none" strike="noStrike">
-                          <a:effectLst/>
-                          <a:highlight>
-                            <a:srgbClr val="0000FF"/>
-                          </a:highlight>
-                        </a:rPr>
-                        <a:t>(0,0,0,0)</a:t>
-                      </a:r>
-                      <a:endParaRPr lang="en-IN" sz="1800" b="1" i="0" u="none" strike="noStrike" dirty="0">
-                        <a:solidFill>
-                          <a:srgbClr val="000000"/>
-                        </a:solidFill>
-                        <a:effectLst/>
-                        <a:highlight>
-                          <a:srgbClr val="0000FF"/>
-                        </a:highlight>
-                        <a:latin typeface="Aptos Narrow" panose="020B0004020202020204" pitchFamily="34" charset="0"/>
-                      </a:endParaRPr>
-                    </a:p>
-                  </a:txBody>
-                  <a:tcPr marL="7620" marR="7620" marT="7620" marB="0" anchor="ctr"/>
-                </a:tc>
-                <a:tc>
-                  <a:txBody>
-                    <a:bodyPr/>
-                    <a:lstStyle/>
-                    <a:p>
-                      <a:pPr algn="ctr" fontAlgn="ctr"/>
-                      <a:r>
-                        <a:rPr lang="en-IN" sz="1800" u="none" strike="noStrike">
-                          <a:solidFill>
-                            <a:schemeClr val="tx1"/>
-                          </a:solidFill>
-                          <a:effectLst/>
-                          <a:highlight>
-                            <a:srgbClr val="0000FF"/>
-                          </a:highlight>
-                        </a:rPr>
-                        <a:t>Chebyshev</a:t>
-                      </a:r>
-                      <a:endParaRPr lang="en-IN" sz="1800" b="1" i="0" u="none" strike="noStrike" dirty="0">
-                        <a:solidFill>
-                          <a:schemeClr val="tx1"/>
-                        </a:solidFill>
-                        <a:effectLst/>
-                        <a:highlight>
-                          <a:srgbClr val="0000FF"/>
-                        </a:highlight>
-                        <a:latin typeface="Aptos Narrow" panose="020B0004020202020204" pitchFamily="34" charset="0"/>
-                      </a:endParaRPr>
-                    </a:p>
-                  </a:txBody>
-                  <a:tcPr marL="7620" marR="7620" marT="7620" marB="0" anchor="ctr"/>
-                </a:tc>
-                <a:tc>
-                  <a:txBody>
-                    <a:bodyPr/>
-                    <a:lstStyle/>
-                    <a:p>
-                      <a:pPr algn="ctr" fontAlgn="ctr"/>
-                      <a:r>
-                        <a:rPr lang="en-IN" sz="1800" u="none" strike="noStrike" dirty="0">
-                          <a:solidFill>
-                            <a:schemeClr val="tx1"/>
-                          </a:solidFill>
-                          <a:effectLst/>
-                          <a:highlight>
-                            <a:srgbClr val="0000FF"/>
-                          </a:highlight>
-                        </a:rPr>
-                        <a:t>147</a:t>
-                      </a:r>
-                      <a:endParaRPr lang="en-IN" sz="1800" b="0" i="0" u="none" strike="noStrike" dirty="0">
-                        <a:solidFill>
-                          <a:schemeClr val="tx1"/>
-                        </a:solidFill>
-                        <a:effectLst/>
-                        <a:highlight>
-                          <a:srgbClr val="0000FF"/>
-                        </a:highlight>
-                        <a:latin typeface="Aptos Narrow" panose="020B0004020202020204" pitchFamily="34" charset="0"/>
-                      </a:endParaRPr>
-                    </a:p>
-                  </a:txBody>
-                  <a:tcPr marL="7620" marR="7620" marT="7620" marB="0" anchor="ctr"/>
-                </a:tc>
-                <a:extLst>
-                  <a:ext uri="{0D108BD9-81ED-4DB2-BD59-A6C34878D82A}">
-                    <a16:rowId xmlns:a16="http://schemas.microsoft.com/office/drawing/2014/main" val="3821123107"/>
-                  </a:ext>
-                </a:extLst>
-              </a:tr>
-            </a:tbl>
-          </a:graphicData>
-        </a:graphic>
-      </p:graphicFrame>
-      <p:pic>
-        <p:nvPicPr>
-          <p:cNvPr id="3" name="Picture 2">
-            <a:extLst>
-              <a:ext uri="{FF2B5EF4-FFF2-40B4-BE49-F238E27FC236}">
-                <a16:creationId xmlns:a16="http://schemas.microsoft.com/office/drawing/2014/main" id="{87CD2C5E-14E9-C5D6-0522-91353705CFD2}"/>
-              </a:ext>
-            </a:extLst>
-          </p:cNvPr>
-          <p:cNvPicPr>
-            <a:picLocks noChangeAspect="1"/>
-          </p:cNvPicPr>
-          <p:nvPr/>
-        </p:nvPicPr>
-        <p:blipFill>
-          <a:blip r:embed="rId2"/>
-          <a:stretch>
-            <a:fillRect/>
-          </a:stretch>
-        </p:blipFill>
-        <p:spPr>
-          <a:xfrm>
-            <a:off x="0" y="2165193"/>
-            <a:ext cx="12192000" cy="3314193"/>
-          </a:xfrm>
-          <a:prstGeom prst="rect">
-            <a:avLst/>
-          </a:prstGeom>
-        </p:spPr>
-      </p:pic>
-    </p:spTree>
-    <p:extLst>
-      <p:ext uri="{BB962C8B-B14F-4D97-AF65-F5344CB8AC3E}">
-        <p14:creationId xmlns:p14="http://schemas.microsoft.com/office/powerpoint/2010/main" val="3070329574"/>
-      </p:ext>
-    </p:extLst>
-  </p:cSld>
-  <p:clrMapOvr>
-    <a:masterClrMapping/>
-  </p:clrMapOvr>
-</p:sld>
-</file>
-
-<file path=ppt/slides/slide6.xml><?xml version="1.0" encoding="utf-8"?>
-<p:sld xmlns:a="http://schemas.openxmlformats.org/drawingml/2006/main" xmlns:r="http://schemas.openxmlformats.org/officeDocument/2006/relationships" xmlns:p="http://schemas.openxmlformats.org/presentationml/2006/main">
-  <p:cSld>
-    <p:spTree>
-      <p:nvGrpSpPr>
-        <p:cNvPr id="1" name="">
-          <a:extLst>
-            <a:ext uri="{FF2B5EF4-FFF2-40B4-BE49-F238E27FC236}">
-              <a16:creationId xmlns:a16="http://schemas.microsoft.com/office/drawing/2014/main" id="{424DDCFF-28A4-7609-B90A-EE65E2CFFDAD}"/>
-            </a:ext>
-          </a:extLst>
-        </p:cNvPr>
-        <p:cNvGrpSpPr/>
-        <p:nvPr/>
-      </p:nvGrpSpPr>
-      <p:grpSpPr>
-        <a:xfrm>
-          <a:off x="0" y="0"/>
-          <a:ext cx="0" cy="0"/>
-          <a:chOff x="0" y="0"/>
-          <a:chExt cx="0" cy="0"/>
-        </a:xfrm>
-      </p:grpSpPr>
-      <p:graphicFrame>
-        <p:nvGraphicFramePr>
-          <p:cNvPr id="6" name="Table 5">
-            <a:extLst>
-              <a:ext uri="{FF2B5EF4-FFF2-40B4-BE49-F238E27FC236}">
-                <a16:creationId xmlns:a16="http://schemas.microsoft.com/office/drawing/2014/main" id="{7F5B603B-394D-340A-2C15-E51ADFB413A6}"/>
-              </a:ext>
-            </a:extLst>
-          </p:cNvPr>
-          <p:cNvGraphicFramePr>
-            <a:graphicFrameLocks noGrp="1"/>
-          </p:cNvGraphicFramePr>
-          <p:nvPr>
-            <p:extLst>
-              <p:ext uri="{D42A27DB-BD31-4B8C-83A1-F6EECF244321}">
-                <p14:modId xmlns:p14="http://schemas.microsoft.com/office/powerpoint/2010/main" val="1082746002"/>
-              </p:ext>
-            </p:extLst>
-          </p:nvPr>
-        </p:nvGraphicFramePr>
-        <p:xfrm>
-          <a:off x="2847867" y="85444"/>
-          <a:ext cx="4909457" cy="1409700"/>
-        </p:xfrm>
-        <a:graphic>
-          <a:graphicData uri="http://schemas.openxmlformats.org/drawingml/2006/table">
-            <a:tbl>
-              <a:tblPr>
-                <a:tableStyleId>{5C22544A-7EE6-4342-B048-85BDC9FD1C3A}</a:tableStyleId>
-              </a:tblPr>
-              <a:tblGrid>
-                <a:gridCol w="1831305">
-                  <a:extLst>
-                    <a:ext uri="{9D8B030D-6E8A-4147-A177-3AD203B41FA5}">
-                      <a16:colId xmlns:a16="http://schemas.microsoft.com/office/drawing/2014/main" val="892411615"/>
-                    </a:ext>
-                  </a:extLst>
-                </a:gridCol>
-                <a:gridCol w="1383220">
-                  <a:extLst>
-                    <a:ext uri="{9D8B030D-6E8A-4147-A177-3AD203B41FA5}">
-                      <a16:colId xmlns:a16="http://schemas.microsoft.com/office/drawing/2014/main" val="4112619596"/>
-                    </a:ext>
-                  </a:extLst>
-                </a:gridCol>
-                <a:gridCol w="1694932">
-                  <a:extLst>
-                    <a:ext uri="{9D8B030D-6E8A-4147-A177-3AD203B41FA5}">
-                      <a16:colId xmlns:a16="http://schemas.microsoft.com/office/drawing/2014/main" val="3210649056"/>
-                    </a:ext>
-                  </a:extLst>
-                </a:gridCol>
-              </a:tblGrid>
-              <a:tr h="256741">
-                <a:tc>
-                  <a:txBody>
-                    <a:bodyPr/>
-                    <a:lstStyle/>
-                    <a:p>
-                      <a:pPr algn="ctr" fontAlgn="ctr"/>
-                      <a:r>
-                        <a:rPr lang="en-IN" sz="1800" u="none" strike="noStrike" dirty="0">
-                          <a:solidFill>
-                            <a:schemeClr val="tx1"/>
-                          </a:solidFill>
-                          <a:effectLst/>
-                        </a:rPr>
-                        <a:t>Weight</a:t>
-                      </a:r>
-                      <a:endParaRPr lang="en-IN" sz="1800" b="1" i="0" u="none" strike="noStrike" dirty="0">
-                        <a:solidFill>
-                          <a:schemeClr val="tx1"/>
-                        </a:solidFill>
-                        <a:effectLst/>
-                        <a:latin typeface="Aptos Narrow" panose="020B0004020202020204" pitchFamily="34" charset="0"/>
-                      </a:endParaRPr>
-                    </a:p>
-                  </a:txBody>
-                  <a:tcPr marL="7620" marR="7620" marT="7620" marB="0" anchor="ctr"/>
-                </a:tc>
-                <a:tc rowSpan="2">
-                  <a:txBody>
-                    <a:bodyPr/>
-                    <a:lstStyle/>
-                    <a:p>
-                      <a:pPr algn="ctr" fontAlgn="ctr"/>
-                      <a:r>
-                        <a:rPr lang="en-IN" sz="1800" u="none" strike="noStrike" dirty="0">
-                          <a:solidFill>
-                            <a:schemeClr val="tx1"/>
-                          </a:solidFill>
-                          <a:effectLst/>
-                        </a:rPr>
-                        <a:t>Heuristic</a:t>
-                      </a:r>
-                      <a:endParaRPr lang="en-IN" sz="1800" b="1" i="0" u="none" strike="noStrike" dirty="0">
-                        <a:solidFill>
-                          <a:schemeClr val="tx1"/>
-                        </a:solidFill>
-                        <a:effectLst/>
-                        <a:latin typeface="Aptos Narrow" panose="020B0004020202020204" pitchFamily="34" charset="0"/>
-                      </a:endParaRPr>
-                    </a:p>
-                  </a:txBody>
-                  <a:tcPr marL="7620" marR="7620" marT="7620" marB="0" anchor="ctr"/>
-                </a:tc>
-                <a:tc rowSpan="2">
-                  <a:txBody>
-                    <a:bodyPr/>
-                    <a:lstStyle/>
-                    <a:p>
-                      <a:pPr algn="ctr" fontAlgn="ctr"/>
-                      <a:r>
-                        <a:rPr lang="en-IN" sz="1800" u="none" strike="noStrike">
-                          <a:solidFill>
-                            <a:schemeClr val="tx1"/>
-                          </a:solidFill>
-                          <a:effectLst/>
-                        </a:rPr>
-                        <a:t>Path Length</a:t>
-                      </a:r>
-                      <a:endParaRPr lang="en-IN" sz="1800" b="1" i="0" u="none" strike="noStrike">
-                        <a:solidFill>
-                          <a:schemeClr val="tx1"/>
-                        </a:solidFill>
-                        <a:effectLst/>
-                        <a:latin typeface="Aptos Narrow" panose="020B0004020202020204" pitchFamily="34" charset="0"/>
-                      </a:endParaRPr>
-                    </a:p>
-                  </a:txBody>
-                  <a:tcPr marL="7620" marR="7620" marT="7620" marB="0" anchor="ctr"/>
-                </a:tc>
-                <a:extLst>
-                  <a:ext uri="{0D108BD9-81ED-4DB2-BD59-A6C34878D82A}">
-                    <a16:rowId xmlns:a16="http://schemas.microsoft.com/office/drawing/2014/main" val="477313569"/>
-                  </a:ext>
-                </a:extLst>
-              </a:tr>
-              <a:tr h="267438">
-                <a:tc>
-                  <a:txBody>
-                    <a:bodyPr/>
-                    <a:lstStyle/>
-                    <a:p>
-                      <a:pPr algn="ctr" fontAlgn="ctr"/>
-                      <a:r>
-                        <a:rPr lang="en-IN" sz="1800" u="none" strike="noStrike" dirty="0">
-                          <a:solidFill>
-                            <a:schemeClr val="tx1"/>
-                          </a:solidFill>
-                          <a:effectLst/>
-                        </a:rPr>
-                        <a:t>(N,E,S,W)</a:t>
-                      </a:r>
-                      <a:endParaRPr lang="en-IN" sz="1800" b="1" i="0" u="none" strike="noStrike" dirty="0">
-                        <a:solidFill>
-                          <a:schemeClr val="tx1"/>
-                        </a:solidFill>
-                        <a:effectLst/>
-                        <a:latin typeface="Aptos Narrow" panose="020B0004020202020204" pitchFamily="34" charset="0"/>
-                      </a:endParaRPr>
-                    </a:p>
-                  </a:txBody>
-                  <a:tcPr marL="7620" marR="7620" marT="7620" marB="0" anchor="ctr"/>
-                </a:tc>
-                <a:tc vMerge="1">
-                  <a:txBody>
-                    <a:bodyPr/>
-                    <a:lstStyle/>
-                    <a:p>
-                      <a:endParaRPr lang="en-IN"/>
-                    </a:p>
-                  </a:txBody>
-                  <a:tcPr/>
-                </a:tc>
-                <a:tc vMerge="1">
-                  <a:txBody>
-                    <a:bodyPr/>
-                    <a:lstStyle/>
-                    <a:p>
-                      <a:endParaRPr lang="en-IN"/>
-                    </a:p>
-                  </a:txBody>
-                  <a:tcPr/>
-                </a:tc>
-                <a:extLst>
-                  <a:ext uri="{0D108BD9-81ED-4DB2-BD59-A6C34878D82A}">
-                    <a16:rowId xmlns:a16="http://schemas.microsoft.com/office/drawing/2014/main" val="3557603266"/>
-                  </a:ext>
-                </a:extLst>
-              </a:tr>
-              <a:tr h="256741">
-                <a:tc>
-                  <a:txBody>
-                    <a:bodyPr/>
-                    <a:lstStyle/>
-                    <a:p>
-                      <a:pPr algn="ctr" fontAlgn="ctr"/>
-                      <a:r>
-                        <a:rPr lang="en-IN" sz="1800" u="none" strike="noStrike" dirty="0">
-                          <a:effectLst/>
-                          <a:highlight>
-                            <a:srgbClr val="FF0000"/>
-                          </a:highlight>
-                        </a:rPr>
-                        <a:t>(10,10,10,10)</a:t>
-                      </a:r>
-                      <a:endParaRPr lang="en-IN" sz="1800" b="1" i="0" u="none" strike="noStrike" dirty="0">
-                        <a:solidFill>
-                          <a:srgbClr val="000000"/>
-                        </a:solidFill>
-                        <a:effectLst/>
-                        <a:highlight>
-                          <a:srgbClr val="FF0000"/>
-                        </a:highlight>
-                        <a:latin typeface="Aptos Narrow" panose="020B0004020202020204" pitchFamily="34" charset="0"/>
-                      </a:endParaRPr>
-                    </a:p>
-                  </a:txBody>
-                  <a:tcPr marL="7620" marR="7620" marT="7620" marB="0" anchor="ctr"/>
-                </a:tc>
-                <a:tc>
-                  <a:txBody>
-                    <a:bodyPr/>
-                    <a:lstStyle/>
-                    <a:p>
-                      <a:pPr algn="ctr" fontAlgn="ctr"/>
-                      <a:r>
-                        <a:rPr lang="en-IN" sz="1800" u="none" strike="noStrike">
-                          <a:effectLst/>
-                          <a:highlight>
-                            <a:srgbClr val="FF0000"/>
-                          </a:highlight>
-                        </a:rPr>
-                        <a:t>Manhattan</a:t>
-                      </a:r>
-                      <a:endParaRPr lang="en-IN" sz="1800" b="1" i="0" u="none" strike="noStrike">
-                        <a:solidFill>
-                          <a:srgbClr val="000000"/>
-                        </a:solidFill>
-                        <a:effectLst/>
-                        <a:highlight>
-                          <a:srgbClr val="FF0000"/>
-                        </a:highlight>
-                        <a:latin typeface="Aptos Narrow" panose="020B0004020202020204" pitchFamily="34" charset="0"/>
-                      </a:endParaRPr>
-                    </a:p>
-                  </a:txBody>
-                  <a:tcPr marL="7620" marR="7620" marT="7620" marB="0" anchor="ctr"/>
-                </a:tc>
-                <a:tc>
-                  <a:txBody>
-                    <a:bodyPr/>
-                    <a:lstStyle/>
-                    <a:p>
-                      <a:pPr algn="ctr" fontAlgn="ctr"/>
-                      <a:r>
-                        <a:rPr lang="en-IN" sz="1800" u="none" strike="noStrike" dirty="0">
-                          <a:effectLst/>
-                          <a:highlight>
-                            <a:srgbClr val="FF0000"/>
-                          </a:highlight>
-                        </a:rPr>
-                        <a:t>113</a:t>
-                      </a:r>
-                      <a:endParaRPr lang="en-IN" sz="1800" b="0" i="0" u="none" strike="noStrike" dirty="0">
-                        <a:solidFill>
-                          <a:srgbClr val="000000"/>
-                        </a:solidFill>
-                        <a:effectLst/>
-                        <a:highlight>
-                          <a:srgbClr val="FF0000"/>
-                        </a:highlight>
-                        <a:latin typeface="Aptos Narrow" panose="020B0004020202020204" pitchFamily="34" charset="0"/>
-                      </a:endParaRPr>
-                    </a:p>
-                  </a:txBody>
-                  <a:tcPr marL="7620" marR="7620" marT="7620" marB="0" anchor="ctr"/>
-                </a:tc>
-                <a:extLst>
-                  <a:ext uri="{0D108BD9-81ED-4DB2-BD59-A6C34878D82A}">
-                    <a16:rowId xmlns:a16="http://schemas.microsoft.com/office/drawing/2014/main" val="4215129200"/>
-                  </a:ext>
-                </a:extLst>
-              </a:tr>
-              <a:tr h="256741">
-                <a:tc>
-                  <a:txBody>
-                    <a:bodyPr/>
-                    <a:lstStyle/>
-                    <a:p>
-                      <a:pPr algn="ctr" fontAlgn="ctr"/>
-                      <a:r>
-                        <a:rPr lang="en-IN" sz="1800" u="none" strike="noStrike" dirty="0">
-                          <a:effectLst/>
-                          <a:highlight>
-                            <a:srgbClr val="00FF00"/>
-                          </a:highlight>
-                        </a:rPr>
-                        <a:t>(10,10,10,10)</a:t>
-                      </a:r>
-                      <a:endParaRPr lang="en-IN" sz="1800" b="1" i="0" u="none" strike="noStrike" dirty="0">
-                        <a:solidFill>
-                          <a:srgbClr val="000000"/>
-                        </a:solidFill>
-                        <a:effectLst/>
-                        <a:highlight>
-                          <a:srgbClr val="00FF00"/>
-                        </a:highlight>
-                        <a:latin typeface="Aptos Narrow" panose="020B0004020202020204" pitchFamily="34" charset="0"/>
-                      </a:endParaRPr>
-                    </a:p>
-                  </a:txBody>
-                  <a:tcPr marL="7620" marR="7620" marT="7620" marB="0" anchor="ctr"/>
-                </a:tc>
-                <a:tc>
-                  <a:txBody>
-                    <a:bodyPr/>
-                    <a:lstStyle/>
-                    <a:p>
-                      <a:pPr algn="ctr" fontAlgn="ctr"/>
-                      <a:r>
-                        <a:rPr lang="en-IN" sz="1800" u="none" strike="noStrike" dirty="0">
-                          <a:effectLst/>
-                          <a:highlight>
-                            <a:srgbClr val="00FF00"/>
-                          </a:highlight>
-                        </a:rPr>
-                        <a:t>Euclidean</a:t>
-                      </a:r>
-                      <a:endParaRPr lang="en-IN" sz="1800" b="1" i="0" u="none" strike="noStrike" dirty="0">
-                        <a:solidFill>
-                          <a:srgbClr val="000000"/>
-                        </a:solidFill>
-                        <a:effectLst/>
-                        <a:highlight>
-                          <a:srgbClr val="00FF00"/>
-                        </a:highlight>
-                        <a:latin typeface="Aptos Narrow" panose="020B0004020202020204" pitchFamily="34" charset="0"/>
-                      </a:endParaRPr>
-                    </a:p>
-                  </a:txBody>
-                  <a:tcPr marL="7620" marR="7620" marT="7620" marB="0" anchor="ctr"/>
-                </a:tc>
-                <a:tc>
-                  <a:txBody>
-                    <a:bodyPr/>
-                    <a:lstStyle/>
-                    <a:p>
-                      <a:pPr algn="ctr" fontAlgn="ctr"/>
-                      <a:r>
-                        <a:rPr lang="en-IN" sz="1800" u="none" strike="noStrike" dirty="0">
-                          <a:effectLst/>
-                          <a:highlight>
-                            <a:srgbClr val="00FF00"/>
-                          </a:highlight>
-                        </a:rPr>
-                        <a:t>113</a:t>
-                      </a:r>
-                      <a:endParaRPr lang="en-IN" sz="1800" b="0" i="0" u="none" strike="noStrike" dirty="0">
-                        <a:solidFill>
-                          <a:srgbClr val="000000"/>
-                        </a:solidFill>
-                        <a:effectLst/>
-                        <a:highlight>
-                          <a:srgbClr val="00FF00"/>
-                        </a:highlight>
-                        <a:latin typeface="Aptos Narrow" panose="020B0004020202020204" pitchFamily="34" charset="0"/>
-                      </a:endParaRPr>
-                    </a:p>
-                  </a:txBody>
-                  <a:tcPr marL="7620" marR="7620" marT="7620" marB="0" anchor="ctr"/>
-                </a:tc>
-                <a:extLst>
-                  <a:ext uri="{0D108BD9-81ED-4DB2-BD59-A6C34878D82A}">
-                    <a16:rowId xmlns:a16="http://schemas.microsoft.com/office/drawing/2014/main" val="2180606911"/>
-                  </a:ext>
-                </a:extLst>
-              </a:tr>
-              <a:tr h="267438">
-                <a:tc>
-                  <a:txBody>
-                    <a:bodyPr/>
-                    <a:lstStyle/>
-                    <a:p>
-                      <a:pPr algn="ctr" fontAlgn="ctr"/>
-                      <a:r>
-                        <a:rPr lang="en-IN" sz="1800" u="none" strike="noStrike" dirty="0">
-                          <a:effectLst/>
-                          <a:highlight>
-                            <a:srgbClr val="0000FF"/>
-                          </a:highlight>
-                        </a:rPr>
-                        <a:t>(10,10,10,10)</a:t>
-                      </a:r>
-                      <a:endParaRPr lang="en-IN" sz="1800" b="1" i="0" u="none" strike="noStrike" dirty="0">
-                        <a:solidFill>
-                          <a:srgbClr val="000000"/>
-                        </a:solidFill>
-                        <a:effectLst/>
-                        <a:highlight>
-                          <a:srgbClr val="0000FF"/>
-                        </a:highlight>
-                        <a:latin typeface="Aptos Narrow" panose="020B0004020202020204" pitchFamily="34" charset="0"/>
-                      </a:endParaRPr>
-                    </a:p>
-                  </a:txBody>
-                  <a:tcPr marL="7620" marR="7620" marT="7620" marB="0" anchor="ctr"/>
-                </a:tc>
-                <a:tc>
-                  <a:txBody>
-                    <a:bodyPr/>
-                    <a:lstStyle/>
-                    <a:p>
-                      <a:pPr algn="ctr" fontAlgn="ctr"/>
-                      <a:r>
-                        <a:rPr lang="en-IN" sz="1800" u="none" strike="noStrike" dirty="0">
-                          <a:solidFill>
-                            <a:schemeClr val="tx1"/>
-                          </a:solidFill>
-                          <a:effectLst/>
-                          <a:highlight>
-                            <a:srgbClr val="0000FF"/>
-                          </a:highlight>
-                        </a:rPr>
-                        <a:t>Chebyshev</a:t>
-                      </a:r>
-                      <a:endParaRPr lang="en-IN" sz="1800" b="1" i="0" u="none" strike="noStrike" dirty="0">
-                        <a:solidFill>
-                          <a:schemeClr val="tx1"/>
-                        </a:solidFill>
-                        <a:effectLst/>
-                        <a:highlight>
-                          <a:srgbClr val="0000FF"/>
-                        </a:highlight>
-                        <a:latin typeface="Aptos Narrow" panose="020B0004020202020204" pitchFamily="34" charset="0"/>
-                      </a:endParaRPr>
-                    </a:p>
-                  </a:txBody>
-                  <a:tcPr marL="7620" marR="7620" marT="7620" marB="0" anchor="ctr"/>
-                </a:tc>
-                <a:tc>
-                  <a:txBody>
-                    <a:bodyPr/>
-                    <a:lstStyle/>
-                    <a:p>
-                      <a:pPr algn="ctr" fontAlgn="ctr"/>
-                      <a:r>
-                        <a:rPr lang="en-IN" sz="1800" u="none" strike="noStrike" dirty="0">
-                          <a:solidFill>
-                            <a:schemeClr val="tx1"/>
-                          </a:solidFill>
-                          <a:effectLst/>
-                          <a:highlight>
-                            <a:srgbClr val="0000FF"/>
-                          </a:highlight>
-                        </a:rPr>
-                        <a:t>113</a:t>
-                      </a:r>
-                      <a:endParaRPr lang="en-IN" sz="1800" b="0" i="0" u="none" strike="noStrike" dirty="0">
-                        <a:solidFill>
-                          <a:schemeClr val="tx1"/>
-                        </a:solidFill>
-                        <a:effectLst/>
-                        <a:highlight>
-                          <a:srgbClr val="0000FF"/>
-                        </a:highlight>
-                        <a:latin typeface="Aptos Narrow" panose="020B0004020202020204" pitchFamily="34" charset="0"/>
-                      </a:endParaRPr>
-                    </a:p>
-                  </a:txBody>
-                  <a:tcPr marL="7620" marR="7620" marT="7620" marB="0" anchor="ctr"/>
-                </a:tc>
-                <a:extLst>
-                  <a:ext uri="{0D108BD9-81ED-4DB2-BD59-A6C34878D82A}">
-                    <a16:rowId xmlns:a16="http://schemas.microsoft.com/office/drawing/2014/main" val="3821123107"/>
-                  </a:ext>
-                </a:extLst>
-              </a:tr>
-            </a:tbl>
-          </a:graphicData>
-        </a:graphic>
-      </p:graphicFrame>
-      <p:pic>
-        <p:nvPicPr>
-          <p:cNvPr id="3" name="Picture 2">
-            <a:extLst>
-              <a:ext uri="{FF2B5EF4-FFF2-40B4-BE49-F238E27FC236}">
-                <a16:creationId xmlns:a16="http://schemas.microsoft.com/office/drawing/2014/main" id="{1789C2CD-AD73-7C28-FEDE-CB053CCEA3E7}"/>
-              </a:ext>
-            </a:extLst>
-          </p:cNvPr>
-          <p:cNvPicPr>
-            <a:picLocks noChangeAspect="1"/>
-          </p:cNvPicPr>
-          <p:nvPr/>
-        </p:nvPicPr>
-        <p:blipFill>
-          <a:blip r:embed="rId2"/>
-          <a:stretch>
-            <a:fillRect/>
-          </a:stretch>
-        </p:blipFill>
-        <p:spPr>
-          <a:xfrm>
-            <a:off x="0" y="1759395"/>
-            <a:ext cx="12192000" cy="3339210"/>
-          </a:xfrm>
-          <a:prstGeom prst="rect">
-            <a:avLst/>
-          </a:prstGeom>
-        </p:spPr>
-      </p:pic>
-    </p:spTree>
-    <p:extLst>
-      <p:ext uri="{BB962C8B-B14F-4D97-AF65-F5344CB8AC3E}">
-        <p14:creationId xmlns:p14="http://schemas.microsoft.com/office/powerpoint/2010/main" val="4091156467"/>
-      </p:ext>
-    </p:extLst>
-  </p:cSld>
-  <p:clrMapOvr>
-    <a:masterClrMapping/>
-  </p:clrMapOvr>
-</p:sld>
-</file>
-
-<file path=ppt/slides/slide7.xml><?xml version="1.0" encoding="utf-8"?>
-<p:sld xmlns:a="http://schemas.openxmlformats.org/drawingml/2006/main" xmlns:r="http://schemas.openxmlformats.org/officeDocument/2006/relationships" xmlns:p="http://schemas.openxmlformats.org/presentationml/2006/main">
-  <p:cSld>
-    <p:spTree>
-      <p:nvGrpSpPr>
-        <p:cNvPr id="1" name="">
-          <a:extLst>
-            <a:ext uri="{FF2B5EF4-FFF2-40B4-BE49-F238E27FC236}">
-              <a16:creationId xmlns:a16="http://schemas.microsoft.com/office/drawing/2014/main" id="{4FB091CC-635E-4BAC-DE47-C9DFCB11C2A9}"/>
-            </a:ext>
-          </a:extLst>
-        </p:cNvPr>
-        <p:cNvGrpSpPr/>
-        <p:nvPr/>
-      </p:nvGrpSpPr>
-      <p:grpSpPr>
-        <a:xfrm>
-          <a:off x="0" y="0"/>
-          <a:ext cx="0" cy="0"/>
-          <a:chOff x="0" y="0"/>
-          <a:chExt cx="0" cy="0"/>
-        </a:xfrm>
-      </p:grpSpPr>
-      <p:graphicFrame>
-        <p:nvGraphicFramePr>
-          <p:cNvPr id="6" name="Table 5">
-            <a:extLst>
-              <a:ext uri="{FF2B5EF4-FFF2-40B4-BE49-F238E27FC236}">
-                <a16:creationId xmlns:a16="http://schemas.microsoft.com/office/drawing/2014/main" id="{638EFC92-DED0-E29D-5880-3F25C77CBA72}"/>
-              </a:ext>
-            </a:extLst>
-          </p:cNvPr>
-          <p:cNvGraphicFramePr>
-            <a:graphicFrameLocks noGrp="1"/>
-          </p:cNvGraphicFramePr>
-          <p:nvPr>
-            <p:extLst>
-              <p:ext uri="{D42A27DB-BD31-4B8C-83A1-F6EECF244321}">
-                <p14:modId xmlns:p14="http://schemas.microsoft.com/office/powerpoint/2010/main" val="3776069114"/>
-              </p:ext>
-            </p:extLst>
-          </p:nvPr>
-        </p:nvGraphicFramePr>
-        <p:xfrm>
-          <a:off x="2847867" y="85444"/>
-          <a:ext cx="4909457" cy="1409700"/>
-        </p:xfrm>
-        <a:graphic>
-          <a:graphicData uri="http://schemas.openxmlformats.org/drawingml/2006/table">
-            <a:tbl>
-              <a:tblPr>
-                <a:tableStyleId>{5C22544A-7EE6-4342-B048-85BDC9FD1C3A}</a:tableStyleId>
-              </a:tblPr>
-              <a:tblGrid>
-                <a:gridCol w="1831305">
-                  <a:extLst>
-                    <a:ext uri="{9D8B030D-6E8A-4147-A177-3AD203B41FA5}">
-                      <a16:colId xmlns:a16="http://schemas.microsoft.com/office/drawing/2014/main" val="892411615"/>
-                    </a:ext>
-                  </a:extLst>
-                </a:gridCol>
-                <a:gridCol w="1383220">
-                  <a:extLst>
-                    <a:ext uri="{9D8B030D-6E8A-4147-A177-3AD203B41FA5}">
-                      <a16:colId xmlns:a16="http://schemas.microsoft.com/office/drawing/2014/main" val="4112619596"/>
-                    </a:ext>
-                  </a:extLst>
-                </a:gridCol>
-                <a:gridCol w="1694932">
-                  <a:extLst>
-                    <a:ext uri="{9D8B030D-6E8A-4147-A177-3AD203B41FA5}">
-                      <a16:colId xmlns:a16="http://schemas.microsoft.com/office/drawing/2014/main" val="3210649056"/>
-                    </a:ext>
-                  </a:extLst>
-                </a:gridCol>
-              </a:tblGrid>
-              <a:tr h="256741">
-                <a:tc>
-                  <a:txBody>
-                    <a:bodyPr/>
-                    <a:lstStyle/>
-                    <a:p>
-                      <a:pPr algn="ctr" fontAlgn="ctr"/>
-                      <a:r>
-                        <a:rPr lang="en-IN" sz="1800" u="none" strike="noStrike" dirty="0">
-                          <a:solidFill>
-                            <a:schemeClr val="tx1"/>
-                          </a:solidFill>
-                          <a:effectLst/>
-                        </a:rPr>
-                        <a:t>Weight</a:t>
-                      </a:r>
-                      <a:endParaRPr lang="en-IN" sz="1800" b="1" i="0" u="none" strike="noStrike" dirty="0">
-                        <a:solidFill>
-                          <a:schemeClr val="tx1"/>
-                        </a:solidFill>
-                        <a:effectLst/>
-                        <a:latin typeface="Aptos Narrow" panose="020B0004020202020204" pitchFamily="34" charset="0"/>
-                      </a:endParaRPr>
-                    </a:p>
-                  </a:txBody>
-                  <a:tcPr marL="7620" marR="7620" marT="7620" marB="0" anchor="ctr"/>
-                </a:tc>
-                <a:tc rowSpan="2">
-                  <a:txBody>
-                    <a:bodyPr/>
-                    <a:lstStyle/>
-                    <a:p>
-                      <a:pPr algn="ctr" fontAlgn="ctr"/>
-                      <a:r>
-                        <a:rPr lang="en-IN" sz="1800" u="none" strike="noStrike" dirty="0">
-                          <a:solidFill>
-                            <a:schemeClr val="tx1"/>
-                          </a:solidFill>
-                          <a:effectLst/>
-                        </a:rPr>
-                        <a:t>Heuristic</a:t>
-                      </a:r>
-                      <a:endParaRPr lang="en-IN" sz="1800" b="1" i="0" u="none" strike="noStrike" dirty="0">
-                        <a:solidFill>
-                          <a:schemeClr val="tx1"/>
-                        </a:solidFill>
-                        <a:effectLst/>
-                        <a:latin typeface="Aptos Narrow" panose="020B0004020202020204" pitchFamily="34" charset="0"/>
-                      </a:endParaRPr>
-                    </a:p>
-                  </a:txBody>
-                  <a:tcPr marL="7620" marR="7620" marT="7620" marB="0" anchor="ctr"/>
-                </a:tc>
-                <a:tc rowSpan="2">
-                  <a:txBody>
-                    <a:bodyPr/>
-                    <a:lstStyle/>
-                    <a:p>
-                      <a:pPr algn="ctr" fontAlgn="ctr"/>
-                      <a:r>
-                        <a:rPr lang="en-IN" sz="1800" u="none" strike="noStrike">
-                          <a:solidFill>
-                            <a:schemeClr val="tx1"/>
-                          </a:solidFill>
-                          <a:effectLst/>
-                        </a:rPr>
-                        <a:t>Path Length</a:t>
-                      </a:r>
-                      <a:endParaRPr lang="en-IN" sz="1800" b="1" i="0" u="none" strike="noStrike">
-                        <a:solidFill>
-                          <a:schemeClr val="tx1"/>
-                        </a:solidFill>
-                        <a:effectLst/>
-                        <a:latin typeface="Aptos Narrow" panose="020B0004020202020204" pitchFamily="34" charset="0"/>
-                      </a:endParaRPr>
-                    </a:p>
-                  </a:txBody>
-                  <a:tcPr marL="7620" marR="7620" marT="7620" marB="0" anchor="ctr"/>
-                </a:tc>
-                <a:extLst>
-                  <a:ext uri="{0D108BD9-81ED-4DB2-BD59-A6C34878D82A}">
-                    <a16:rowId xmlns:a16="http://schemas.microsoft.com/office/drawing/2014/main" val="477313569"/>
-                  </a:ext>
-                </a:extLst>
-              </a:tr>
-              <a:tr h="267438">
-                <a:tc>
-                  <a:txBody>
-                    <a:bodyPr/>
-                    <a:lstStyle/>
-                    <a:p>
-                      <a:pPr algn="ctr" fontAlgn="ctr"/>
-                      <a:r>
-                        <a:rPr lang="en-IN" sz="1800" u="none" strike="noStrike" dirty="0">
-                          <a:solidFill>
-                            <a:schemeClr val="tx1"/>
-                          </a:solidFill>
-                          <a:effectLst/>
-                        </a:rPr>
-                        <a:t>(N,E,S,W)</a:t>
-                      </a:r>
-                      <a:endParaRPr lang="en-IN" sz="1800" b="1" i="0" u="none" strike="noStrike" dirty="0">
-                        <a:solidFill>
-                          <a:schemeClr val="tx1"/>
-                        </a:solidFill>
-                        <a:effectLst/>
-                        <a:latin typeface="Aptos Narrow" panose="020B0004020202020204" pitchFamily="34" charset="0"/>
-                      </a:endParaRPr>
-                    </a:p>
-                  </a:txBody>
-                  <a:tcPr marL="7620" marR="7620" marT="7620" marB="0" anchor="ctr"/>
-                </a:tc>
-                <a:tc vMerge="1">
-                  <a:txBody>
-                    <a:bodyPr/>
-                    <a:lstStyle/>
-                    <a:p>
-                      <a:endParaRPr lang="en-IN"/>
-                    </a:p>
-                  </a:txBody>
-                  <a:tcPr/>
-                </a:tc>
-                <a:tc vMerge="1">
-                  <a:txBody>
-                    <a:bodyPr/>
-                    <a:lstStyle/>
-                    <a:p>
-                      <a:endParaRPr lang="en-IN"/>
-                    </a:p>
-                  </a:txBody>
-                  <a:tcPr/>
-                </a:tc>
-                <a:extLst>
-                  <a:ext uri="{0D108BD9-81ED-4DB2-BD59-A6C34878D82A}">
-                    <a16:rowId xmlns:a16="http://schemas.microsoft.com/office/drawing/2014/main" val="3557603266"/>
-                  </a:ext>
-                </a:extLst>
-              </a:tr>
-              <a:tr h="256741">
-                <a:tc>
-                  <a:txBody>
-                    <a:bodyPr/>
-                    <a:lstStyle/>
-                    <a:p>
-                      <a:pPr algn="ctr" fontAlgn="ctr"/>
-                      <a:r>
-                        <a:rPr lang="en-IN" sz="1800" u="none" strike="noStrike" dirty="0">
-                          <a:effectLst/>
-                          <a:highlight>
-                            <a:srgbClr val="FF0000"/>
-                          </a:highlight>
-                        </a:rPr>
-                        <a:t>(-10,0,0,-10)</a:t>
-                      </a:r>
-                      <a:endParaRPr lang="en-IN" sz="1800" b="1" i="0" u="none" strike="noStrike" dirty="0">
-                        <a:solidFill>
-                          <a:srgbClr val="000000"/>
-                        </a:solidFill>
-                        <a:effectLst/>
-                        <a:highlight>
-                          <a:srgbClr val="FF0000"/>
-                        </a:highlight>
-                        <a:latin typeface="Aptos Narrow" panose="020B0004020202020204" pitchFamily="34" charset="0"/>
-                      </a:endParaRPr>
-                    </a:p>
-                  </a:txBody>
-                  <a:tcPr marL="7620" marR="7620" marT="7620" marB="0" anchor="ctr"/>
-                </a:tc>
-                <a:tc>
-                  <a:txBody>
-                    <a:bodyPr/>
-                    <a:lstStyle/>
-                    <a:p>
-                      <a:pPr algn="ctr" fontAlgn="ctr"/>
-                      <a:r>
-                        <a:rPr lang="en-IN" sz="1800" u="none" strike="noStrike">
-                          <a:effectLst/>
-                          <a:highlight>
-                            <a:srgbClr val="FF0000"/>
-                          </a:highlight>
-                        </a:rPr>
-                        <a:t>Manhattan</a:t>
-                      </a:r>
-                      <a:endParaRPr lang="en-IN" sz="1800" b="1" i="0" u="none" strike="noStrike">
-                        <a:solidFill>
-                          <a:srgbClr val="000000"/>
-                        </a:solidFill>
-                        <a:effectLst/>
-                        <a:highlight>
-                          <a:srgbClr val="FF0000"/>
-                        </a:highlight>
-                        <a:latin typeface="Aptos Narrow" panose="020B0004020202020204" pitchFamily="34" charset="0"/>
-                      </a:endParaRPr>
-                    </a:p>
-                  </a:txBody>
-                  <a:tcPr marL="7620" marR="7620" marT="7620" marB="0" anchor="ctr"/>
-                </a:tc>
-                <a:tc>
-                  <a:txBody>
-                    <a:bodyPr/>
-                    <a:lstStyle/>
-                    <a:p>
-                      <a:pPr algn="ctr" fontAlgn="ctr"/>
-                      <a:r>
-                        <a:rPr lang="en-IN" sz="1800" u="none" strike="noStrike" dirty="0">
-                          <a:effectLst/>
-                          <a:highlight>
-                            <a:srgbClr val="FF0000"/>
-                          </a:highlight>
-                        </a:rPr>
-                        <a:t>133</a:t>
-                      </a:r>
-                      <a:endParaRPr lang="en-IN" sz="1800" b="0" i="0" u="none" strike="noStrike" dirty="0">
-                        <a:solidFill>
-                          <a:srgbClr val="000000"/>
-                        </a:solidFill>
-                        <a:effectLst/>
-                        <a:highlight>
-                          <a:srgbClr val="FF0000"/>
-                        </a:highlight>
-                        <a:latin typeface="Aptos Narrow" panose="020B0004020202020204" pitchFamily="34" charset="0"/>
-                      </a:endParaRPr>
-                    </a:p>
-                  </a:txBody>
-                  <a:tcPr marL="7620" marR="7620" marT="7620" marB="0" anchor="ctr"/>
-                </a:tc>
-                <a:extLst>
-                  <a:ext uri="{0D108BD9-81ED-4DB2-BD59-A6C34878D82A}">
-                    <a16:rowId xmlns:a16="http://schemas.microsoft.com/office/drawing/2014/main" val="4215129200"/>
-                  </a:ext>
-                </a:extLst>
-              </a:tr>
-              <a:tr h="256741">
-                <a:tc>
-                  <a:txBody>
-                    <a:bodyPr/>
-                    <a:lstStyle/>
-                    <a:p>
-                      <a:pPr algn="ctr" fontAlgn="ctr"/>
-                      <a:r>
-                        <a:rPr lang="en-IN" sz="1800" u="none" strike="noStrike" dirty="0">
-                          <a:effectLst/>
-                          <a:highlight>
-                            <a:srgbClr val="00FF00"/>
-                          </a:highlight>
-                        </a:rPr>
-                        <a:t>(-10,0,0,-10)</a:t>
-                      </a:r>
-                      <a:endParaRPr lang="en-IN" sz="1800" b="1" i="0" u="none" strike="noStrike" dirty="0">
-                        <a:solidFill>
-                          <a:srgbClr val="000000"/>
-                        </a:solidFill>
-                        <a:effectLst/>
-                        <a:highlight>
-                          <a:srgbClr val="00FF00"/>
-                        </a:highlight>
-                        <a:latin typeface="Aptos Narrow" panose="020B0004020202020204" pitchFamily="34" charset="0"/>
-                      </a:endParaRPr>
-                    </a:p>
-                  </a:txBody>
-                  <a:tcPr marL="7620" marR="7620" marT="7620" marB="0" anchor="ctr"/>
-                </a:tc>
-                <a:tc>
-                  <a:txBody>
-                    <a:bodyPr/>
-                    <a:lstStyle/>
-                    <a:p>
-                      <a:pPr algn="ctr" fontAlgn="ctr"/>
-                      <a:r>
-                        <a:rPr lang="en-IN" sz="1800" u="none" strike="noStrike" dirty="0">
-                          <a:effectLst/>
-                          <a:highlight>
-                            <a:srgbClr val="00FF00"/>
-                          </a:highlight>
-                        </a:rPr>
-                        <a:t>Euclidean</a:t>
-                      </a:r>
-                      <a:endParaRPr lang="en-IN" sz="1800" b="1" i="0" u="none" strike="noStrike" dirty="0">
-                        <a:solidFill>
-                          <a:srgbClr val="000000"/>
-                        </a:solidFill>
-                        <a:effectLst/>
-                        <a:highlight>
-                          <a:srgbClr val="00FF00"/>
-                        </a:highlight>
-                        <a:latin typeface="Aptos Narrow" panose="020B0004020202020204" pitchFamily="34" charset="0"/>
-                      </a:endParaRPr>
-                    </a:p>
-                  </a:txBody>
-                  <a:tcPr marL="7620" marR="7620" marT="7620" marB="0" anchor="ctr"/>
-                </a:tc>
-                <a:tc>
-                  <a:txBody>
-                    <a:bodyPr/>
-                    <a:lstStyle/>
-                    <a:p>
-                      <a:pPr algn="ctr" fontAlgn="ctr"/>
-                      <a:r>
-                        <a:rPr lang="en-IN" sz="1800" u="none" strike="noStrike" dirty="0">
-                          <a:effectLst/>
-                          <a:highlight>
-                            <a:srgbClr val="00FF00"/>
-                          </a:highlight>
-                        </a:rPr>
-                        <a:t>133</a:t>
-                      </a:r>
-                      <a:endParaRPr lang="en-IN" sz="1800" b="0" i="0" u="none" strike="noStrike" dirty="0">
-                        <a:solidFill>
-                          <a:srgbClr val="000000"/>
-                        </a:solidFill>
-                        <a:effectLst/>
-                        <a:highlight>
-                          <a:srgbClr val="00FF00"/>
-                        </a:highlight>
-                        <a:latin typeface="Aptos Narrow" panose="020B0004020202020204" pitchFamily="34" charset="0"/>
-                      </a:endParaRPr>
-                    </a:p>
-                  </a:txBody>
-                  <a:tcPr marL="7620" marR="7620" marT="7620" marB="0" anchor="ctr"/>
-                </a:tc>
-                <a:extLst>
-                  <a:ext uri="{0D108BD9-81ED-4DB2-BD59-A6C34878D82A}">
-                    <a16:rowId xmlns:a16="http://schemas.microsoft.com/office/drawing/2014/main" val="2180606911"/>
-                  </a:ext>
-                </a:extLst>
-              </a:tr>
-              <a:tr h="267438">
-                <a:tc>
-                  <a:txBody>
-                    <a:bodyPr/>
-                    <a:lstStyle/>
-                    <a:p>
-                      <a:pPr algn="ctr" fontAlgn="ctr"/>
-                      <a:r>
-                        <a:rPr lang="en-IN" sz="1800" u="none" strike="noStrike" dirty="0">
-                          <a:effectLst/>
-                          <a:highlight>
-                            <a:srgbClr val="0000FF"/>
-                          </a:highlight>
-                        </a:rPr>
-                        <a:t>(-10,0,0,-10)</a:t>
-                      </a:r>
-                      <a:endParaRPr lang="en-IN" sz="1800" b="1" i="0" u="none" strike="noStrike" dirty="0">
-                        <a:solidFill>
-                          <a:srgbClr val="000000"/>
-                        </a:solidFill>
-                        <a:effectLst/>
-                        <a:highlight>
-                          <a:srgbClr val="0000FF"/>
-                        </a:highlight>
-                        <a:latin typeface="Aptos Narrow" panose="020B0004020202020204" pitchFamily="34" charset="0"/>
-                      </a:endParaRPr>
-                    </a:p>
-                  </a:txBody>
-                  <a:tcPr marL="7620" marR="7620" marT="7620" marB="0" anchor="ctr"/>
-                </a:tc>
-                <a:tc>
-                  <a:txBody>
-                    <a:bodyPr/>
-                    <a:lstStyle/>
-                    <a:p>
-                      <a:pPr algn="ctr" fontAlgn="ctr"/>
-                      <a:r>
-                        <a:rPr lang="en-IN" sz="1800" u="none" strike="noStrike" dirty="0">
-                          <a:solidFill>
-                            <a:schemeClr val="tx1"/>
-                          </a:solidFill>
-                          <a:effectLst/>
-                          <a:highlight>
-                            <a:srgbClr val="0000FF"/>
-                          </a:highlight>
-                        </a:rPr>
-                        <a:t>Chebyshev</a:t>
-                      </a:r>
-                      <a:endParaRPr lang="en-IN" sz="1800" b="1" i="0" u="none" strike="noStrike" dirty="0">
-                        <a:solidFill>
-                          <a:schemeClr val="tx1"/>
-                        </a:solidFill>
-                        <a:effectLst/>
-                        <a:highlight>
-                          <a:srgbClr val="0000FF"/>
-                        </a:highlight>
-                        <a:latin typeface="Aptos Narrow" panose="020B0004020202020204" pitchFamily="34" charset="0"/>
-                      </a:endParaRPr>
-                    </a:p>
-                  </a:txBody>
-                  <a:tcPr marL="7620" marR="7620" marT="7620" marB="0" anchor="ctr"/>
-                </a:tc>
-                <a:tc>
-                  <a:txBody>
-                    <a:bodyPr/>
-                    <a:lstStyle/>
-                    <a:p>
-                      <a:pPr algn="ctr" fontAlgn="ctr"/>
-                      <a:r>
-                        <a:rPr lang="en-IN" sz="1800" u="none" strike="noStrike" dirty="0">
-                          <a:solidFill>
-                            <a:schemeClr val="tx1"/>
-                          </a:solidFill>
-                          <a:effectLst/>
-                          <a:highlight>
-                            <a:srgbClr val="0000FF"/>
-                          </a:highlight>
-                        </a:rPr>
-                        <a:t>133</a:t>
-                      </a:r>
-                      <a:endParaRPr lang="en-IN" sz="1800" b="0" i="0" u="none" strike="noStrike" dirty="0">
-                        <a:solidFill>
-                          <a:schemeClr val="tx1"/>
-                        </a:solidFill>
-                        <a:effectLst/>
-                        <a:highlight>
-                          <a:srgbClr val="0000FF"/>
-                        </a:highlight>
-                        <a:latin typeface="Aptos Narrow" panose="020B0004020202020204" pitchFamily="34" charset="0"/>
-                      </a:endParaRPr>
-                    </a:p>
-                  </a:txBody>
-                  <a:tcPr marL="7620" marR="7620" marT="7620" marB="0" anchor="ctr"/>
-                </a:tc>
-                <a:extLst>
-                  <a:ext uri="{0D108BD9-81ED-4DB2-BD59-A6C34878D82A}">
-                    <a16:rowId xmlns:a16="http://schemas.microsoft.com/office/drawing/2014/main" val="3821123107"/>
-                  </a:ext>
-                </a:extLst>
-              </a:tr>
-            </a:tbl>
-          </a:graphicData>
-        </a:graphic>
-      </p:graphicFrame>
-      <p:sp>
-        <p:nvSpPr>
-          <p:cNvPr id="2" name="TextBox 1">
-            <a:extLst>
-              <a:ext uri="{FF2B5EF4-FFF2-40B4-BE49-F238E27FC236}">
-                <a16:creationId xmlns:a16="http://schemas.microsoft.com/office/drawing/2014/main" id="{E44ADFA4-6A70-FBDF-A80A-E2C62E8E1713}"/>
-              </a:ext>
-            </a:extLst>
-          </p:cNvPr>
-          <p:cNvSpPr txBox="1"/>
-          <p:nvPr/>
-        </p:nvSpPr>
-        <p:spPr>
-          <a:xfrm>
-            <a:off x="496151" y="2113935"/>
-            <a:ext cx="9612888" cy="1862048"/>
-          </a:xfrm>
-          <a:prstGeom prst="rect">
-            <a:avLst/>
-          </a:prstGeom>
-          <a:noFill/>
-        </p:spPr>
-        <p:txBody>
-          <a:bodyPr wrap="none" rtlCol="0">
-            <a:spAutoFit/>
-          </a:bodyPr>
-          <a:lstStyle/>
-          <a:p>
-            <a:r>
-              <a:rPr lang="en-US" sz="11500" dirty="0"/>
-              <a:t>Not Applicable</a:t>
-            </a:r>
-            <a:endParaRPr lang="en-IN" sz="11500" dirty="0"/>
-          </a:p>
-        </p:txBody>
-      </p:sp>
-    </p:spTree>
-    <p:extLst>
-      <p:ext uri="{BB962C8B-B14F-4D97-AF65-F5344CB8AC3E}">
-        <p14:creationId xmlns:p14="http://schemas.microsoft.com/office/powerpoint/2010/main" val="2394888848"/>
-      </p:ext>
-    </p:extLst>
-  </p:cSld>
-  <p:clrMapOvr>
-    <a:masterClrMapping/>
-  </p:clrMapOvr>
-</p:sld>
-</file>
-
-<file path=ppt/slides/slide8.xml><?xml version="1.0" encoding="utf-8"?>
-<p:sld xmlns:a="http://schemas.openxmlformats.org/drawingml/2006/main" xmlns:r="http://schemas.openxmlformats.org/officeDocument/2006/relationships" xmlns:p="http://schemas.openxmlformats.org/presentationml/2006/main">
-  <p:cSld>
-    <p:spTree>
-      <p:nvGrpSpPr>
-        <p:cNvPr id="1" name="">
-          <a:extLst>
-            <a:ext uri="{FF2B5EF4-FFF2-40B4-BE49-F238E27FC236}">
-              <a16:creationId xmlns:a16="http://schemas.microsoft.com/office/drawing/2014/main" id="{C2B471AE-8104-6785-BE5D-91011D5F34C7}"/>
-            </a:ext>
-          </a:extLst>
-        </p:cNvPr>
-        <p:cNvGrpSpPr/>
-        <p:nvPr/>
-      </p:nvGrpSpPr>
-      <p:grpSpPr>
-        <a:xfrm>
-          <a:off x="0" y="0"/>
-          <a:ext cx="0" cy="0"/>
-          <a:chOff x="0" y="0"/>
-          <a:chExt cx="0" cy="0"/>
-        </a:xfrm>
-      </p:grpSpPr>
-      <p:graphicFrame>
-        <p:nvGraphicFramePr>
-          <p:cNvPr id="2" name="Table 1">
-            <a:extLst>
-              <a:ext uri="{FF2B5EF4-FFF2-40B4-BE49-F238E27FC236}">
-                <a16:creationId xmlns:a16="http://schemas.microsoft.com/office/drawing/2014/main" id="{85D87F78-C273-39F3-A6F6-FA4606D6BC73}"/>
-              </a:ext>
-            </a:extLst>
-          </p:cNvPr>
-          <p:cNvGraphicFramePr>
-            <a:graphicFrameLocks noGrp="1"/>
-          </p:cNvGraphicFramePr>
-          <p:nvPr>
-            <p:extLst>
-              <p:ext uri="{D42A27DB-BD31-4B8C-83A1-F6EECF244321}">
-                <p14:modId xmlns:p14="http://schemas.microsoft.com/office/powerpoint/2010/main" val="3886951699"/>
-              </p:ext>
-            </p:extLst>
-          </p:nvPr>
-        </p:nvGraphicFramePr>
-        <p:xfrm>
-          <a:off x="2847867" y="85444"/>
-          <a:ext cx="4909457" cy="1409700"/>
-        </p:xfrm>
-        <a:graphic>
-          <a:graphicData uri="http://schemas.openxmlformats.org/drawingml/2006/table">
-            <a:tbl>
-              <a:tblPr>
-                <a:tableStyleId>{5C22544A-7EE6-4342-B048-85BDC9FD1C3A}</a:tableStyleId>
-              </a:tblPr>
-              <a:tblGrid>
-                <a:gridCol w="1831305">
-                  <a:extLst>
-                    <a:ext uri="{9D8B030D-6E8A-4147-A177-3AD203B41FA5}">
-                      <a16:colId xmlns:a16="http://schemas.microsoft.com/office/drawing/2014/main" val="892411615"/>
-                    </a:ext>
-                  </a:extLst>
-                </a:gridCol>
-                <a:gridCol w="1383220">
-                  <a:extLst>
-                    <a:ext uri="{9D8B030D-6E8A-4147-A177-3AD203B41FA5}">
-                      <a16:colId xmlns:a16="http://schemas.microsoft.com/office/drawing/2014/main" val="4112619596"/>
-                    </a:ext>
-                  </a:extLst>
-                </a:gridCol>
-                <a:gridCol w="1694932">
-                  <a:extLst>
-                    <a:ext uri="{9D8B030D-6E8A-4147-A177-3AD203B41FA5}">
-                      <a16:colId xmlns:a16="http://schemas.microsoft.com/office/drawing/2014/main" val="3210649056"/>
-                    </a:ext>
-                  </a:extLst>
-                </a:gridCol>
-              </a:tblGrid>
-              <a:tr h="256741">
-                <a:tc>
-                  <a:txBody>
-                    <a:bodyPr/>
-                    <a:lstStyle/>
-                    <a:p>
-                      <a:pPr algn="ctr" fontAlgn="ctr"/>
-                      <a:r>
-                        <a:rPr lang="en-IN" sz="1800" u="none" strike="noStrike" dirty="0">
-                          <a:solidFill>
-                            <a:schemeClr val="tx1"/>
-                          </a:solidFill>
-                          <a:effectLst/>
-                        </a:rPr>
-                        <a:t>Weight</a:t>
-                      </a:r>
-                      <a:endParaRPr lang="en-IN" sz="1800" b="1" i="0" u="none" strike="noStrike" dirty="0">
-                        <a:solidFill>
-                          <a:schemeClr val="tx1"/>
-                        </a:solidFill>
-                        <a:effectLst/>
-                        <a:latin typeface="Aptos Narrow" panose="020B0004020202020204" pitchFamily="34" charset="0"/>
-                      </a:endParaRPr>
-                    </a:p>
-                  </a:txBody>
-                  <a:tcPr marL="7620" marR="7620" marT="7620" marB="0" anchor="ctr"/>
-                </a:tc>
-                <a:tc rowSpan="2">
-                  <a:txBody>
-                    <a:bodyPr/>
-                    <a:lstStyle/>
-                    <a:p>
-                      <a:pPr algn="ctr" fontAlgn="ctr"/>
-                      <a:r>
-                        <a:rPr lang="en-IN" sz="1800" u="none" strike="noStrike" dirty="0">
-                          <a:solidFill>
-                            <a:schemeClr val="tx1"/>
-                          </a:solidFill>
-                          <a:effectLst/>
-                        </a:rPr>
-                        <a:t>Heuristic</a:t>
-                      </a:r>
-                      <a:endParaRPr lang="en-IN" sz="1800" b="1" i="0" u="none" strike="noStrike" dirty="0">
-                        <a:solidFill>
-                          <a:schemeClr val="tx1"/>
-                        </a:solidFill>
-                        <a:effectLst/>
-                        <a:latin typeface="Aptos Narrow" panose="020B0004020202020204" pitchFamily="34" charset="0"/>
-                      </a:endParaRPr>
-                    </a:p>
-                  </a:txBody>
-                  <a:tcPr marL="7620" marR="7620" marT="7620" marB="0" anchor="ctr"/>
-                </a:tc>
-                <a:tc rowSpan="2">
-                  <a:txBody>
-                    <a:bodyPr/>
-                    <a:lstStyle/>
-                    <a:p>
-                      <a:pPr algn="ctr" fontAlgn="ctr"/>
-                      <a:r>
-                        <a:rPr lang="en-IN" sz="1800" u="none" strike="noStrike">
-                          <a:solidFill>
-                            <a:schemeClr val="tx1"/>
-                          </a:solidFill>
-                          <a:effectLst/>
-                        </a:rPr>
-                        <a:t>Path Length</a:t>
-                      </a:r>
-                      <a:endParaRPr lang="en-IN" sz="1800" b="1" i="0" u="none" strike="noStrike">
-                        <a:solidFill>
-                          <a:schemeClr val="tx1"/>
-                        </a:solidFill>
-                        <a:effectLst/>
-                        <a:latin typeface="Aptos Narrow" panose="020B0004020202020204" pitchFamily="34" charset="0"/>
-                      </a:endParaRPr>
-                    </a:p>
-                  </a:txBody>
-                  <a:tcPr marL="7620" marR="7620" marT="7620" marB="0" anchor="ctr"/>
-                </a:tc>
-                <a:extLst>
-                  <a:ext uri="{0D108BD9-81ED-4DB2-BD59-A6C34878D82A}">
-                    <a16:rowId xmlns:a16="http://schemas.microsoft.com/office/drawing/2014/main" val="477313569"/>
-                  </a:ext>
-                </a:extLst>
-              </a:tr>
-              <a:tr h="267438">
-                <a:tc>
-                  <a:txBody>
-                    <a:bodyPr/>
-                    <a:lstStyle/>
-                    <a:p>
-                      <a:pPr algn="ctr" fontAlgn="ctr"/>
-                      <a:r>
-                        <a:rPr lang="en-IN" sz="1800" u="none" strike="noStrike" dirty="0">
-                          <a:solidFill>
-                            <a:schemeClr val="tx1"/>
-                          </a:solidFill>
-                          <a:effectLst/>
-                        </a:rPr>
-                        <a:t>(N,E,S,W)</a:t>
-                      </a:r>
-                      <a:endParaRPr lang="en-IN" sz="1800" b="1" i="0" u="none" strike="noStrike" dirty="0">
-                        <a:solidFill>
-                          <a:schemeClr val="tx1"/>
-                        </a:solidFill>
-                        <a:effectLst/>
-                        <a:latin typeface="Aptos Narrow" panose="020B0004020202020204" pitchFamily="34" charset="0"/>
-                      </a:endParaRPr>
-                    </a:p>
-                  </a:txBody>
-                  <a:tcPr marL="7620" marR="7620" marT="7620" marB="0" anchor="ctr"/>
-                </a:tc>
-                <a:tc vMerge="1">
-                  <a:txBody>
-                    <a:bodyPr/>
-                    <a:lstStyle/>
-                    <a:p>
-                      <a:endParaRPr lang="en-IN"/>
-                    </a:p>
-                  </a:txBody>
-                  <a:tcPr/>
-                </a:tc>
-                <a:tc vMerge="1">
-                  <a:txBody>
-                    <a:bodyPr/>
-                    <a:lstStyle/>
-                    <a:p>
-                      <a:endParaRPr lang="en-IN"/>
-                    </a:p>
-                  </a:txBody>
-                  <a:tcPr/>
-                </a:tc>
-                <a:extLst>
-                  <a:ext uri="{0D108BD9-81ED-4DB2-BD59-A6C34878D82A}">
-                    <a16:rowId xmlns:a16="http://schemas.microsoft.com/office/drawing/2014/main" val="3557603266"/>
-                  </a:ext>
-                </a:extLst>
-              </a:tr>
-              <a:tr h="256741">
-                <a:tc>
-                  <a:txBody>
-                    <a:bodyPr/>
-                    <a:lstStyle/>
-                    <a:p>
-                      <a:pPr algn="ctr" fontAlgn="ctr"/>
-                      <a:r>
-                        <a:rPr lang="en-IN" sz="1800" u="none" strike="noStrike" dirty="0">
-                          <a:effectLst/>
-                          <a:highlight>
-                            <a:srgbClr val="FF0000"/>
-                          </a:highlight>
-                        </a:rPr>
-                        <a:t>(10,0,0,10)</a:t>
-                      </a:r>
-                      <a:endParaRPr lang="en-IN" sz="1800" b="1" i="0" u="none" strike="noStrike" dirty="0">
-                        <a:solidFill>
-                          <a:srgbClr val="000000"/>
-                        </a:solidFill>
-                        <a:effectLst/>
-                        <a:highlight>
-                          <a:srgbClr val="FF0000"/>
-                        </a:highlight>
-                        <a:latin typeface="Aptos Narrow" panose="020B0004020202020204" pitchFamily="34" charset="0"/>
-                      </a:endParaRPr>
-                    </a:p>
-                  </a:txBody>
-                  <a:tcPr marL="7620" marR="7620" marT="7620" marB="0" anchor="ctr"/>
-                </a:tc>
-                <a:tc>
-                  <a:txBody>
-                    <a:bodyPr/>
-                    <a:lstStyle/>
-                    <a:p>
-                      <a:pPr algn="ctr" fontAlgn="ctr"/>
-                      <a:r>
-                        <a:rPr lang="en-IN" sz="1800" u="none" strike="noStrike">
-                          <a:effectLst/>
-                          <a:highlight>
-                            <a:srgbClr val="FF0000"/>
-                          </a:highlight>
-                        </a:rPr>
-                        <a:t>Manhattan</a:t>
-                      </a:r>
-                      <a:endParaRPr lang="en-IN" sz="1800" b="1" i="0" u="none" strike="noStrike">
-                        <a:solidFill>
-                          <a:srgbClr val="000000"/>
-                        </a:solidFill>
-                        <a:effectLst/>
-                        <a:highlight>
-                          <a:srgbClr val="FF0000"/>
-                        </a:highlight>
-                        <a:latin typeface="Aptos Narrow" panose="020B0004020202020204" pitchFamily="34" charset="0"/>
-                      </a:endParaRPr>
-                    </a:p>
-                  </a:txBody>
-                  <a:tcPr marL="7620" marR="7620" marT="7620" marB="0" anchor="ctr"/>
-                </a:tc>
-                <a:tc>
-                  <a:txBody>
-                    <a:bodyPr/>
-                    <a:lstStyle/>
-                    <a:p>
-                      <a:pPr algn="ctr" fontAlgn="ctr"/>
-                      <a:r>
-                        <a:rPr lang="en-IN" sz="1800" u="none" strike="noStrike" dirty="0">
-                          <a:effectLst/>
-                          <a:highlight>
-                            <a:srgbClr val="FF0000"/>
-                          </a:highlight>
-                        </a:rPr>
-                        <a:t>133</a:t>
-                      </a:r>
-                      <a:endParaRPr lang="en-IN" sz="1800" b="0" i="0" u="none" strike="noStrike" dirty="0">
-                        <a:solidFill>
-                          <a:srgbClr val="000000"/>
-                        </a:solidFill>
-                        <a:effectLst/>
-                        <a:highlight>
-                          <a:srgbClr val="FF0000"/>
-                        </a:highlight>
-                        <a:latin typeface="Aptos Narrow" panose="020B0004020202020204" pitchFamily="34" charset="0"/>
-                      </a:endParaRPr>
-                    </a:p>
-                  </a:txBody>
-                  <a:tcPr marL="7620" marR="7620" marT="7620" marB="0" anchor="ctr"/>
-                </a:tc>
-                <a:extLst>
-                  <a:ext uri="{0D108BD9-81ED-4DB2-BD59-A6C34878D82A}">
-                    <a16:rowId xmlns:a16="http://schemas.microsoft.com/office/drawing/2014/main" val="4215129200"/>
-                  </a:ext>
-                </a:extLst>
-              </a:tr>
-              <a:tr h="256741">
-                <a:tc>
-                  <a:txBody>
-                    <a:bodyPr/>
-                    <a:lstStyle/>
-                    <a:p>
-                      <a:pPr algn="ctr" fontAlgn="ctr"/>
-                      <a:r>
-                        <a:rPr lang="en-IN" sz="1800" u="none" strike="noStrike" dirty="0">
-                          <a:effectLst/>
-                          <a:highlight>
-                            <a:srgbClr val="00FF00"/>
-                          </a:highlight>
-                        </a:rPr>
-                        <a:t>(10,0,0,10)</a:t>
-                      </a:r>
-                      <a:endParaRPr lang="en-IN" sz="1800" b="1" i="0" u="none" strike="noStrike" dirty="0">
-                        <a:solidFill>
-                          <a:srgbClr val="000000"/>
-                        </a:solidFill>
-                        <a:effectLst/>
-                        <a:highlight>
-                          <a:srgbClr val="00FF00"/>
-                        </a:highlight>
-                        <a:latin typeface="Aptos Narrow" panose="020B0004020202020204" pitchFamily="34" charset="0"/>
-                      </a:endParaRPr>
-                    </a:p>
-                  </a:txBody>
-                  <a:tcPr marL="7620" marR="7620" marT="7620" marB="0" anchor="ctr"/>
-                </a:tc>
-                <a:tc>
-                  <a:txBody>
-                    <a:bodyPr/>
-                    <a:lstStyle/>
-                    <a:p>
-                      <a:pPr algn="ctr" fontAlgn="ctr"/>
-                      <a:r>
-                        <a:rPr lang="en-IN" sz="1800" u="none" strike="noStrike" dirty="0">
-                          <a:effectLst/>
-                          <a:highlight>
-                            <a:srgbClr val="00FF00"/>
-                          </a:highlight>
-                        </a:rPr>
-                        <a:t>Euclidean</a:t>
-                      </a:r>
-                      <a:endParaRPr lang="en-IN" sz="1800" b="1" i="0" u="none" strike="noStrike" dirty="0">
-                        <a:solidFill>
-                          <a:srgbClr val="000000"/>
-                        </a:solidFill>
-                        <a:effectLst/>
-                        <a:highlight>
-                          <a:srgbClr val="00FF00"/>
-                        </a:highlight>
-                        <a:latin typeface="Aptos Narrow" panose="020B0004020202020204" pitchFamily="34" charset="0"/>
-                      </a:endParaRPr>
-                    </a:p>
-                  </a:txBody>
-                  <a:tcPr marL="7620" marR="7620" marT="7620" marB="0" anchor="ctr"/>
-                </a:tc>
-                <a:tc>
-                  <a:txBody>
-                    <a:bodyPr/>
-                    <a:lstStyle/>
-                    <a:p>
-                      <a:pPr algn="ctr" fontAlgn="ctr"/>
-                      <a:r>
-                        <a:rPr lang="en-IN" sz="1800" u="none" strike="noStrike" dirty="0">
-                          <a:effectLst/>
-                          <a:highlight>
-                            <a:srgbClr val="00FF00"/>
-                          </a:highlight>
-                        </a:rPr>
-                        <a:t>153</a:t>
-                      </a:r>
-                      <a:endParaRPr lang="en-IN" sz="1800" b="0" i="0" u="none" strike="noStrike" dirty="0">
-                        <a:solidFill>
-                          <a:srgbClr val="000000"/>
-                        </a:solidFill>
-                        <a:effectLst/>
-                        <a:highlight>
-                          <a:srgbClr val="00FF00"/>
-                        </a:highlight>
-                        <a:latin typeface="Aptos Narrow" panose="020B0004020202020204" pitchFamily="34" charset="0"/>
-                      </a:endParaRPr>
-                    </a:p>
-                  </a:txBody>
-                  <a:tcPr marL="7620" marR="7620" marT="7620" marB="0" anchor="ctr"/>
-                </a:tc>
-                <a:extLst>
-                  <a:ext uri="{0D108BD9-81ED-4DB2-BD59-A6C34878D82A}">
-                    <a16:rowId xmlns:a16="http://schemas.microsoft.com/office/drawing/2014/main" val="2180606911"/>
-                  </a:ext>
-                </a:extLst>
-              </a:tr>
-              <a:tr h="267438">
-                <a:tc>
-                  <a:txBody>
-                    <a:bodyPr/>
-                    <a:lstStyle/>
-                    <a:p>
-                      <a:pPr algn="ctr" fontAlgn="ctr"/>
-                      <a:r>
-                        <a:rPr lang="en-IN" sz="1800" u="none" strike="noStrike" dirty="0">
-                          <a:effectLst/>
-                          <a:highlight>
-                            <a:srgbClr val="0000FF"/>
-                          </a:highlight>
-                        </a:rPr>
-                        <a:t>(10,0,0,10)</a:t>
-                      </a:r>
-                      <a:endParaRPr lang="en-IN" sz="1800" b="1" i="0" u="none" strike="noStrike" dirty="0">
-                        <a:solidFill>
-                          <a:srgbClr val="000000"/>
-                        </a:solidFill>
-                        <a:effectLst/>
-                        <a:highlight>
-                          <a:srgbClr val="0000FF"/>
-                        </a:highlight>
-                        <a:latin typeface="Aptos Narrow" panose="020B0004020202020204" pitchFamily="34" charset="0"/>
-                      </a:endParaRPr>
-                    </a:p>
-                  </a:txBody>
-                  <a:tcPr marL="7620" marR="7620" marT="7620" marB="0" anchor="ctr"/>
-                </a:tc>
-                <a:tc>
-                  <a:txBody>
-                    <a:bodyPr/>
-                    <a:lstStyle/>
-                    <a:p>
-                      <a:pPr algn="ctr" fontAlgn="ctr"/>
-                      <a:r>
-                        <a:rPr lang="en-IN" sz="1800" u="none" strike="noStrike" dirty="0">
-                          <a:solidFill>
-                            <a:schemeClr val="tx1"/>
-                          </a:solidFill>
-                          <a:effectLst/>
-                          <a:highlight>
-                            <a:srgbClr val="0000FF"/>
-                          </a:highlight>
-                        </a:rPr>
-                        <a:t>Chebyshev</a:t>
-                      </a:r>
-                      <a:endParaRPr lang="en-IN" sz="1800" b="1" i="0" u="none" strike="noStrike" dirty="0">
-                        <a:solidFill>
-                          <a:schemeClr val="tx1"/>
-                        </a:solidFill>
-                        <a:effectLst/>
-                        <a:highlight>
-                          <a:srgbClr val="0000FF"/>
-                        </a:highlight>
-                        <a:latin typeface="Aptos Narrow" panose="020B0004020202020204" pitchFamily="34" charset="0"/>
-                      </a:endParaRPr>
-                    </a:p>
-                  </a:txBody>
-                  <a:tcPr marL="7620" marR="7620" marT="7620" marB="0" anchor="ctr"/>
-                </a:tc>
-                <a:tc>
-                  <a:txBody>
-                    <a:bodyPr/>
-                    <a:lstStyle/>
-                    <a:p>
-                      <a:pPr algn="ctr" fontAlgn="ctr"/>
-                      <a:r>
-                        <a:rPr lang="en-IN" sz="1800" u="none" strike="noStrike" dirty="0">
-                          <a:solidFill>
-                            <a:schemeClr val="tx1"/>
-                          </a:solidFill>
-                          <a:effectLst/>
-                          <a:highlight>
-                            <a:srgbClr val="0000FF"/>
-                          </a:highlight>
-                        </a:rPr>
-                        <a:t>147</a:t>
-                      </a:r>
-                      <a:endParaRPr lang="en-IN" sz="1800" b="0" i="0" u="none" strike="noStrike" dirty="0">
-                        <a:solidFill>
-                          <a:schemeClr val="tx1"/>
-                        </a:solidFill>
-                        <a:effectLst/>
-                        <a:highlight>
-                          <a:srgbClr val="0000FF"/>
-                        </a:highlight>
-                        <a:latin typeface="Aptos Narrow" panose="020B0004020202020204" pitchFamily="34" charset="0"/>
-                      </a:endParaRPr>
-                    </a:p>
-                  </a:txBody>
-                  <a:tcPr marL="7620" marR="7620" marT="7620" marB="0" anchor="ctr"/>
-                </a:tc>
-                <a:extLst>
-                  <a:ext uri="{0D108BD9-81ED-4DB2-BD59-A6C34878D82A}">
-                    <a16:rowId xmlns:a16="http://schemas.microsoft.com/office/drawing/2014/main" val="3821123107"/>
-                  </a:ext>
-                </a:extLst>
-              </a:tr>
-            </a:tbl>
-          </a:graphicData>
-        </a:graphic>
-      </p:graphicFrame>
-      <p:pic>
-        <p:nvPicPr>
-          <p:cNvPr id="4" name="Picture 3">
-            <a:extLst>
-              <a:ext uri="{FF2B5EF4-FFF2-40B4-BE49-F238E27FC236}">
-                <a16:creationId xmlns:a16="http://schemas.microsoft.com/office/drawing/2014/main" id="{11FF30A6-F24D-5F3B-4363-69BC1DECC00D}"/>
-              </a:ext>
-            </a:extLst>
-          </p:cNvPr>
-          <p:cNvPicPr>
-            <a:picLocks noChangeAspect="1"/>
-          </p:cNvPicPr>
-          <p:nvPr/>
-        </p:nvPicPr>
-        <p:blipFill>
-          <a:blip r:embed="rId2"/>
-          <a:stretch>
-            <a:fillRect/>
-          </a:stretch>
-        </p:blipFill>
-        <p:spPr>
-          <a:xfrm>
-            <a:off x="0" y="1767097"/>
-            <a:ext cx="12192000" cy="3323805"/>
-          </a:xfrm>
-          <a:prstGeom prst="rect">
-            <a:avLst/>
-          </a:prstGeom>
-        </p:spPr>
-      </p:pic>
-    </p:spTree>
-    <p:extLst>
-      <p:ext uri="{BB962C8B-B14F-4D97-AF65-F5344CB8AC3E}">
-        <p14:creationId xmlns:p14="http://schemas.microsoft.com/office/powerpoint/2010/main" val="1730886057"/>
-      </p:ext>
-    </p:extLst>
-  </p:cSld>
-  <p:clrMapOvr>
-    <a:masterClrMapping/>
-  </p:clrMapOvr>
-</p:sld>
-</file>
-
 <file path=ppt/theme/theme1.xml><?xml version="1.0" encoding="utf-8"?>
 <a:theme xmlns:a="http://schemas.openxmlformats.org/drawingml/2006/main" name="Wisp">
   <a:themeElements>
